--- a/PPTs/Lecture 7-hash table exercises ANS.pptx
+++ b/PPTs/Lecture 7-hash table exercises ANS.pptx
@@ -5,7 +5,7 @@
     <p:sldMasterId id="2147483648" r:id="rId1"/>
   </p:sldMasterIdLst>
   <p:notesMasterIdLst>
-    <p:notesMasterId r:id="rId8"/>
+    <p:notesMasterId r:id="rId13"/>
   </p:notesMasterIdLst>
   <p:sldIdLst>
     <p:sldId id="256" r:id="rId2"/>
@@ -14,6 +14,11 @@
     <p:sldId id="280" r:id="rId5"/>
     <p:sldId id="281" r:id="rId6"/>
     <p:sldId id="327" r:id="rId7"/>
+    <p:sldId id="282" r:id="rId8"/>
+    <p:sldId id="328" r:id="rId9"/>
+    <p:sldId id="329" r:id="rId10"/>
+    <p:sldId id="330" r:id="rId11"/>
+    <p:sldId id="331" r:id="rId12"/>
   </p:sldIdLst>
   <p:sldSz cx="9144000" cy="6858000" type="screen4x3"/>
   <p:notesSz cx="6858000" cy="9144000"/>
@@ -669,7 +674,7 @@
           <a:p>
             <a:r>
               <a:rPr lang="en-GB" dirty="0"/>
-              <a:t>To determine the resultant hash table after inserting the keys 12, 18, 13, 2, 3, 23, 5, and 15 into an initially empty hash table of length 10 using open addressing with linear probing and the hash function $$ h(k) = k \mod 10 $$, we can follow these steps:</a:t>
+              <a:t>To determine the resultant hash table after inserting the keys 12, 18, 13, 2, 3, 23, 5, and 15 into an initially empty hash table of length 10 using open addressing with linear probing and the hash function $$ h(k) = k \% 10 $$, we can follow these steps:</a:t>
             </a:r>
           </a:p>
           <a:p>
@@ -684,49 +689,49 @@
           <a:p>
             <a:r>
               <a:rPr lang="en-GB" dirty="0"/>
-              <a:t>   - For key 12: $$ 12 \mod 10 = 2 $$</a:t>
+              <a:t>   - For key 12: $$ 12 \% 10 = 2 $$</a:t>
             </a:r>
           </a:p>
           <a:p>
             <a:r>
               <a:rPr lang="en-GB" dirty="0"/>
-              <a:t>   - For key 18: $$ 18 \mod 10 = 8 $$</a:t>
+              <a:t>   - For key 18: $$ 18 \% 10 = 8 $$</a:t>
             </a:r>
           </a:p>
           <a:p>
             <a:r>
               <a:rPr lang="en-GB" dirty="0"/>
-              <a:t>   - For key 13: $$ 13 \mod 10 = 3 $$</a:t>
+              <a:t>   - For key 13: $$ 13 \% 10 = 3 $$</a:t>
             </a:r>
           </a:p>
           <a:p>
             <a:r>
               <a:rPr lang="en-GB" dirty="0"/>
-              <a:t>   - For key 2: $$ 2 \mod 10 = 2 $$</a:t>
+              <a:t>   - For key 2: $$ 2 \% 10 = 2 $$</a:t>
             </a:r>
           </a:p>
           <a:p>
             <a:r>
               <a:rPr lang="en-GB" dirty="0"/>
-              <a:t>   - For key 3: $$ 3 \mod 10 = 3 $$</a:t>
+              <a:t>   - For key 3: $$ 3 \% 10 = 3 $$</a:t>
             </a:r>
           </a:p>
           <a:p>
             <a:r>
               <a:rPr lang="en-GB" dirty="0"/>
-              <a:t>   - For key 23: $$ 23 \mod 10 = 3 $$</a:t>
+              <a:t>   - For key 23: $$ 23 \% 10 = 3 $$</a:t>
             </a:r>
           </a:p>
           <a:p>
             <a:r>
               <a:rPr lang="en-GB" dirty="0"/>
-              <a:t>   - For key 5: $$ 5 \mod 10 = 5 $$</a:t>
+              <a:t>   - For key 5: $$ 5 \% 10 = 5 $$</a:t>
             </a:r>
           </a:p>
           <a:p>
             <a:r>
               <a:rPr lang="en-GB" dirty="0"/>
-              <a:t>   - For key 15: $$ 15 \mod 10 = 5 $$</a:t>
+              <a:t>   - For key 15: $$ 15 \% 10 = 5 $$</a:t>
             </a:r>
           </a:p>
           <a:p>
@@ -4067,6 +4072,921 @@
 </p:sld>
 </file>
 
+<file path=ppt/slides/slide10.xml><?xml version="1.0" encoding="utf-8"?>
+<p:sld xmlns:a="http://schemas.openxmlformats.org/drawingml/2006/main" xmlns:r="http://schemas.openxmlformats.org/officeDocument/2006/relationships" xmlns:p="http://schemas.openxmlformats.org/presentationml/2006/main">
+  <p:cSld>
+    <p:spTree>
+      <p:nvGrpSpPr>
+        <p:cNvPr id="1" name=""/>
+        <p:cNvGrpSpPr/>
+        <p:nvPr/>
+      </p:nvGrpSpPr>
+      <p:grpSpPr>
+        <a:xfrm>
+          <a:off x="0" y="0"/>
+          <a:ext cx="0" cy="0"/>
+          <a:chOff x="0" y="0"/>
+          <a:chExt cx="0" cy="0"/>
+        </a:xfrm>
+      </p:grpSpPr>
+      <p:sp>
+        <p:nvSpPr>
+          <p:cNvPr id="2" name="Title 1">
+            <a:extLst>
+              <a:ext uri="{FF2B5EF4-FFF2-40B4-BE49-F238E27FC236}">
+                <a16:creationId xmlns:a16="http://schemas.microsoft.com/office/drawing/2014/main" id="{EAB17510-120D-497D-16C8-432C6EF2F304}"/>
+              </a:ext>
+            </a:extLst>
+          </p:cNvPr>
+          <p:cNvSpPr>
+            <a:spLocks noGrp="1"/>
+          </p:cNvSpPr>
+          <p:nvPr>
+            <p:ph type="title"/>
+          </p:nvPr>
+        </p:nvSpPr>
+        <p:spPr/>
+        <p:txBody>
+          <a:bodyPr/>
+          <a:lstStyle/>
+          <a:p>
+            <a:r>
+              <a:rPr lang="en-GB" dirty="0"/>
+              <a:t>Quadratic Probing</a:t>
+            </a:r>
+            <a:endParaRPr lang="en-SE" dirty="0"/>
+          </a:p>
+        </p:txBody>
+      </p:sp>
+      <p:sp>
+        <p:nvSpPr>
+          <p:cNvPr id="3" name="Content Placeholder 2">
+            <a:extLst>
+              <a:ext uri="{FF2B5EF4-FFF2-40B4-BE49-F238E27FC236}">
+                <a16:creationId xmlns:a16="http://schemas.microsoft.com/office/drawing/2014/main" id="{BC767CEC-E442-F044-A0DC-39E883D0EF5E}"/>
+              </a:ext>
+            </a:extLst>
+          </p:cNvPr>
+          <p:cNvSpPr>
+            <a:spLocks noGrp="1"/>
+          </p:cNvSpPr>
+          <p:nvPr>
+            <p:ph idx="1"/>
+          </p:nvPr>
+        </p:nvSpPr>
+        <p:spPr/>
+        <p:txBody>
+          <a:bodyPr>
+            <a:normAutofit lnSpcReduction="10000"/>
+          </a:bodyPr>
+          <a:lstStyle/>
+          <a:p>
+            <a:r>
+              <a:rPr lang="en-GB" dirty="0"/>
+              <a:t>Collisions are resolved using quadratic increments:</a:t>
+            </a:r>
+          </a:p>
+          <a:p>
+            <a:r>
+              <a:rPr lang="en-GB" dirty="0"/>
+              <a:t>Probe(</a:t>
+            </a:r>
+            <a:r>
+              <a:rPr lang="en-GB" dirty="0" err="1"/>
+              <a:t>k,i</a:t>
+            </a:r>
+            <a:r>
+              <a:rPr lang="en-GB" dirty="0"/>
+              <a:t>)=(h(k)+i2)%5</a:t>
+            </a:r>
+          </a:p>
+          <a:p>
+            <a:r>
+              <a:rPr lang="en-GB" dirty="0"/>
+              <a:t>Step-by-Step Insertion</a:t>
+            </a:r>
+          </a:p>
+          <a:p>
+            <a:r>
+              <a:rPr lang="en-GB" dirty="0"/>
+              <a:t>10: Slot 0 → ``</a:t>
+            </a:r>
+          </a:p>
+          <a:p>
+            <a:r>
+              <a:rPr lang="en-GB" dirty="0"/>
+              <a:t>22: Slot 2 → ``</a:t>
+            </a:r>
+          </a:p>
+          <a:p>
+            <a:r>
+              <a:rPr lang="en-GB" dirty="0"/>
+              <a:t>15: Slot 0 (occupied).</a:t>
+            </a:r>
+          </a:p>
+          <a:p>
+            <a:pPr lvl="1"/>
+            <a:r>
+              <a:rPr lang="en-GB" dirty="0"/>
+              <a:t>Probe 1: (0+12)%5=1 → Slot 1 → ``</a:t>
+            </a:r>
+          </a:p>
+          <a:p>
+            <a:r>
+              <a:rPr lang="en-GB" dirty="0"/>
+              <a:t>33: Slot 3 → ``</a:t>
+            </a:r>
+          </a:p>
+          <a:p>
+            <a:r>
+              <a:rPr lang="en-GB" dirty="0"/>
+              <a:t>25: Slot 0 (occupied).</a:t>
+            </a:r>
+          </a:p>
+          <a:p>
+            <a:pPr lvl="1"/>
+            <a:r>
+              <a:rPr lang="en-GB" dirty="0"/>
+              <a:t>Probe 1: (0+12)%5=1 (occupied).</a:t>
+            </a:r>
+          </a:p>
+          <a:p>
+            <a:pPr lvl="1"/>
+            <a:r>
+              <a:rPr lang="en-GB" dirty="0"/>
+              <a:t>Probe 2: (0+22)%5=4 → Slot 4 → ``</a:t>
+            </a:r>
+            <a:endParaRPr lang="en-SE" dirty="0"/>
+          </a:p>
+        </p:txBody>
+      </p:sp>
+      <p:graphicFrame>
+        <p:nvGraphicFramePr>
+          <p:cNvPr id="4" name="Content Placeholder 5">
+            <a:extLst>
+              <a:ext uri="{FF2B5EF4-FFF2-40B4-BE49-F238E27FC236}">
+                <a16:creationId xmlns:a16="http://schemas.microsoft.com/office/drawing/2014/main" id="{3D7618EA-84FA-8CB9-3411-9B813CDFF0AE}"/>
+              </a:ext>
+            </a:extLst>
+          </p:cNvPr>
+          <p:cNvGraphicFramePr>
+            <a:graphicFrameLocks/>
+          </p:cNvGraphicFramePr>
+          <p:nvPr>
+            <p:extLst>
+              <p:ext uri="{D42A27DB-BD31-4B8C-83A1-F6EECF244321}">
+                <p14:modId xmlns:p14="http://schemas.microsoft.com/office/powerpoint/2010/main" val="2190269647"/>
+              </p:ext>
+            </p:extLst>
+          </p:nvPr>
+        </p:nvGraphicFramePr>
+        <p:xfrm>
+          <a:off x="3345425" y="5790882"/>
+          <a:ext cx="2453150" cy="792480"/>
+        </p:xfrm>
+        <a:graphic>
+          <a:graphicData uri="http://schemas.openxmlformats.org/drawingml/2006/table">
+            <a:tbl>
+              <a:tblPr firstRow="1" bandRow="1">
+                <a:tableStyleId>{5C22544A-7EE6-4342-B048-85BDC9FD1C3A}</a:tableStyleId>
+              </a:tblPr>
+              <a:tblGrid>
+                <a:gridCol w="490630">
+                  <a:extLst>
+                    <a:ext uri="{9D8B030D-6E8A-4147-A177-3AD203B41FA5}">
+                      <a16:colId xmlns:a16="http://schemas.microsoft.com/office/drawing/2014/main" val="700735995"/>
+                    </a:ext>
+                  </a:extLst>
+                </a:gridCol>
+                <a:gridCol w="490630">
+                  <a:extLst>
+                    <a:ext uri="{9D8B030D-6E8A-4147-A177-3AD203B41FA5}">
+                      <a16:colId xmlns:a16="http://schemas.microsoft.com/office/drawing/2014/main" val="1908259962"/>
+                    </a:ext>
+                  </a:extLst>
+                </a:gridCol>
+                <a:gridCol w="490630">
+                  <a:extLst>
+                    <a:ext uri="{9D8B030D-6E8A-4147-A177-3AD203B41FA5}">
+                      <a16:colId xmlns:a16="http://schemas.microsoft.com/office/drawing/2014/main" val="3442639361"/>
+                    </a:ext>
+                  </a:extLst>
+                </a:gridCol>
+                <a:gridCol w="490630">
+                  <a:extLst>
+                    <a:ext uri="{9D8B030D-6E8A-4147-A177-3AD203B41FA5}">
+                      <a16:colId xmlns:a16="http://schemas.microsoft.com/office/drawing/2014/main" val="1775871323"/>
+                    </a:ext>
+                  </a:extLst>
+                </a:gridCol>
+                <a:gridCol w="490630">
+                  <a:extLst>
+                    <a:ext uri="{9D8B030D-6E8A-4147-A177-3AD203B41FA5}">
+                      <a16:colId xmlns:a16="http://schemas.microsoft.com/office/drawing/2014/main" val="750707541"/>
+                    </a:ext>
+                  </a:extLst>
+                </a:gridCol>
+              </a:tblGrid>
+              <a:tr h="370840">
+                <a:tc>
+                  <a:txBody>
+                    <a:bodyPr/>
+                    <a:lstStyle/>
+                    <a:p>
+                      <a:pPr algn="ctr"/>
+                      <a:r>
+                        <a:rPr lang="en-GB" sz="2000" dirty="0"/>
+                        <a:t>0</a:t>
+                      </a:r>
+                      <a:endParaRPr lang="en-SE" sz="2000" dirty="0"/>
+                    </a:p>
+                  </a:txBody>
+                  <a:tcPr/>
+                </a:tc>
+                <a:tc>
+                  <a:txBody>
+                    <a:bodyPr/>
+                    <a:lstStyle/>
+                    <a:p>
+                      <a:pPr algn="ctr"/>
+                      <a:r>
+                        <a:rPr lang="en-GB" sz="2000" dirty="0"/>
+                        <a:t>1</a:t>
+                      </a:r>
+                      <a:endParaRPr lang="en-SE" sz="2000" dirty="0"/>
+                    </a:p>
+                  </a:txBody>
+                  <a:tcPr/>
+                </a:tc>
+                <a:tc>
+                  <a:txBody>
+                    <a:bodyPr/>
+                    <a:lstStyle/>
+                    <a:p>
+                      <a:pPr algn="ctr"/>
+                      <a:r>
+                        <a:rPr lang="en-GB" sz="2000" dirty="0"/>
+                        <a:t>2</a:t>
+                      </a:r>
+                      <a:endParaRPr lang="en-SE" sz="2000" dirty="0"/>
+                    </a:p>
+                  </a:txBody>
+                  <a:tcPr/>
+                </a:tc>
+                <a:tc>
+                  <a:txBody>
+                    <a:bodyPr/>
+                    <a:lstStyle/>
+                    <a:p>
+                      <a:pPr algn="ctr"/>
+                      <a:r>
+                        <a:rPr lang="en-GB" sz="2000" dirty="0"/>
+                        <a:t>3</a:t>
+                      </a:r>
+                      <a:endParaRPr lang="en-SE" sz="2000" dirty="0"/>
+                    </a:p>
+                  </a:txBody>
+                  <a:tcPr/>
+                </a:tc>
+                <a:tc>
+                  <a:txBody>
+                    <a:bodyPr/>
+                    <a:lstStyle/>
+                    <a:p>
+                      <a:pPr algn="ctr"/>
+                      <a:r>
+                        <a:rPr lang="en-GB" sz="2000" dirty="0"/>
+                        <a:t>4</a:t>
+                      </a:r>
+                      <a:endParaRPr lang="en-SE" sz="2000" dirty="0"/>
+                    </a:p>
+                  </a:txBody>
+                  <a:tcPr/>
+                </a:tc>
+                <a:extLst>
+                  <a:ext uri="{0D108BD9-81ED-4DB2-BD59-A6C34878D82A}">
+                    <a16:rowId xmlns:a16="http://schemas.microsoft.com/office/drawing/2014/main" val="682864112"/>
+                  </a:ext>
+                </a:extLst>
+              </a:tr>
+              <a:tr h="370840">
+                <a:tc>
+                  <a:txBody>
+                    <a:bodyPr/>
+                    <a:lstStyle/>
+                    <a:p>
+                      <a:pPr algn="ctr"/>
+                      <a:r>
+                        <a:rPr lang="en-GB" sz="2000" dirty="0"/>
+                        <a:t>10</a:t>
+                      </a:r>
+                      <a:endParaRPr lang="en-SE" sz="2000" dirty="0"/>
+                    </a:p>
+                  </a:txBody>
+                  <a:tcPr/>
+                </a:tc>
+                <a:tc>
+                  <a:txBody>
+                    <a:bodyPr/>
+                    <a:lstStyle/>
+                    <a:p>
+                      <a:pPr algn="ctr"/>
+                      <a:r>
+                        <a:rPr lang="en-GB" sz="2000" dirty="0"/>
+                        <a:t>15</a:t>
+                      </a:r>
+                      <a:endParaRPr lang="en-SE" sz="2000" dirty="0"/>
+                    </a:p>
+                  </a:txBody>
+                  <a:tcPr/>
+                </a:tc>
+                <a:tc>
+                  <a:txBody>
+                    <a:bodyPr/>
+                    <a:lstStyle/>
+                    <a:p>
+                      <a:pPr algn="ctr"/>
+                      <a:r>
+                        <a:rPr lang="en-GB" sz="2000" dirty="0"/>
+                        <a:t>22</a:t>
+                      </a:r>
+                      <a:endParaRPr lang="en-SE" sz="2000" dirty="0"/>
+                    </a:p>
+                  </a:txBody>
+                  <a:tcPr/>
+                </a:tc>
+                <a:tc>
+                  <a:txBody>
+                    <a:bodyPr/>
+                    <a:lstStyle/>
+                    <a:p>
+                      <a:pPr algn="ctr"/>
+                      <a:r>
+                        <a:rPr lang="en-GB" sz="2000" dirty="0"/>
+                        <a:t>33</a:t>
+                      </a:r>
+                      <a:endParaRPr lang="en-SE" sz="2000" dirty="0"/>
+                    </a:p>
+                  </a:txBody>
+                  <a:tcPr/>
+                </a:tc>
+                <a:tc>
+                  <a:txBody>
+                    <a:bodyPr/>
+                    <a:lstStyle/>
+                    <a:p>
+                      <a:pPr algn="ctr"/>
+                      <a:r>
+                        <a:rPr lang="en-GB" sz="2000" dirty="0"/>
+                        <a:t>25</a:t>
+                      </a:r>
+                      <a:endParaRPr lang="en-SE" sz="2000" dirty="0"/>
+                    </a:p>
+                  </a:txBody>
+                  <a:tcPr/>
+                </a:tc>
+                <a:extLst>
+                  <a:ext uri="{0D108BD9-81ED-4DB2-BD59-A6C34878D82A}">
+                    <a16:rowId xmlns:a16="http://schemas.microsoft.com/office/drawing/2014/main" val="2261139520"/>
+                  </a:ext>
+                </a:extLst>
+              </a:tr>
+            </a:tbl>
+          </a:graphicData>
+        </a:graphic>
+      </p:graphicFrame>
+    </p:spTree>
+    <p:extLst>
+      <p:ext uri="{BB962C8B-B14F-4D97-AF65-F5344CB8AC3E}">
+        <p14:creationId xmlns:p14="http://schemas.microsoft.com/office/powerpoint/2010/main" val="2271126121"/>
+      </p:ext>
+    </p:extLst>
+  </p:cSld>
+  <p:clrMapOvr>
+    <a:masterClrMapping/>
+  </p:clrMapOvr>
+</p:sld>
+</file>
+
+<file path=ppt/slides/slide11.xml><?xml version="1.0" encoding="utf-8"?>
+<p:sld xmlns:a="http://schemas.openxmlformats.org/drawingml/2006/main" xmlns:r="http://schemas.openxmlformats.org/officeDocument/2006/relationships" xmlns:p="http://schemas.openxmlformats.org/presentationml/2006/main">
+  <p:cSld>
+    <p:spTree>
+      <p:nvGrpSpPr>
+        <p:cNvPr id="1" name=""/>
+        <p:cNvGrpSpPr/>
+        <p:nvPr/>
+      </p:nvGrpSpPr>
+      <p:grpSpPr>
+        <a:xfrm>
+          <a:off x="0" y="0"/>
+          <a:ext cx="0" cy="0"/>
+          <a:chOff x="0" y="0"/>
+          <a:chExt cx="0" cy="0"/>
+        </a:xfrm>
+      </p:grpSpPr>
+      <p:sp>
+        <p:nvSpPr>
+          <p:cNvPr id="2" name="Title 1">
+            <a:extLst>
+              <a:ext uri="{FF2B5EF4-FFF2-40B4-BE49-F238E27FC236}">
+                <a16:creationId xmlns:a16="http://schemas.microsoft.com/office/drawing/2014/main" id="{86C035C2-D4B0-6FE6-DC65-590A31982C3E}"/>
+              </a:ext>
+            </a:extLst>
+          </p:cNvPr>
+          <p:cNvSpPr>
+            <a:spLocks noGrp="1"/>
+          </p:cNvSpPr>
+          <p:nvPr>
+            <p:ph type="title"/>
+          </p:nvPr>
+        </p:nvSpPr>
+        <p:spPr/>
+        <p:txBody>
+          <a:bodyPr/>
+          <a:lstStyle/>
+          <a:p>
+            <a:r>
+              <a:rPr lang="en-GB" dirty="0"/>
+              <a:t>Double Hashing</a:t>
+            </a:r>
+            <a:endParaRPr lang="en-SE" dirty="0"/>
+          </a:p>
+        </p:txBody>
+      </p:sp>
+      <p:sp>
+        <p:nvSpPr>
+          <p:cNvPr id="3" name="Content Placeholder 2">
+            <a:extLst>
+              <a:ext uri="{FF2B5EF4-FFF2-40B4-BE49-F238E27FC236}">
+                <a16:creationId xmlns:a16="http://schemas.microsoft.com/office/drawing/2014/main" id="{DC9BEB7F-0313-FF94-80C2-4D865C3A7C33}"/>
+              </a:ext>
+            </a:extLst>
+          </p:cNvPr>
+          <p:cNvSpPr>
+            <a:spLocks noGrp="1"/>
+          </p:cNvSpPr>
+          <p:nvPr>
+            <p:ph idx="1"/>
+          </p:nvPr>
+        </p:nvSpPr>
+        <p:spPr/>
+        <p:txBody>
+          <a:bodyPr>
+            <a:normAutofit fontScale="85000" lnSpcReduction="20000"/>
+          </a:bodyPr>
+          <a:lstStyle/>
+          <a:p>
+            <a:pPr algn="l"/>
+            <a:r>
+              <a:rPr lang="en-GB" b="0" i="0" dirty="0">
+                <a:solidFill>
+                  <a:srgbClr val="222222"/>
+                </a:solidFill>
+                <a:effectLst/>
+                <a:latin typeface="Times New Roman" panose="02020603050405020304" pitchFamily="18" charset="0"/>
+                <a:cs typeface="Times New Roman" panose="02020603050405020304" pitchFamily="18" charset="0"/>
+              </a:rPr>
+              <a:t>Uses two hash functions:</a:t>
+            </a:r>
+          </a:p>
+          <a:p>
+            <a:pPr lvl="1">
+              <a:buFont typeface="Arial" panose="020B0604020202020204" pitchFamily="34" charset="0"/>
+              <a:buChar char="•"/>
+            </a:pPr>
+            <a:r>
+              <a:rPr lang="en-GB" b="0" i="0" dirty="0">
+                <a:solidFill>
+                  <a:srgbClr val="222222"/>
+                </a:solidFill>
+                <a:effectLst/>
+                <a:latin typeface="Times New Roman" panose="02020603050405020304" pitchFamily="18" charset="0"/>
+                <a:cs typeface="Times New Roman" panose="02020603050405020304" pitchFamily="18" charset="0"/>
+              </a:rPr>
+              <a:t>h1(k)=k%5</a:t>
+            </a:r>
+          </a:p>
+          <a:p>
+            <a:pPr lvl="1">
+              <a:buFont typeface="Arial" panose="020B0604020202020204" pitchFamily="34" charset="0"/>
+              <a:buChar char="•"/>
+            </a:pPr>
+            <a:r>
+              <a:rPr lang="en-GB" b="0" i="0" dirty="0">
+                <a:solidFill>
+                  <a:srgbClr val="222222"/>
+                </a:solidFill>
+                <a:effectLst/>
+                <a:latin typeface="Times New Roman" panose="02020603050405020304" pitchFamily="18" charset="0"/>
+                <a:cs typeface="Times New Roman" panose="02020603050405020304" pitchFamily="18" charset="0"/>
+              </a:rPr>
+              <a:t>h2(k)=1+(k%3) (step size)</a:t>
+            </a:r>
+            <a:br>
+              <a:rPr lang="en-GB" b="0" i="0" dirty="0">
+                <a:solidFill>
+                  <a:srgbClr val="222222"/>
+                </a:solidFill>
+                <a:effectLst/>
+                <a:latin typeface="Times New Roman" panose="02020603050405020304" pitchFamily="18" charset="0"/>
+                <a:cs typeface="Times New Roman" panose="02020603050405020304" pitchFamily="18" charset="0"/>
+              </a:rPr>
+            </a:br>
+            <a:r>
+              <a:rPr lang="en-GB" b="0" i="0" dirty="0">
+                <a:solidFill>
+                  <a:srgbClr val="222222"/>
+                </a:solidFill>
+                <a:effectLst/>
+                <a:latin typeface="Times New Roman" panose="02020603050405020304" pitchFamily="18" charset="0"/>
+                <a:cs typeface="Times New Roman" panose="02020603050405020304" pitchFamily="18" charset="0"/>
+              </a:rPr>
+              <a:t>Probe sequence: Probe(</a:t>
+            </a:r>
+            <a:r>
+              <a:rPr lang="en-GB" b="0" i="0" dirty="0" err="1">
+                <a:solidFill>
+                  <a:srgbClr val="222222"/>
+                </a:solidFill>
+                <a:effectLst/>
+                <a:latin typeface="Times New Roman" panose="02020603050405020304" pitchFamily="18" charset="0"/>
+                <a:cs typeface="Times New Roman" panose="02020603050405020304" pitchFamily="18" charset="0"/>
+              </a:rPr>
+              <a:t>k,i</a:t>
+            </a:r>
+            <a:r>
+              <a:rPr lang="en-GB" b="0" i="0" dirty="0">
+                <a:solidFill>
+                  <a:srgbClr val="222222"/>
+                </a:solidFill>
+                <a:effectLst/>
+                <a:latin typeface="Times New Roman" panose="02020603050405020304" pitchFamily="18" charset="0"/>
+                <a:cs typeface="Times New Roman" panose="02020603050405020304" pitchFamily="18" charset="0"/>
+              </a:rPr>
+              <a:t>)=(h1(k)+i⋅h2(k))%5</a:t>
+            </a:r>
+          </a:p>
+          <a:p>
+            <a:r>
+              <a:rPr lang="en-GB" dirty="0">
+                <a:latin typeface="Times New Roman" panose="02020603050405020304" pitchFamily="18" charset="0"/>
+                <a:cs typeface="Times New Roman" panose="02020603050405020304" pitchFamily="18" charset="0"/>
+              </a:rPr>
+              <a:t>Step-by-Step Insertion</a:t>
+            </a:r>
+          </a:p>
+          <a:p>
+            <a:r>
+              <a:rPr lang="en-GB" dirty="0">
+                <a:latin typeface="Times New Roman" panose="02020603050405020304" pitchFamily="18" charset="0"/>
+                <a:cs typeface="Times New Roman" panose="02020603050405020304" pitchFamily="18" charset="0"/>
+              </a:rPr>
+              <a:t>10: Slot 0 → ``</a:t>
+            </a:r>
+          </a:p>
+          <a:p>
+            <a:r>
+              <a:rPr lang="en-GB" dirty="0">
+                <a:latin typeface="Times New Roman" panose="02020603050405020304" pitchFamily="18" charset="0"/>
+                <a:cs typeface="Times New Roman" panose="02020603050405020304" pitchFamily="18" charset="0"/>
+              </a:rPr>
+              <a:t>22: Slot 2 → ``</a:t>
+            </a:r>
+          </a:p>
+          <a:p>
+            <a:r>
+              <a:rPr lang="en-GB" dirty="0">
+                <a:latin typeface="Times New Roman" panose="02020603050405020304" pitchFamily="18" charset="0"/>
+                <a:cs typeface="Times New Roman" panose="02020603050405020304" pitchFamily="18" charset="0"/>
+              </a:rPr>
+              <a:t>15: Slot 0 (occupied).</a:t>
+            </a:r>
+          </a:p>
+          <a:p>
+            <a:pPr lvl="1"/>
+            <a:r>
+              <a:rPr lang="en-GB" dirty="0">
+                <a:latin typeface="Times New Roman" panose="02020603050405020304" pitchFamily="18" charset="0"/>
+                <a:cs typeface="Times New Roman" panose="02020603050405020304" pitchFamily="18" charset="0"/>
+              </a:rPr>
+              <a:t>h2(15)=1+(15%3)=1+0=1</a:t>
+            </a:r>
+          </a:p>
+          <a:p>
+            <a:pPr lvl="1"/>
+            <a:r>
+              <a:rPr lang="en-GB" dirty="0">
+                <a:latin typeface="Times New Roman" panose="02020603050405020304" pitchFamily="18" charset="0"/>
+                <a:cs typeface="Times New Roman" panose="02020603050405020304" pitchFamily="18" charset="0"/>
+              </a:rPr>
+              <a:t>Probe 1: (0+1⋅1)%5=1 → Slot 1 → ``</a:t>
+            </a:r>
+          </a:p>
+          <a:p>
+            <a:r>
+              <a:rPr lang="en-GB" dirty="0">
+                <a:latin typeface="Times New Roman" panose="02020603050405020304" pitchFamily="18" charset="0"/>
+                <a:cs typeface="Times New Roman" panose="02020603050405020304" pitchFamily="18" charset="0"/>
+              </a:rPr>
+              <a:t>33: Slot 3 → ``</a:t>
+            </a:r>
+          </a:p>
+          <a:p>
+            <a:r>
+              <a:rPr lang="en-GB" dirty="0">
+                <a:latin typeface="Times New Roman" panose="02020603050405020304" pitchFamily="18" charset="0"/>
+                <a:cs typeface="Times New Roman" panose="02020603050405020304" pitchFamily="18" charset="0"/>
+              </a:rPr>
+              <a:t>25: Slot 0 (occupied).</a:t>
+            </a:r>
+          </a:p>
+          <a:p>
+            <a:pPr lvl="1"/>
+            <a:r>
+              <a:rPr lang="en-GB" dirty="0">
+                <a:latin typeface="Times New Roman" panose="02020603050405020304" pitchFamily="18" charset="0"/>
+                <a:cs typeface="Times New Roman" panose="02020603050405020304" pitchFamily="18" charset="0"/>
+              </a:rPr>
+              <a:t>h2(25)=1+(25%3)=1+1=2</a:t>
+            </a:r>
+          </a:p>
+          <a:p>
+            <a:pPr lvl="1"/>
+            <a:r>
+              <a:rPr lang="en-GB" dirty="0">
+                <a:latin typeface="Times New Roman" panose="02020603050405020304" pitchFamily="18" charset="0"/>
+                <a:cs typeface="Times New Roman" panose="02020603050405020304" pitchFamily="18" charset="0"/>
+              </a:rPr>
+              <a:t>Probe 1: (0+1⋅2)%5=2 (occupied).</a:t>
+            </a:r>
+          </a:p>
+          <a:p>
+            <a:pPr lvl="1"/>
+            <a:r>
+              <a:rPr lang="en-GB" dirty="0">
+                <a:latin typeface="Times New Roman" panose="02020603050405020304" pitchFamily="18" charset="0"/>
+                <a:cs typeface="Times New Roman" panose="02020603050405020304" pitchFamily="18" charset="0"/>
+              </a:rPr>
+              <a:t>Probe 2: (0+2⋅2)%5=4 → Slot 4 → ``</a:t>
+            </a:r>
+          </a:p>
+          <a:p>
+            <a:endParaRPr lang="en-SE" dirty="0">
+              <a:latin typeface="Times New Roman" panose="02020603050405020304" pitchFamily="18" charset="0"/>
+              <a:cs typeface="Times New Roman" panose="02020603050405020304" pitchFamily="18" charset="0"/>
+            </a:endParaRPr>
+          </a:p>
+        </p:txBody>
+      </p:sp>
+      <p:graphicFrame>
+        <p:nvGraphicFramePr>
+          <p:cNvPr id="4" name="Content Placeholder 5">
+            <a:extLst>
+              <a:ext uri="{FF2B5EF4-FFF2-40B4-BE49-F238E27FC236}">
+                <a16:creationId xmlns:a16="http://schemas.microsoft.com/office/drawing/2014/main" id="{7A0DDE90-2DB6-6213-E3D6-EE9BD41F6C5F}"/>
+              </a:ext>
+            </a:extLst>
+          </p:cNvPr>
+          <p:cNvGraphicFramePr>
+            <a:graphicFrameLocks/>
+          </p:cNvGraphicFramePr>
+          <p:nvPr>
+            <p:extLst>
+              <p:ext uri="{D42A27DB-BD31-4B8C-83A1-F6EECF244321}">
+                <p14:modId xmlns:p14="http://schemas.microsoft.com/office/powerpoint/2010/main" val="4164714190"/>
+              </p:ext>
+            </p:extLst>
+          </p:nvPr>
+        </p:nvGraphicFramePr>
+        <p:xfrm>
+          <a:off x="3345425" y="5790882"/>
+          <a:ext cx="2453150" cy="792480"/>
+        </p:xfrm>
+        <a:graphic>
+          <a:graphicData uri="http://schemas.openxmlformats.org/drawingml/2006/table">
+            <a:tbl>
+              <a:tblPr firstRow="1" bandRow="1">
+                <a:tableStyleId>{5C22544A-7EE6-4342-B048-85BDC9FD1C3A}</a:tableStyleId>
+              </a:tblPr>
+              <a:tblGrid>
+                <a:gridCol w="490630">
+                  <a:extLst>
+                    <a:ext uri="{9D8B030D-6E8A-4147-A177-3AD203B41FA5}">
+                      <a16:colId xmlns:a16="http://schemas.microsoft.com/office/drawing/2014/main" val="700735995"/>
+                    </a:ext>
+                  </a:extLst>
+                </a:gridCol>
+                <a:gridCol w="490630">
+                  <a:extLst>
+                    <a:ext uri="{9D8B030D-6E8A-4147-A177-3AD203B41FA5}">
+                      <a16:colId xmlns:a16="http://schemas.microsoft.com/office/drawing/2014/main" val="1908259962"/>
+                    </a:ext>
+                  </a:extLst>
+                </a:gridCol>
+                <a:gridCol w="490630">
+                  <a:extLst>
+                    <a:ext uri="{9D8B030D-6E8A-4147-A177-3AD203B41FA5}">
+                      <a16:colId xmlns:a16="http://schemas.microsoft.com/office/drawing/2014/main" val="3442639361"/>
+                    </a:ext>
+                  </a:extLst>
+                </a:gridCol>
+                <a:gridCol w="490630">
+                  <a:extLst>
+                    <a:ext uri="{9D8B030D-6E8A-4147-A177-3AD203B41FA5}">
+                      <a16:colId xmlns:a16="http://schemas.microsoft.com/office/drawing/2014/main" val="1775871323"/>
+                    </a:ext>
+                  </a:extLst>
+                </a:gridCol>
+                <a:gridCol w="490630">
+                  <a:extLst>
+                    <a:ext uri="{9D8B030D-6E8A-4147-A177-3AD203B41FA5}">
+                      <a16:colId xmlns:a16="http://schemas.microsoft.com/office/drawing/2014/main" val="750707541"/>
+                    </a:ext>
+                  </a:extLst>
+                </a:gridCol>
+              </a:tblGrid>
+              <a:tr h="370840">
+                <a:tc>
+                  <a:txBody>
+                    <a:bodyPr/>
+                    <a:lstStyle/>
+                    <a:p>
+                      <a:pPr algn="ctr"/>
+                      <a:r>
+                        <a:rPr lang="en-GB" sz="2000" dirty="0"/>
+                        <a:t>0</a:t>
+                      </a:r>
+                      <a:endParaRPr lang="en-SE" sz="2000" dirty="0"/>
+                    </a:p>
+                  </a:txBody>
+                  <a:tcPr/>
+                </a:tc>
+                <a:tc>
+                  <a:txBody>
+                    <a:bodyPr/>
+                    <a:lstStyle/>
+                    <a:p>
+                      <a:pPr algn="ctr"/>
+                      <a:r>
+                        <a:rPr lang="en-GB" sz="2000" dirty="0"/>
+                        <a:t>1</a:t>
+                      </a:r>
+                      <a:endParaRPr lang="en-SE" sz="2000" dirty="0"/>
+                    </a:p>
+                  </a:txBody>
+                  <a:tcPr/>
+                </a:tc>
+                <a:tc>
+                  <a:txBody>
+                    <a:bodyPr/>
+                    <a:lstStyle/>
+                    <a:p>
+                      <a:pPr algn="ctr"/>
+                      <a:r>
+                        <a:rPr lang="en-GB" sz="2000" dirty="0"/>
+                        <a:t>2</a:t>
+                      </a:r>
+                      <a:endParaRPr lang="en-SE" sz="2000" dirty="0"/>
+                    </a:p>
+                  </a:txBody>
+                  <a:tcPr/>
+                </a:tc>
+                <a:tc>
+                  <a:txBody>
+                    <a:bodyPr/>
+                    <a:lstStyle/>
+                    <a:p>
+                      <a:pPr algn="ctr"/>
+                      <a:r>
+                        <a:rPr lang="en-GB" sz="2000" dirty="0"/>
+                        <a:t>3</a:t>
+                      </a:r>
+                      <a:endParaRPr lang="en-SE" sz="2000" dirty="0"/>
+                    </a:p>
+                  </a:txBody>
+                  <a:tcPr/>
+                </a:tc>
+                <a:tc>
+                  <a:txBody>
+                    <a:bodyPr/>
+                    <a:lstStyle/>
+                    <a:p>
+                      <a:pPr algn="ctr"/>
+                      <a:r>
+                        <a:rPr lang="en-GB" sz="2000" dirty="0"/>
+                        <a:t>4</a:t>
+                      </a:r>
+                      <a:endParaRPr lang="en-SE" sz="2000" dirty="0"/>
+                    </a:p>
+                  </a:txBody>
+                  <a:tcPr/>
+                </a:tc>
+                <a:extLst>
+                  <a:ext uri="{0D108BD9-81ED-4DB2-BD59-A6C34878D82A}">
+                    <a16:rowId xmlns:a16="http://schemas.microsoft.com/office/drawing/2014/main" val="682864112"/>
+                  </a:ext>
+                </a:extLst>
+              </a:tr>
+              <a:tr h="370840">
+                <a:tc>
+                  <a:txBody>
+                    <a:bodyPr/>
+                    <a:lstStyle/>
+                    <a:p>
+                      <a:pPr algn="ctr"/>
+                      <a:r>
+                        <a:rPr lang="en-GB" sz="2000" dirty="0"/>
+                        <a:t>10</a:t>
+                      </a:r>
+                      <a:endParaRPr lang="en-SE" sz="2000" dirty="0"/>
+                    </a:p>
+                  </a:txBody>
+                  <a:tcPr/>
+                </a:tc>
+                <a:tc>
+                  <a:txBody>
+                    <a:bodyPr/>
+                    <a:lstStyle/>
+                    <a:p>
+                      <a:pPr algn="ctr"/>
+                      <a:r>
+                        <a:rPr lang="en-GB" sz="2000" dirty="0"/>
+                        <a:t>15</a:t>
+                      </a:r>
+                      <a:endParaRPr lang="en-SE" sz="2000" dirty="0"/>
+                    </a:p>
+                  </a:txBody>
+                  <a:tcPr/>
+                </a:tc>
+                <a:tc>
+                  <a:txBody>
+                    <a:bodyPr/>
+                    <a:lstStyle/>
+                    <a:p>
+                      <a:pPr algn="ctr"/>
+                      <a:r>
+                        <a:rPr lang="en-GB" sz="2000" dirty="0"/>
+                        <a:t>22</a:t>
+                      </a:r>
+                      <a:endParaRPr lang="en-SE" sz="2000" dirty="0"/>
+                    </a:p>
+                  </a:txBody>
+                  <a:tcPr/>
+                </a:tc>
+                <a:tc>
+                  <a:txBody>
+                    <a:bodyPr/>
+                    <a:lstStyle/>
+                    <a:p>
+                      <a:pPr algn="ctr"/>
+                      <a:r>
+                        <a:rPr lang="en-GB" sz="2000" dirty="0"/>
+                        <a:t>33</a:t>
+                      </a:r>
+                      <a:endParaRPr lang="en-SE" sz="2000" dirty="0"/>
+                    </a:p>
+                  </a:txBody>
+                  <a:tcPr/>
+                </a:tc>
+                <a:tc>
+                  <a:txBody>
+                    <a:bodyPr/>
+                    <a:lstStyle/>
+                    <a:p>
+                      <a:pPr algn="ctr"/>
+                      <a:r>
+                        <a:rPr lang="en-GB" sz="2000" dirty="0"/>
+                        <a:t>25</a:t>
+                      </a:r>
+                      <a:endParaRPr lang="en-SE" sz="2000" dirty="0"/>
+                    </a:p>
+                  </a:txBody>
+                  <a:tcPr/>
+                </a:tc>
+                <a:extLst>
+                  <a:ext uri="{0D108BD9-81ED-4DB2-BD59-A6C34878D82A}">
+                    <a16:rowId xmlns:a16="http://schemas.microsoft.com/office/drawing/2014/main" val="2261139520"/>
+                  </a:ext>
+                </a:extLst>
+              </a:tr>
+            </a:tbl>
+          </a:graphicData>
+        </a:graphic>
+      </p:graphicFrame>
+    </p:spTree>
+    <p:extLst>
+      <p:ext uri="{BB962C8B-B14F-4D97-AF65-F5344CB8AC3E}">
+        <p14:creationId xmlns:p14="http://schemas.microsoft.com/office/powerpoint/2010/main" val="2449261303"/>
+      </p:ext>
+    </p:extLst>
+  </p:cSld>
+  <p:clrMapOvr>
+    <a:masterClrMapping/>
+  </p:clrMapOvr>
+</p:sld>
+</file>
+
 <file path=ppt/slides/slide2.xml><?xml version="1.0" encoding="utf-8"?>
 <p:sld xmlns:a="http://schemas.openxmlformats.org/drawingml/2006/main" xmlns:r="http://schemas.openxmlformats.org/officeDocument/2006/relationships" xmlns:p="http://schemas.openxmlformats.org/presentationml/2006/main">
   <p:cSld>
@@ -4144,7 +5064,7 @@
                 <a:effectLst/>
                 <a:latin typeface="Lato Extended"/>
               </a:rPr>
-              <a:t>Hashing: Consider a hash table of size 4, with starting index zero, and a hash function (7x+3) mod 4 for key x. Assuming the hash table is initially empty, which of the following is the contents of the table when the sequence 1, 3, 8, 10 is inserted into the table using closed hashing ? Here “__” denotes an empty location in the table.</a:t>
+              <a:t>Hashing: Consider a hash table of size 4, with starting index zero, and a hash function (7x+3) % 4 for key x. Assuming the hash table is initially empty, which of the following is the contents of the table when the sequence 1, 3, 8, 10 is inserted into the table using closed hashing ? Here “__” denotes an empty location in the table.</a:t>
             </a:r>
           </a:p>
           <a:p>
@@ -4205,7 +5125,7 @@
                 <a:effectLst/>
                 <a:latin typeface="KaTeX_Main"/>
               </a:rPr>
-              <a:t>(7×1+3) mod  4=10 mod  4=2(7×1+3 )mod 4=10 mod 4=2</a:t>
+              <a:t>(7×1+3) %  4=10 %  4=2(7×1+3 )% 4=10 % 4=2</a:t>
             </a:r>
             <a:endParaRPr lang="da-DK" b="0" i="0" dirty="0">
               <a:effectLst/>
@@ -4229,7 +5149,7 @@
                 <a:effectLst/>
                 <a:latin typeface="KaTeX_Main"/>
               </a:rPr>
-              <a:t>(7×3+3) mod  4=24 mod  4=0(7×3+3) mod 4=24 mod 4=0</a:t>
+              <a:t>(7×3+3) %  4=24 %  4=0(7×3+3) % 4=24 % 4=0</a:t>
             </a:r>
             <a:endParaRPr lang="da-DK" b="0" i="0" dirty="0">
               <a:effectLst/>
@@ -4253,7 +5173,7 @@
                 <a:effectLst/>
                 <a:latin typeface="KaTeX_Main"/>
               </a:rPr>
-              <a:t>(7×8+3) mod  4=59 mod  4=3(7×8+3) mod 4=59 mod 4=3</a:t>
+              <a:t>(7×8+3) %  4=59 %  4=3(7×8+3) % 4=59 % 4=3</a:t>
             </a:r>
             <a:endParaRPr lang="da-DK" b="0" i="0" dirty="0">
               <a:effectLst/>
@@ -4277,7 +5197,7 @@
                 <a:effectLst/>
                 <a:latin typeface="KaTeX_Main"/>
               </a:rPr>
-              <a:t>(7×10+3) mod  4=73 mod  4=1(7×10+3) mod4=73 mod 4=1</a:t>
+              <a:t>(7×10+3) %  4=73 %  4=1(7×10+3) mod4=73 % 4=1</a:t>
             </a:r>
             <a:endParaRPr lang="da-DK" b="0" i="0" dirty="0">
               <a:effectLst/>
@@ -4484,7 +5404,7 @@
                 <a:effectLst/>
                 <a:latin typeface="Lato Extended"/>
               </a:rPr>
-              <a:t>Hashing: The keys 12, 18, 13, 2, 3, 23, 5 and 15 are inserted into an initially empty hash table of length 10 using open addressing with hash function h(k) = k mod 10 and linear probing. What is the resultant hash table?</a:t>
+              <a:t>Hashing: The keys 12, 18, 13, 2, 3, 23, 5 and 15 are inserted into an initially empty hash table of length 10 using open addressing with hash function h(k) = k % 10 and linear probing. What is the resultant hash table?</a:t>
             </a:r>
           </a:p>
           <a:p>
@@ -4618,7 +5538,7 @@
           <a:p>
             <a:r>
               <a:rPr lang="en-GB" dirty="0"/>
-              <a:t>Hashing: A hash table of length 10 uses open addressing with hash function h(k)=k mod 10, and linear probing. After inserting 6 values into an empty hash table, the table is as shown below. </a:t>
+              <a:t>Hashing: A hash table of length 10 uses open addressing with hash function h(k)=k % 10, and linear probing. After inserting 6 values into an empty hash table, the table is as shown below. </a:t>
             </a:r>
           </a:p>
           <a:p>
@@ -4766,7 +5686,7 @@
           <a:p>
             <a:r>
               <a:rPr lang="en-GB" dirty="0"/>
-              <a:t>What is the probability of next key going in the open slots in the following hash able? Assume each table index is equally likely for each key. Hash(k) = k mod 7 </a:t>
+              <a:t>What is the probability of next key going in the open slots in the following hash able? Assume each table index is equally likely for each key. Hash(k) = k % 7 </a:t>
             </a:r>
           </a:p>
           <a:p>
@@ -5652,6 +6572,898 @@
     <p:extLst>
       <p:ext uri="{BB962C8B-B14F-4D97-AF65-F5344CB8AC3E}">
         <p14:creationId xmlns:p14="http://schemas.microsoft.com/office/powerpoint/2010/main" val="2370610241"/>
+      </p:ext>
+    </p:extLst>
+  </p:cSld>
+  <p:clrMapOvr>
+    <a:masterClrMapping/>
+  </p:clrMapOvr>
+</p:sld>
+</file>
+
+<file path=ppt/slides/slide7.xml><?xml version="1.0" encoding="utf-8"?>
+<p:sld xmlns:a="http://schemas.openxmlformats.org/drawingml/2006/main" xmlns:r="http://schemas.openxmlformats.org/officeDocument/2006/relationships" xmlns:p="http://schemas.openxmlformats.org/presentationml/2006/main">
+  <p:cSld>
+    <p:spTree>
+      <p:nvGrpSpPr>
+        <p:cNvPr id="1" name=""/>
+        <p:cNvGrpSpPr/>
+        <p:nvPr/>
+      </p:nvGrpSpPr>
+      <p:grpSpPr>
+        <a:xfrm>
+          <a:off x="0" y="0"/>
+          <a:ext cx="0" cy="0"/>
+          <a:chOff x="0" y="0"/>
+          <a:chExt cx="0" cy="0"/>
+        </a:xfrm>
+      </p:grpSpPr>
+      <p:sp>
+        <p:nvSpPr>
+          <p:cNvPr id="2" name="Title 1">
+            <a:extLst>
+              <a:ext uri="{FF2B5EF4-FFF2-40B4-BE49-F238E27FC236}">
+                <a16:creationId xmlns:a16="http://schemas.microsoft.com/office/drawing/2014/main" id="{51AE462C-29A7-DE16-AE24-BE0D627B4632}"/>
+              </a:ext>
+            </a:extLst>
+          </p:cNvPr>
+          <p:cNvSpPr>
+            <a:spLocks noGrp="1"/>
+          </p:cNvSpPr>
+          <p:nvPr>
+            <p:ph type="title"/>
+          </p:nvPr>
+        </p:nvSpPr>
+        <p:spPr/>
+        <p:txBody>
+          <a:bodyPr/>
+          <a:lstStyle/>
+          <a:p>
+            <a:r>
+              <a:rPr lang="en-GB" dirty="0"/>
+              <a:t>Hashing</a:t>
+            </a:r>
+            <a:endParaRPr lang="en-SE" dirty="0"/>
+          </a:p>
+        </p:txBody>
+      </p:sp>
+      <p:sp>
+        <p:nvSpPr>
+          <p:cNvPr id="3" name="Content Placeholder 2">
+            <a:extLst>
+              <a:ext uri="{FF2B5EF4-FFF2-40B4-BE49-F238E27FC236}">
+                <a16:creationId xmlns:a16="http://schemas.microsoft.com/office/drawing/2014/main" id="{ED8F0B79-E659-D7F5-1561-63A7F9153537}"/>
+              </a:ext>
+            </a:extLst>
+          </p:cNvPr>
+          <p:cNvSpPr>
+            <a:spLocks noGrp="1"/>
+          </p:cNvSpPr>
+          <p:nvPr>
+            <p:ph idx="1"/>
+          </p:nvPr>
+        </p:nvSpPr>
+        <p:spPr/>
+        <p:txBody>
+          <a:bodyPr/>
+          <a:lstStyle/>
+          <a:p>
+            <a:pPr algn="l"/>
+            <a:r>
+              <a:rPr lang="en-GB" dirty="0">
+                <a:solidFill>
+                  <a:srgbClr val="222222"/>
+                </a:solidFill>
+                <a:latin typeface="Times New Roman" panose="02020603050405020304" pitchFamily="18" charset="0"/>
+                <a:cs typeface="Times New Roman" panose="02020603050405020304" pitchFamily="18" charset="0"/>
+              </a:rPr>
+              <a:t>I</a:t>
+            </a:r>
+            <a:r>
+              <a:rPr lang="en-GB" b="0" i="0" dirty="0">
+                <a:solidFill>
+                  <a:srgbClr val="222222"/>
+                </a:solidFill>
+                <a:effectLst/>
+                <a:latin typeface="Times New Roman" panose="02020603050405020304" pitchFamily="18" charset="0"/>
+                <a:cs typeface="Times New Roman" panose="02020603050405020304" pitchFamily="18" charset="0"/>
+              </a:rPr>
+              <a:t>nsert keys into a hash table of size 5, using different collision resolution methods. </a:t>
+            </a:r>
+          </a:p>
+          <a:p>
+            <a:pPr algn="l"/>
+            <a:r>
+              <a:rPr lang="en-GB" b="1" i="0" dirty="0">
+                <a:solidFill>
+                  <a:srgbClr val="222222"/>
+                </a:solidFill>
+                <a:effectLst/>
+                <a:latin typeface="Times New Roman" panose="02020603050405020304" pitchFamily="18" charset="0"/>
+                <a:cs typeface="Times New Roman" panose="02020603050405020304" pitchFamily="18" charset="0"/>
+              </a:rPr>
+              <a:t>Hash function</a:t>
+            </a:r>
+            <a:r>
+              <a:rPr lang="en-GB" b="0" i="0" dirty="0">
+                <a:solidFill>
+                  <a:srgbClr val="222222"/>
+                </a:solidFill>
+                <a:effectLst/>
+                <a:latin typeface="Times New Roman" panose="02020603050405020304" pitchFamily="18" charset="0"/>
+                <a:cs typeface="Times New Roman" panose="02020603050405020304" pitchFamily="18" charset="0"/>
+              </a:rPr>
+              <a:t>: h(k)=k%5 (maps keys to indices 0–4)</a:t>
+            </a:r>
+          </a:p>
+          <a:p>
+            <a:pPr algn="l">
+              <a:buFont typeface="Arial" panose="020B0604020202020204" pitchFamily="34" charset="0"/>
+              <a:buChar char="•"/>
+            </a:pPr>
+            <a:r>
+              <a:rPr lang="en-GB" b="1" i="0" dirty="0">
+                <a:solidFill>
+                  <a:srgbClr val="222222"/>
+                </a:solidFill>
+                <a:effectLst/>
+                <a:latin typeface="Times New Roman" panose="02020603050405020304" pitchFamily="18" charset="0"/>
+                <a:cs typeface="Times New Roman" panose="02020603050405020304" pitchFamily="18" charset="0"/>
+              </a:rPr>
+              <a:t>Keys to insert</a:t>
+            </a:r>
+            <a:r>
+              <a:rPr lang="en-GB" b="0" i="0" dirty="0">
+                <a:solidFill>
+                  <a:srgbClr val="222222"/>
+                </a:solidFill>
+                <a:effectLst/>
+                <a:latin typeface="Times New Roman" panose="02020603050405020304" pitchFamily="18" charset="0"/>
+                <a:cs typeface="Times New Roman" panose="02020603050405020304" pitchFamily="18" charset="0"/>
+              </a:rPr>
+              <a:t>: 10, 22, 15, 33, 25</a:t>
+            </a:r>
+          </a:p>
+          <a:p>
+            <a:endParaRPr lang="en-SE" dirty="0">
+              <a:latin typeface="Times New Roman" panose="02020603050405020304" pitchFamily="18" charset="0"/>
+              <a:cs typeface="Times New Roman" panose="02020603050405020304" pitchFamily="18" charset="0"/>
+            </a:endParaRPr>
+          </a:p>
+        </p:txBody>
+      </p:sp>
+    </p:spTree>
+    <p:extLst>
+      <p:ext uri="{BB962C8B-B14F-4D97-AF65-F5344CB8AC3E}">
+        <p14:creationId xmlns:p14="http://schemas.microsoft.com/office/powerpoint/2010/main" val="388619187"/>
+      </p:ext>
+    </p:extLst>
+  </p:cSld>
+  <p:clrMapOvr>
+    <a:masterClrMapping/>
+  </p:clrMapOvr>
+</p:sld>
+</file>
+
+<file path=ppt/slides/slide8.xml><?xml version="1.0" encoding="utf-8"?>
+<p:sld xmlns:a="http://schemas.openxmlformats.org/drawingml/2006/main" xmlns:r="http://schemas.openxmlformats.org/officeDocument/2006/relationships" xmlns:p="http://schemas.openxmlformats.org/presentationml/2006/main">
+  <p:cSld>
+    <p:spTree>
+      <p:nvGrpSpPr>
+        <p:cNvPr id="1" name=""/>
+        <p:cNvGrpSpPr/>
+        <p:nvPr/>
+      </p:nvGrpSpPr>
+      <p:grpSpPr>
+        <a:xfrm>
+          <a:off x="0" y="0"/>
+          <a:ext cx="0" cy="0"/>
+          <a:chOff x="0" y="0"/>
+          <a:chExt cx="0" cy="0"/>
+        </a:xfrm>
+      </p:grpSpPr>
+      <p:sp>
+        <p:nvSpPr>
+          <p:cNvPr id="2" name="Title 1">
+            <a:extLst>
+              <a:ext uri="{FF2B5EF4-FFF2-40B4-BE49-F238E27FC236}">
+                <a16:creationId xmlns:a16="http://schemas.microsoft.com/office/drawing/2014/main" id="{D2F3942E-77D3-B0AF-07C5-BD977F9BF83E}"/>
+              </a:ext>
+            </a:extLst>
+          </p:cNvPr>
+          <p:cNvSpPr>
+            <a:spLocks noGrp="1"/>
+          </p:cNvSpPr>
+          <p:nvPr>
+            <p:ph type="title"/>
+          </p:nvPr>
+        </p:nvSpPr>
+        <p:spPr/>
+        <p:txBody>
+          <a:bodyPr/>
+          <a:lstStyle/>
+          <a:p>
+            <a:r>
+              <a:rPr lang="en-GB" dirty="0"/>
+              <a:t>Separate Chaining</a:t>
+            </a:r>
+            <a:endParaRPr lang="en-SE" dirty="0"/>
+          </a:p>
+        </p:txBody>
+      </p:sp>
+      <p:sp>
+        <p:nvSpPr>
+          <p:cNvPr id="3" name="Content Placeholder 2">
+            <a:extLst>
+              <a:ext uri="{FF2B5EF4-FFF2-40B4-BE49-F238E27FC236}">
+                <a16:creationId xmlns:a16="http://schemas.microsoft.com/office/drawing/2014/main" id="{C144281B-5200-D23D-6DD9-41880C361DE8}"/>
+              </a:ext>
+            </a:extLst>
+          </p:cNvPr>
+          <p:cNvSpPr>
+            <a:spLocks noGrp="1"/>
+          </p:cNvSpPr>
+          <p:nvPr>
+            <p:ph idx="1"/>
+          </p:nvPr>
+        </p:nvSpPr>
+        <p:spPr/>
+        <p:txBody>
+          <a:bodyPr>
+            <a:normAutofit/>
+          </a:bodyPr>
+          <a:lstStyle/>
+          <a:p>
+            <a:r>
+              <a:rPr lang="en-GB" dirty="0"/>
+              <a:t>Each slot contains a linked list. Colliding keys are appended to the list at the hashed index.</a:t>
+            </a:r>
+          </a:p>
+          <a:p>
+            <a:r>
+              <a:rPr lang="en-GB" dirty="0"/>
+              <a:t>Step-by-Step Insertion:</a:t>
+            </a:r>
+          </a:p>
+          <a:p>
+            <a:r>
+              <a:rPr lang="en-GB" dirty="0"/>
+              <a:t>10: h(10)=0 → Slot 0: ``</a:t>
+            </a:r>
+          </a:p>
+          <a:p>
+            <a:r>
+              <a:rPr lang="en-GB" dirty="0"/>
+              <a:t>22: h(22)=2 → Slot 2: ``</a:t>
+            </a:r>
+          </a:p>
+          <a:p>
+            <a:r>
+              <a:rPr lang="en-GB" dirty="0"/>
+              <a:t>15: h(15)=0 → Collision at Slot 0. Append to list: [10 → 15]</a:t>
+            </a:r>
+          </a:p>
+          <a:p>
+            <a:r>
+              <a:rPr lang="en-GB" dirty="0"/>
+              <a:t>33: h(33)=3 → Slot 3: ``</a:t>
+            </a:r>
+          </a:p>
+          <a:p>
+            <a:r>
+              <a:rPr lang="en-GB" dirty="0"/>
+              <a:t>25: h(25)=0 → Collision at Slot 0. Append to list: [10 → 15 → 25]</a:t>
+            </a:r>
+            <a:endParaRPr lang="en-SE" dirty="0"/>
+          </a:p>
+        </p:txBody>
+      </p:sp>
+      <p:graphicFrame>
+        <p:nvGraphicFramePr>
+          <p:cNvPr id="6" name="Content Placeholder 5">
+            <a:extLst>
+              <a:ext uri="{FF2B5EF4-FFF2-40B4-BE49-F238E27FC236}">
+                <a16:creationId xmlns:a16="http://schemas.microsoft.com/office/drawing/2014/main" id="{ADCEE496-77DB-6721-78EC-7390F162BD0F}"/>
+              </a:ext>
+            </a:extLst>
+          </p:cNvPr>
+          <p:cNvGraphicFramePr>
+            <a:graphicFrameLocks/>
+          </p:cNvGraphicFramePr>
+          <p:nvPr>
+            <p:extLst>
+              <p:ext uri="{D42A27DB-BD31-4B8C-83A1-F6EECF244321}">
+                <p14:modId xmlns:p14="http://schemas.microsoft.com/office/powerpoint/2010/main" val="3360384908"/>
+              </p:ext>
+            </p:extLst>
+          </p:nvPr>
+        </p:nvGraphicFramePr>
+        <p:xfrm>
+          <a:off x="3096768" y="5664899"/>
+          <a:ext cx="3627693" cy="792480"/>
+        </p:xfrm>
+        <a:graphic>
+          <a:graphicData uri="http://schemas.openxmlformats.org/drawingml/2006/table">
+            <a:tbl>
+              <a:tblPr firstRow="1" bandRow="1">
+                <a:tableStyleId>{5C22544A-7EE6-4342-B048-85BDC9FD1C3A}</a:tableStyleId>
+              </a:tblPr>
+              <a:tblGrid>
+                <a:gridCol w="1407337">
+                  <a:extLst>
+                    <a:ext uri="{9D8B030D-6E8A-4147-A177-3AD203B41FA5}">
+                      <a16:colId xmlns:a16="http://schemas.microsoft.com/office/drawing/2014/main" val="700735995"/>
+                    </a:ext>
+                  </a:extLst>
+                </a:gridCol>
+                <a:gridCol w="550141">
+                  <a:extLst>
+                    <a:ext uri="{9D8B030D-6E8A-4147-A177-3AD203B41FA5}">
+                      <a16:colId xmlns:a16="http://schemas.microsoft.com/office/drawing/2014/main" val="1908259962"/>
+                    </a:ext>
+                  </a:extLst>
+                </a:gridCol>
+                <a:gridCol w="639699">
+                  <a:extLst>
+                    <a:ext uri="{9D8B030D-6E8A-4147-A177-3AD203B41FA5}">
+                      <a16:colId xmlns:a16="http://schemas.microsoft.com/office/drawing/2014/main" val="3442639361"/>
+                    </a:ext>
+                  </a:extLst>
+                </a:gridCol>
+                <a:gridCol w="614111">
+                  <a:extLst>
+                    <a:ext uri="{9D8B030D-6E8A-4147-A177-3AD203B41FA5}">
+                      <a16:colId xmlns:a16="http://schemas.microsoft.com/office/drawing/2014/main" val="1775871323"/>
+                    </a:ext>
+                  </a:extLst>
+                </a:gridCol>
+                <a:gridCol w="416405">
+                  <a:extLst>
+                    <a:ext uri="{9D8B030D-6E8A-4147-A177-3AD203B41FA5}">
+                      <a16:colId xmlns:a16="http://schemas.microsoft.com/office/drawing/2014/main" val="750707541"/>
+                    </a:ext>
+                  </a:extLst>
+                </a:gridCol>
+              </a:tblGrid>
+              <a:tr h="370840">
+                <a:tc>
+                  <a:txBody>
+                    <a:bodyPr/>
+                    <a:lstStyle/>
+                    <a:p>
+                      <a:pPr algn="ctr"/>
+                      <a:r>
+                        <a:rPr lang="en-GB" sz="2000" dirty="0"/>
+                        <a:t>0</a:t>
+                      </a:r>
+                      <a:endParaRPr lang="en-SE" sz="2000" dirty="0"/>
+                    </a:p>
+                  </a:txBody>
+                  <a:tcPr/>
+                </a:tc>
+                <a:tc>
+                  <a:txBody>
+                    <a:bodyPr/>
+                    <a:lstStyle/>
+                    <a:p>
+                      <a:pPr algn="ctr"/>
+                      <a:r>
+                        <a:rPr lang="en-GB" sz="2000" dirty="0"/>
+                        <a:t>1</a:t>
+                      </a:r>
+                      <a:endParaRPr lang="en-SE" sz="2000" dirty="0"/>
+                    </a:p>
+                  </a:txBody>
+                  <a:tcPr/>
+                </a:tc>
+                <a:tc>
+                  <a:txBody>
+                    <a:bodyPr/>
+                    <a:lstStyle/>
+                    <a:p>
+                      <a:pPr algn="ctr"/>
+                      <a:r>
+                        <a:rPr lang="en-GB" sz="2000" dirty="0"/>
+                        <a:t>2</a:t>
+                      </a:r>
+                      <a:endParaRPr lang="en-SE" sz="2000" dirty="0"/>
+                    </a:p>
+                  </a:txBody>
+                  <a:tcPr/>
+                </a:tc>
+                <a:tc>
+                  <a:txBody>
+                    <a:bodyPr/>
+                    <a:lstStyle/>
+                    <a:p>
+                      <a:pPr algn="ctr"/>
+                      <a:r>
+                        <a:rPr lang="en-GB" sz="2000" dirty="0"/>
+                        <a:t>3</a:t>
+                      </a:r>
+                      <a:endParaRPr lang="en-SE" sz="2000" dirty="0"/>
+                    </a:p>
+                  </a:txBody>
+                  <a:tcPr/>
+                </a:tc>
+                <a:tc>
+                  <a:txBody>
+                    <a:bodyPr/>
+                    <a:lstStyle/>
+                    <a:p>
+                      <a:pPr algn="ctr"/>
+                      <a:r>
+                        <a:rPr lang="en-GB" sz="2000" dirty="0"/>
+                        <a:t>4</a:t>
+                      </a:r>
+                      <a:endParaRPr lang="en-SE" sz="2000" dirty="0"/>
+                    </a:p>
+                  </a:txBody>
+                  <a:tcPr/>
+                </a:tc>
+                <a:extLst>
+                  <a:ext uri="{0D108BD9-81ED-4DB2-BD59-A6C34878D82A}">
+                    <a16:rowId xmlns:a16="http://schemas.microsoft.com/office/drawing/2014/main" val="682864112"/>
+                  </a:ext>
+                </a:extLst>
+              </a:tr>
+              <a:tr h="370840">
+                <a:tc>
+                  <a:txBody>
+                    <a:bodyPr/>
+                    <a:lstStyle/>
+                    <a:p>
+                      <a:pPr algn="ctr"/>
+                      <a:r>
+                        <a:rPr lang="en-GB" sz="2000" dirty="0"/>
+                        <a:t>10-&gt;15-&gt;25</a:t>
+                      </a:r>
+                      <a:endParaRPr lang="en-SE" sz="2000" dirty="0"/>
+                    </a:p>
+                  </a:txBody>
+                  <a:tcPr/>
+                </a:tc>
+                <a:tc>
+                  <a:txBody>
+                    <a:bodyPr/>
+                    <a:lstStyle/>
+                    <a:p>
+                      <a:pPr algn="ctr"/>
+                      <a:endParaRPr lang="en-SE" sz="2000" dirty="0"/>
+                    </a:p>
+                  </a:txBody>
+                  <a:tcPr/>
+                </a:tc>
+                <a:tc>
+                  <a:txBody>
+                    <a:bodyPr/>
+                    <a:lstStyle/>
+                    <a:p>
+                      <a:pPr algn="ctr"/>
+                      <a:r>
+                        <a:rPr lang="en-GB" sz="2000" dirty="0"/>
+                        <a:t>22</a:t>
+                      </a:r>
+                      <a:endParaRPr lang="en-SE" sz="2000" dirty="0"/>
+                    </a:p>
+                  </a:txBody>
+                  <a:tcPr/>
+                </a:tc>
+                <a:tc>
+                  <a:txBody>
+                    <a:bodyPr/>
+                    <a:lstStyle/>
+                    <a:p>
+                      <a:pPr algn="ctr"/>
+                      <a:r>
+                        <a:rPr lang="en-GB" sz="2000" dirty="0"/>
+                        <a:t>33</a:t>
+                      </a:r>
+                      <a:endParaRPr lang="en-SE" sz="2000" dirty="0"/>
+                    </a:p>
+                  </a:txBody>
+                  <a:tcPr/>
+                </a:tc>
+                <a:tc>
+                  <a:txBody>
+                    <a:bodyPr/>
+                    <a:lstStyle/>
+                    <a:p>
+                      <a:pPr algn="ctr"/>
+                      <a:endParaRPr lang="en-SE" sz="2000" dirty="0"/>
+                    </a:p>
+                  </a:txBody>
+                  <a:tcPr/>
+                </a:tc>
+                <a:extLst>
+                  <a:ext uri="{0D108BD9-81ED-4DB2-BD59-A6C34878D82A}">
+                    <a16:rowId xmlns:a16="http://schemas.microsoft.com/office/drawing/2014/main" val="2261139520"/>
+                  </a:ext>
+                </a:extLst>
+              </a:tr>
+            </a:tbl>
+          </a:graphicData>
+        </a:graphic>
+      </p:graphicFrame>
+    </p:spTree>
+    <p:extLst>
+      <p:ext uri="{BB962C8B-B14F-4D97-AF65-F5344CB8AC3E}">
+        <p14:creationId xmlns:p14="http://schemas.microsoft.com/office/powerpoint/2010/main" val="3529499583"/>
+      </p:ext>
+    </p:extLst>
+  </p:cSld>
+  <p:clrMapOvr>
+    <a:masterClrMapping/>
+  </p:clrMapOvr>
+</p:sld>
+</file>
+
+<file path=ppt/slides/slide9.xml><?xml version="1.0" encoding="utf-8"?>
+<p:sld xmlns:a="http://schemas.openxmlformats.org/drawingml/2006/main" xmlns:r="http://schemas.openxmlformats.org/officeDocument/2006/relationships" xmlns:p="http://schemas.openxmlformats.org/presentationml/2006/main">
+  <p:cSld>
+    <p:spTree>
+      <p:nvGrpSpPr>
+        <p:cNvPr id="1" name=""/>
+        <p:cNvGrpSpPr/>
+        <p:nvPr/>
+      </p:nvGrpSpPr>
+      <p:grpSpPr>
+        <a:xfrm>
+          <a:off x="0" y="0"/>
+          <a:ext cx="0" cy="0"/>
+          <a:chOff x="0" y="0"/>
+          <a:chExt cx="0" cy="0"/>
+        </a:xfrm>
+      </p:grpSpPr>
+      <p:sp>
+        <p:nvSpPr>
+          <p:cNvPr id="2" name="Title 1">
+            <a:extLst>
+              <a:ext uri="{FF2B5EF4-FFF2-40B4-BE49-F238E27FC236}">
+                <a16:creationId xmlns:a16="http://schemas.microsoft.com/office/drawing/2014/main" id="{9479A673-B0C0-8C31-FF23-2BBE2091325B}"/>
+              </a:ext>
+            </a:extLst>
+          </p:cNvPr>
+          <p:cNvSpPr>
+            <a:spLocks noGrp="1"/>
+          </p:cNvSpPr>
+          <p:nvPr>
+            <p:ph type="title"/>
+          </p:nvPr>
+        </p:nvSpPr>
+        <p:spPr/>
+        <p:txBody>
+          <a:bodyPr/>
+          <a:lstStyle/>
+          <a:p>
+            <a:r>
+              <a:rPr lang="en-GB" dirty="0"/>
+              <a:t>Linear Probing</a:t>
+            </a:r>
+            <a:endParaRPr lang="en-SE" dirty="0"/>
+          </a:p>
+        </p:txBody>
+      </p:sp>
+      <p:sp>
+        <p:nvSpPr>
+          <p:cNvPr id="3" name="Content Placeholder 2">
+            <a:extLst>
+              <a:ext uri="{FF2B5EF4-FFF2-40B4-BE49-F238E27FC236}">
+                <a16:creationId xmlns:a16="http://schemas.microsoft.com/office/drawing/2014/main" id="{B8595923-EF63-9F7C-C559-B2E07350FEDB}"/>
+              </a:ext>
+            </a:extLst>
+          </p:cNvPr>
+          <p:cNvSpPr>
+            <a:spLocks noGrp="1"/>
+          </p:cNvSpPr>
+          <p:nvPr>
+            <p:ph idx="1"/>
+          </p:nvPr>
+        </p:nvSpPr>
+        <p:spPr/>
+        <p:txBody>
+          <a:bodyPr>
+            <a:normAutofit/>
+          </a:bodyPr>
+          <a:lstStyle/>
+          <a:p>
+            <a:r>
+              <a:rPr lang="en-GB" dirty="0"/>
+              <a:t>Collisions are resolved by probing the next slot linearly:</a:t>
+            </a:r>
+          </a:p>
+          <a:p>
+            <a:r>
+              <a:rPr lang="en-GB" dirty="0"/>
+              <a:t>Probe(</a:t>
+            </a:r>
+            <a:r>
+              <a:rPr lang="en-GB" dirty="0" err="1"/>
+              <a:t>k,i</a:t>
+            </a:r>
+            <a:r>
+              <a:rPr lang="en-GB" dirty="0"/>
+              <a:t>)=(h(k)+i)%5</a:t>
+            </a:r>
+          </a:p>
+          <a:p>
+            <a:r>
+              <a:rPr lang="en-GB" dirty="0"/>
+              <a:t>Step-by-Step Insertion</a:t>
+            </a:r>
+          </a:p>
+          <a:p>
+            <a:r>
+              <a:rPr lang="en-GB" dirty="0"/>
+              <a:t>10: Slot 0 → ``</a:t>
+            </a:r>
+          </a:p>
+          <a:p>
+            <a:r>
+              <a:rPr lang="en-GB" dirty="0"/>
+              <a:t>22: Slot 2 → ``</a:t>
+            </a:r>
+          </a:p>
+          <a:p>
+            <a:r>
+              <a:rPr lang="en-GB" dirty="0"/>
+              <a:t>15: Slot 0 (occupied). Probe 1 → Slot 1 → ``</a:t>
+            </a:r>
+          </a:p>
+          <a:p>
+            <a:r>
+              <a:rPr lang="en-GB" dirty="0"/>
+              <a:t>33: Slot 3 → ``</a:t>
+            </a:r>
+          </a:p>
+          <a:p>
+            <a:r>
+              <a:rPr lang="en-GB" dirty="0"/>
+              <a:t>25: Slot 0 (occupied). Probe 1 (Slot 1: occupied), Probe 2 → Slot 2 (occupied), Probe 3 → Slot 3 (occupied), Probe 4 → Slot 4 → ``</a:t>
+            </a:r>
+            <a:endParaRPr lang="en-SE" dirty="0"/>
+          </a:p>
+        </p:txBody>
+      </p:sp>
+      <p:graphicFrame>
+        <p:nvGraphicFramePr>
+          <p:cNvPr id="6" name="Content Placeholder 5">
+            <a:extLst>
+              <a:ext uri="{FF2B5EF4-FFF2-40B4-BE49-F238E27FC236}">
+                <a16:creationId xmlns:a16="http://schemas.microsoft.com/office/drawing/2014/main" id="{23398C1A-3D36-033A-6355-66640C271ABC}"/>
+              </a:ext>
+            </a:extLst>
+          </p:cNvPr>
+          <p:cNvGraphicFramePr>
+            <a:graphicFrameLocks/>
+          </p:cNvGraphicFramePr>
+          <p:nvPr>
+            <p:extLst>
+              <p:ext uri="{D42A27DB-BD31-4B8C-83A1-F6EECF244321}">
+                <p14:modId xmlns:p14="http://schemas.microsoft.com/office/powerpoint/2010/main" val="997143446"/>
+              </p:ext>
+            </p:extLst>
+          </p:nvPr>
+        </p:nvGraphicFramePr>
+        <p:xfrm>
+          <a:off x="3345425" y="5790882"/>
+          <a:ext cx="2453150" cy="792480"/>
+        </p:xfrm>
+        <a:graphic>
+          <a:graphicData uri="http://schemas.openxmlformats.org/drawingml/2006/table">
+            <a:tbl>
+              <a:tblPr firstRow="1" bandRow="1">
+                <a:tableStyleId>{5C22544A-7EE6-4342-B048-85BDC9FD1C3A}</a:tableStyleId>
+              </a:tblPr>
+              <a:tblGrid>
+                <a:gridCol w="490630">
+                  <a:extLst>
+                    <a:ext uri="{9D8B030D-6E8A-4147-A177-3AD203B41FA5}">
+                      <a16:colId xmlns:a16="http://schemas.microsoft.com/office/drawing/2014/main" val="700735995"/>
+                    </a:ext>
+                  </a:extLst>
+                </a:gridCol>
+                <a:gridCol w="490630">
+                  <a:extLst>
+                    <a:ext uri="{9D8B030D-6E8A-4147-A177-3AD203B41FA5}">
+                      <a16:colId xmlns:a16="http://schemas.microsoft.com/office/drawing/2014/main" val="1908259962"/>
+                    </a:ext>
+                  </a:extLst>
+                </a:gridCol>
+                <a:gridCol w="490630">
+                  <a:extLst>
+                    <a:ext uri="{9D8B030D-6E8A-4147-A177-3AD203B41FA5}">
+                      <a16:colId xmlns:a16="http://schemas.microsoft.com/office/drawing/2014/main" val="3442639361"/>
+                    </a:ext>
+                  </a:extLst>
+                </a:gridCol>
+                <a:gridCol w="490630">
+                  <a:extLst>
+                    <a:ext uri="{9D8B030D-6E8A-4147-A177-3AD203B41FA5}">
+                      <a16:colId xmlns:a16="http://schemas.microsoft.com/office/drawing/2014/main" val="1775871323"/>
+                    </a:ext>
+                  </a:extLst>
+                </a:gridCol>
+                <a:gridCol w="490630">
+                  <a:extLst>
+                    <a:ext uri="{9D8B030D-6E8A-4147-A177-3AD203B41FA5}">
+                      <a16:colId xmlns:a16="http://schemas.microsoft.com/office/drawing/2014/main" val="750707541"/>
+                    </a:ext>
+                  </a:extLst>
+                </a:gridCol>
+              </a:tblGrid>
+              <a:tr h="370840">
+                <a:tc>
+                  <a:txBody>
+                    <a:bodyPr/>
+                    <a:lstStyle/>
+                    <a:p>
+                      <a:pPr algn="ctr"/>
+                      <a:r>
+                        <a:rPr lang="en-GB" sz="2000" dirty="0"/>
+                        <a:t>0</a:t>
+                      </a:r>
+                      <a:endParaRPr lang="en-SE" sz="2000" dirty="0"/>
+                    </a:p>
+                  </a:txBody>
+                  <a:tcPr/>
+                </a:tc>
+                <a:tc>
+                  <a:txBody>
+                    <a:bodyPr/>
+                    <a:lstStyle/>
+                    <a:p>
+                      <a:pPr algn="ctr"/>
+                      <a:r>
+                        <a:rPr lang="en-GB" sz="2000" dirty="0"/>
+                        <a:t>1</a:t>
+                      </a:r>
+                      <a:endParaRPr lang="en-SE" sz="2000" dirty="0"/>
+                    </a:p>
+                  </a:txBody>
+                  <a:tcPr/>
+                </a:tc>
+                <a:tc>
+                  <a:txBody>
+                    <a:bodyPr/>
+                    <a:lstStyle/>
+                    <a:p>
+                      <a:pPr algn="ctr"/>
+                      <a:r>
+                        <a:rPr lang="en-GB" sz="2000" dirty="0"/>
+                        <a:t>2</a:t>
+                      </a:r>
+                      <a:endParaRPr lang="en-SE" sz="2000" dirty="0"/>
+                    </a:p>
+                  </a:txBody>
+                  <a:tcPr/>
+                </a:tc>
+                <a:tc>
+                  <a:txBody>
+                    <a:bodyPr/>
+                    <a:lstStyle/>
+                    <a:p>
+                      <a:pPr algn="ctr"/>
+                      <a:r>
+                        <a:rPr lang="en-GB" sz="2000" dirty="0"/>
+                        <a:t>3</a:t>
+                      </a:r>
+                      <a:endParaRPr lang="en-SE" sz="2000" dirty="0"/>
+                    </a:p>
+                  </a:txBody>
+                  <a:tcPr/>
+                </a:tc>
+                <a:tc>
+                  <a:txBody>
+                    <a:bodyPr/>
+                    <a:lstStyle/>
+                    <a:p>
+                      <a:pPr algn="ctr"/>
+                      <a:r>
+                        <a:rPr lang="en-GB" sz="2000" dirty="0"/>
+                        <a:t>4</a:t>
+                      </a:r>
+                      <a:endParaRPr lang="en-SE" sz="2000" dirty="0"/>
+                    </a:p>
+                  </a:txBody>
+                  <a:tcPr/>
+                </a:tc>
+                <a:extLst>
+                  <a:ext uri="{0D108BD9-81ED-4DB2-BD59-A6C34878D82A}">
+                    <a16:rowId xmlns:a16="http://schemas.microsoft.com/office/drawing/2014/main" val="682864112"/>
+                  </a:ext>
+                </a:extLst>
+              </a:tr>
+              <a:tr h="370840">
+                <a:tc>
+                  <a:txBody>
+                    <a:bodyPr/>
+                    <a:lstStyle/>
+                    <a:p>
+                      <a:pPr algn="ctr"/>
+                      <a:r>
+                        <a:rPr lang="en-GB" sz="2000" dirty="0"/>
+                        <a:t>10</a:t>
+                      </a:r>
+                      <a:endParaRPr lang="en-SE" sz="2000" dirty="0"/>
+                    </a:p>
+                  </a:txBody>
+                  <a:tcPr/>
+                </a:tc>
+                <a:tc>
+                  <a:txBody>
+                    <a:bodyPr/>
+                    <a:lstStyle/>
+                    <a:p>
+                      <a:pPr algn="ctr"/>
+                      <a:r>
+                        <a:rPr lang="en-GB" sz="2000" dirty="0"/>
+                        <a:t>15</a:t>
+                      </a:r>
+                      <a:endParaRPr lang="en-SE" sz="2000" dirty="0"/>
+                    </a:p>
+                  </a:txBody>
+                  <a:tcPr/>
+                </a:tc>
+                <a:tc>
+                  <a:txBody>
+                    <a:bodyPr/>
+                    <a:lstStyle/>
+                    <a:p>
+                      <a:pPr algn="ctr"/>
+                      <a:r>
+                        <a:rPr lang="en-GB" sz="2000" dirty="0"/>
+                        <a:t>22</a:t>
+                      </a:r>
+                      <a:endParaRPr lang="en-SE" sz="2000" dirty="0"/>
+                    </a:p>
+                  </a:txBody>
+                  <a:tcPr/>
+                </a:tc>
+                <a:tc>
+                  <a:txBody>
+                    <a:bodyPr/>
+                    <a:lstStyle/>
+                    <a:p>
+                      <a:pPr algn="ctr"/>
+                      <a:r>
+                        <a:rPr lang="en-GB" sz="2000" dirty="0"/>
+                        <a:t>33</a:t>
+                      </a:r>
+                      <a:endParaRPr lang="en-SE" sz="2000" dirty="0"/>
+                    </a:p>
+                  </a:txBody>
+                  <a:tcPr/>
+                </a:tc>
+                <a:tc>
+                  <a:txBody>
+                    <a:bodyPr/>
+                    <a:lstStyle/>
+                    <a:p>
+                      <a:pPr algn="ctr"/>
+                      <a:r>
+                        <a:rPr lang="en-GB" sz="2000" dirty="0"/>
+                        <a:t>25</a:t>
+                      </a:r>
+                      <a:endParaRPr lang="en-SE" sz="2000" dirty="0"/>
+                    </a:p>
+                  </a:txBody>
+                  <a:tcPr/>
+                </a:tc>
+                <a:extLst>
+                  <a:ext uri="{0D108BD9-81ED-4DB2-BD59-A6C34878D82A}">
+                    <a16:rowId xmlns:a16="http://schemas.microsoft.com/office/drawing/2014/main" val="2261139520"/>
+                  </a:ext>
+                </a:extLst>
+              </a:tr>
+            </a:tbl>
+          </a:graphicData>
+        </a:graphic>
+      </p:graphicFrame>
+    </p:spTree>
+    <p:extLst>
+      <p:ext uri="{BB962C8B-B14F-4D97-AF65-F5344CB8AC3E}">
+        <p14:creationId xmlns:p14="http://schemas.microsoft.com/office/powerpoint/2010/main" val="2948823639"/>
       </p:ext>
     </p:extLst>
   </p:cSld>

--- a/PPTs/Lecture 7-hash table exercises ANS.pptx
+++ b/PPTs/Lecture 7-hash table exercises ANS.pptx
@@ -218,7 +218,7 @@
           <a:p>
             <a:fld id="{1B0CF57B-C747-FC49-8C8F-81AE37C96CA4}" type="datetimeFigureOut">
               <a:rPr lang="en-US" smtClean="0"/>
-              <a:t>2/24/2025</a:t>
+              <a:t>2/26/2025</a:t>
             </a:fld>
             <a:endParaRPr lang="en-US"/>
           </a:p>
@@ -1056,7 +1056,7 @@
           <a:p>
             <a:fld id="{FB221443-D73C-634A-A910-7320408C156D}" type="datetimeFigureOut">
               <a:rPr lang="en-US" smtClean="0"/>
-              <a:t>2/24/2025</a:t>
+              <a:t>2/26/2025</a:t>
             </a:fld>
             <a:endParaRPr lang="en-US"/>
           </a:p>
@@ -1226,7 +1226,7 @@
           <a:p>
             <a:fld id="{FB221443-D73C-634A-A910-7320408C156D}" type="datetimeFigureOut">
               <a:rPr lang="en-US" smtClean="0"/>
-              <a:t>2/24/2025</a:t>
+              <a:t>2/26/2025</a:t>
             </a:fld>
             <a:endParaRPr lang="en-US"/>
           </a:p>
@@ -1406,7 +1406,7 @@
           <a:p>
             <a:fld id="{FB221443-D73C-634A-A910-7320408C156D}" type="datetimeFigureOut">
               <a:rPr lang="en-US" smtClean="0"/>
-              <a:t>2/24/2025</a:t>
+              <a:t>2/26/2025</a:t>
             </a:fld>
             <a:endParaRPr lang="en-US"/>
           </a:p>
@@ -1576,7 +1576,7 @@
           <a:p>
             <a:fld id="{FB221443-D73C-634A-A910-7320408C156D}" type="datetimeFigureOut">
               <a:rPr lang="en-US" smtClean="0"/>
-              <a:t>2/24/2025</a:t>
+              <a:t>2/26/2025</a:t>
             </a:fld>
             <a:endParaRPr lang="en-US"/>
           </a:p>
@@ -1822,7 +1822,7 @@
           <a:p>
             <a:fld id="{FB221443-D73C-634A-A910-7320408C156D}" type="datetimeFigureOut">
               <a:rPr lang="en-US" smtClean="0"/>
-              <a:t>2/24/2025</a:t>
+              <a:t>2/26/2025</a:t>
             </a:fld>
             <a:endParaRPr lang="en-US"/>
           </a:p>
@@ -2110,7 +2110,7 @@
           <a:p>
             <a:fld id="{FB221443-D73C-634A-A910-7320408C156D}" type="datetimeFigureOut">
               <a:rPr lang="en-US" smtClean="0"/>
-              <a:t>2/24/2025</a:t>
+              <a:t>2/26/2025</a:t>
             </a:fld>
             <a:endParaRPr lang="en-US"/>
           </a:p>
@@ -2532,7 +2532,7 @@
           <a:p>
             <a:fld id="{FB221443-D73C-634A-A910-7320408C156D}" type="datetimeFigureOut">
               <a:rPr lang="en-US" smtClean="0"/>
-              <a:t>2/24/2025</a:t>
+              <a:t>2/26/2025</a:t>
             </a:fld>
             <a:endParaRPr lang="en-US"/>
           </a:p>
@@ -2650,7 +2650,7 @@
           <a:p>
             <a:fld id="{FB221443-D73C-634A-A910-7320408C156D}" type="datetimeFigureOut">
               <a:rPr lang="en-US" smtClean="0"/>
-              <a:t>2/24/2025</a:t>
+              <a:t>2/26/2025</a:t>
             </a:fld>
             <a:endParaRPr lang="en-US"/>
           </a:p>
@@ -2745,7 +2745,7 @@
           <a:p>
             <a:fld id="{FB221443-D73C-634A-A910-7320408C156D}" type="datetimeFigureOut">
               <a:rPr lang="en-US" smtClean="0"/>
-              <a:t>2/24/2025</a:t>
+              <a:t>2/26/2025</a:t>
             </a:fld>
             <a:endParaRPr lang="en-US"/>
           </a:p>
@@ -3022,7 +3022,7 @@
           <a:p>
             <a:fld id="{FB221443-D73C-634A-A910-7320408C156D}" type="datetimeFigureOut">
               <a:rPr lang="en-US" smtClean="0"/>
-              <a:t>2/24/2025</a:t>
+              <a:t>2/26/2025</a:t>
             </a:fld>
             <a:endParaRPr lang="en-US"/>
           </a:p>
@@ -3275,7 +3275,7 @@
           <a:p>
             <a:fld id="{FB221443-D73C-634A-A910-7320408C156D}" type="datetimeFigureOut">
               <a:rPr lang="en-US" smtClean="0"/>
-              <a:t>2/24/2025</a:t>
+              <a:t>2/26/2025</a:t>
             </a:fld>
             <a:endParaRPr lang="en-US"/>
           </a:p>
@@ -3488,7 +3488,7 @@
           <a:p>
             <a:fld id="{FB221443-D73C-634A-A910-7320408C156D}" type="datetimeFigureOut">
               <a:rPr lang="en-US" smtClean="0"/>
-              <a:t>2/24/2025</a:t>
+              <a:t>2/26/2025</a:t>
             </a:fld>
             <a:endParaRPr lang="en-US"/>
           </a:p>
@@ -6645,7 +6645,9 @@
         </p:nvSpPr>
         <p:spPr/>
         <p:txBody>
-          <a:bodyPr/>
+          <a:bodyPr>
+            <a:normAutofit lnSpcReduction="10000"/>
+          </a:bodyPr>
           <a:lstStyle/>
           <a:p>
             <a:pPr algn="l"/>
@@ -6722,6 +6724,96 @@
                 <a:cs typeface="Times New Roman" panose="02020603050405020304" pitchFamily="18" charset="0"/>
               </a:rPr>
               <a:t>: 10, 22, 15, 33, 25</a:t>
+            </a:r>
+          </a:p>
+          <a:p>
+            <a:r>
+              <a:rPr lang="en-GB" dirty="0">
+                <a:latin typeface="Times New Roman" panose="02020603050405020304" pitchFamily="18" charset="0"/>
+                <a:cs typeface="Times New Roman" panose="02020603050405020304" pitchFamily="18" charset="0"/>
+              </a:rPr>
+              <a:t>1. Separate Chaining</a:t>
+            </a:r>
+          </a:p>
+          <a:p>
+            <a:r>
+              <a:rPr lang="en-GB" dirty="0">
+                <a:latin typeface="Times New Roman" panose="02020603050405020304" pitchFamily="18" charset="0"/>
+                <a:cs typeface="Times New Roman" panose="02020603050405020304" pitchFamily="18" charset="0"/>
+              </a:rPr>
+              <a:t>2. Linear Probing</a:t>
+            </a:r>
+          </a:p>
+          <a:p>
+            <a:r>
+              <a:rPr lang="en-GB" dirty="0">
+                <a:latin typeface="Times New Roman" panose="02020603050405020304" pitchFamily="18" charset="0"/>
+                <a:cs typeface="Times New Roman" panose="02020603050405020304" pitchFamily="18" charset="0"/>
+              </a:rPr>
+              <a:t>3. Quadratic Probing</a:t>
+            </a:r>
+          </a:p>
+          <a:p>
+            <a:r>
+              <a:rPr lang="en-GB" dirty="0">
+                <a:latin typeface="Times New Roman" panose="02020603050405020304" pitchFamily="18" charset="0"/>
+                <a:cs typeface="Times New Roman" panose="02020603050405020304" pitchFamily="18" charset="0"/>
+              </a:rPr>
+              <a:t>4. Double Hashing</a:t>
+            </a:r>
+          </a:p>
+          <a:p>
+            <a:pPr lvl="1"/>
+            <a:r>
+              <a:rPr lang="en-GB" dirty="0">
+                <a:latin typeface="Times New Roman" panose="02020603050405020304" pitchFamily="18" charset="0"/>
+                <a:cs typeface="Times New Roman" panose="02020603050405020304" pitchFamily="18" charset="0"/>
+              </a:rPr>
+              <a:t>Two hash functions:</a:t>
+            </a:r>
+          </a:p>
+          <a:p>
+            <a:pPr lvl="1"/>
+            <a:r>
+              <a:rPr lang="en-GB" dirty="0">
+                <a:latin typeface="Times New Roman" panose="02020603050405020304" pitchFamily="18" charset="0"/>
+                <a:cs typeface="Times New Roman" panose="02020603050405020304" pitchFamily="18" charset="0"/>
+              </a:rPr>
+              <a:t>h1(k)=k%5</a:t>
+            </a:r>
+          </a:p>
+          <a:p>
+            <a:pPr lvl="1"/>
+            <a:r>
+              <a:rPr lang="en-GB" dirty="0">
+                <a:latin typeface="Times New Roman" panose="02020603050405020304" pitchFamily="18" charset="0"/>
+                <a:cs typeface="Times New Roman" panose="02020603050405020304" pitchFamily="18" charset="0"/>
+              </a:rPr>
+              <a:t>h2(k)=1+(k%3) (step size)</a:t>
+            </a:r>
+          </a:p>
+          <a:p>
+            <a:pPr lvl="1"/>
+            <a:r>
+              <a:rPr lang="en-GB" dirty="0">
+                <a:latin typeface="Times New Roman" panose="02020603050405020304" pitchFamily="18" charset="0"/>
+                <a:cs typeface="Times New Roman" panose="02020603050405020304" pitchFamily="18" charset="0"/>
+              </a:rPr>
+              <a:t>Probe sequence: Probe(</a:t>
+            </a:r>
+            <a:r>
+              <a:rPr lang="en-GB" dirty="0" err="1">
+                <a:latin typeface="Times New Roman" panose="02020603050405020304" pitchFamily="18" charset="0"/>
+                <a:cs typeface="Times New Roman" panose="02020603050405020304" pitchFamily="18" charset="0"/>
+              </a:rPr>
+              <a:t>k,i</a:t>
+            </a:r>
+            <a:r>
+              <a:rPr lang="en-GB" dirty="0">
+                <a:latin typeface="Times New Roman" panose="02020603050405020304" pitchFamily="18" charset="0"/>
+                <a:cs typeface="Times New Roman" panose="02020603050405020304" pitchFamily="18" charset="0"/>
+              </a:rPr>
+              <a:t>)=(h1(k)+i⋅h2(k))%5</a:t>
             </a:r>
           </a:p>
           <a:p>

--- a/PPTs/Lecture 7-hash table exercises ANS.pptx
+++ b/PPTs/Lecture 7-hash table exercises ANS.pptx
@@ -5,20 +5,21 @@
     <p:sldMasterId id="2147483648" r:id="rId1"/>
   </p:sldMasterIdLst>
   <p:notesMasterIdLst>
-    <p:notesMasterId r:id="rId13"/>
+    <p:notesMasterId r:id="rId14"/>
   </p:notesMasterIdLst>
   <p:sldIdLst>
     <p:sldId id="256" r:id="rId2"/>
-    <p:sldId id="278" r:id="rId3"/>
-    <p:sldId id="279" r:id="rId4"/>
+    <p:sldId id="279" r:id="rId3"/>
+    <p:sldId id="332" r:id="rId4"/>
     <p:sldId id="280" r:id="rId5"/>
-    <p:sldId id="281" r:id="rId6"/>
-    <p:sldId id="327" r:id="rId7"/>
-    <p:sldId id="282" r:id="rId8"/>
-    <p:sldId id="328" r:id="rId9"/>
-    <p:sldId id="329" r:id="rId10"/>
-    <p:sldId id="330" r:id="rId11"/>
-    <p:sldId id="331" r:id="rId12"/>
+    <p:sldId id="333" r:id="rId6"/>
+    <p:sldId id="281" r:id="rId7"/>
+    <p:sldId id="327" r:id="rId8"/>
+    <p:sldId id="282" r:id="rId9"/>
+    <p:sldId id="328" r:id="rId10"/>
+    <p:sldId id="329" r:id="rId11"/>
+    <p:sldId id="330" r:id="rId12"/>
+    <p:sldId id="331" r:id="rId13"/>
   </p:sldIdLst>
   <p:sldSz cx="9144000" cy="6858000" type="screen4x3"/>
   <p:notesSz cx="6858000" cy="9144000"/>
@@ -218,7 +219,7 @@
           <a:p>
             <a:fld id="{1B0CF57B-C747-FC49-8C8F-81AE37C96CA4}" type="datetimeFigureOut">
               <a:rPr lang="en-US" smtClean="0"/>
-              <a:t>2/26/2025</a:t>
+              <a:t>3/3/2025</a:t>
             </a:fld>
             <a:endParaRPr lang="en-US"/>
           </a:p>
@@ -529,65 +530,6 @@
           <a:bodyPr/>
           <a:lstStyle/>
           <a:p>
-            <a:pPr algn="l"/>
-            <a:r>
-              <a:rPr lang="en-GB" b="0" i="0" dirty="0">
-                <a:effectLst/>
-                <a:latin typeface="__fkGroteskNeue_598ab8"/>
-              </a:rPr>
-              <a:t>Since there are no collisions with these initial indices, each element is placed directly into its calculated </a:t>
-            </a:r>
-            <a:r>
-              <a:rPr lang="en-GB" b="0" i="0" dirty="0" err="1">
-                <a:effectLst/>
-                <a:latin typeface="__fkGroteskNeue_598ab8"/>
-              </a:rPr>
-              <a:t>position.Thus</a:t>
-            </a:r>
-            <a:r>
-              <a:rPr lang="en-GB" b="0" i="0" dirty="0">
-                <a:effectLst/>
-                <a:latin typeface="__fkGroteskNeue_598ab8"/>
-              </a:rPr>
-              <a:t>, the final contents of the hash table </a:t>
-            </a:r>
-            <a:r>
-              <a:rPr lang="en-GB" b="0" i="0" dirty="0" err="1">
-                <a:effectLst/>
-                <a:latin typeface="__fkGroteskNeue_598ab8"/>
-              </a:rPr>
-              <a:t>are:</a:t>
-            </a:r>
-            <a:r>
-              <a:rPr lang="en-GB" b="0" i="0" dirty="0" err="1">
-                <a:effectLst/>
-                <a:latin typeface="var(--font-berkeley-mono)"/>
-              </a:rPr>
-              <a:t>text</a:t>
-            </a:r>
-            <a:endParaRPr lang="en-GB" b="0" i="0" dirty="0">
-              <a:effectLst/>
-              <a:latin typeface="var(--font-berkeley-mono)"/>
-            </a:endParaRPr>
-          </a:p>
-          <a:p>
-            <a:pPr algn="l"/>
-            <a:r>
-              <a:rPr lang="en-GB" b="0" i="0" dirty="0">
-                <a:solidFill>
-                  <a:srgbClr val="4D4D4C"/>
-                </a:solidFill>
-                <a:effectLst/>
-                <a:latin typeface="inherit"/>
-              </a:rPr>
-              <a:t>[3, 10, 1, 8, '__', '__', '__']</a:t>
-            </a:r>
-            <a:endParaRPr lang="en-GB" b="0" i="0" dirty="0">
-              <a:effectLst/>
-              <a:latin typeface="var(--font-berkeley-mono)"/>
-            </a:endParaRPr>
-          </a:p>
-          <a:p>
             <a:endParaRPr lang="en-SE" dirty="0"/>
           </a:p>
         </p:txBody>
@@ -610,247 +552,6 @@
             <a:fld id="{13F62E29-99FC-EB40-923F-D38E4FE7BE7E}" type="slidenum">
               <a:rPr lang="en-US" smtClean="0"/>
               <a:t>2</a:t>
-            </a:fld>
-            <a:endParaRPr lang="en-US"/>
-          </a:p>
-        </p:txBody>
-      </p:sp>
-    </p:spTree>
-    <p:extLst>
-      <p:ext uri="{BB962C8B-B14F-4D97-AF65-F5344CB8AC3E}">
-        <p14:creationId xmlns:p14="http://schemas.microsoft.com/office/powerpoint/2010/main" val="3446136522"/>
-      </p:ext>
-    </p:extLst>
-  </p:cSld>
-  <p:clrMapOvr>
-    <a:masterClrMapping/>
-  </p:clrMapOvr>
-</p:notes>
-</file>
-
-<file path=ppt/notesSlides/notesSlide2.xml><?xml version="1.0" encoding="utf-8"?>
-<p:notes xmlns:a="http://schemas.openxmlformats.org/drawingml/2006/main" xmlns:r="http://schemas.openxmlformats.org/officeDocument/2006/relationships" xmlns:p="http://schemas.openxmlformats.org/presentationml/2006/main">
-  <p:cSld>
-    <p:spTree>
-      <p:nvGrpSpPr>
-        <p:cNvPr id="1" name=""/>
-        <p:cNvGrpSpPr/>
-        <p:nvPr/>
-      </p:nvGrpSpPr>
-      <p:grpSpPr>
-        <a:xfrm>
-          <a:off x="0" y="0"/>
-          <a:ext cx="0" cy="0"/>
-          <a:chOff x="0" y="0"/>
-          <a:chExt cx="0" cy="0"/>
-        </a:xfrm>
-      </p:grpSpPr>
-      <p:sp>
-        <p:nvSpPr>
-          <p:cNvPr id="2" name="Slide Image Placeholder 1"/>
-          <p:cNvSpPr>
-            <a:spLocks noGrp="1" noRot="1" noChangeAspect="1"/>
-          </p:cNvSpPr>
-          <p:nvPr>
-            <p:ph type="sldImg"/>
-          </p:nvPr>
-        </p:nvSpPr>
-        <p:spPr/>
-      </p:sp>
-      <p:sp>
-        <p:nvSpPr>
-          <p:cNvPr id="3" name="Notes Placeholder 2"/>
-          <p:cNvSpPr>
-            <a:spLocks noGrp="1"/>
-          </p:cNvSpPr>
-          <p:nvPr>
-            <p:ph type="body" idx="1"/>
-          </p:nvPr>
-        </p:nvSpPr>
-        <p:spPr/>
-        <p:txBody>
-          <a:bodyPr/>
-          <a:lstStyle/>
-          <a:p>
-            <a:r>
-              <a:rPr lang="en-GB" dirty="0"/>
-              <a:t>To determine the resultant hash table after inserting the keys 12, 18, 13, 2, 3, 23, 5, and 15 into an initially empty hash table of length 10 using open addressing with linear probing and the hash function $$ h(k) = k \% 10 $$, we can follow these steps:</a:t>
-            </a:r>
-          </a:p>
-          <a:p>
-            <a:endParaRPr lang="en-GB" dirty="0"/>
-          </a:p>
-          <a:p>
-            <a:r>
-              <a:rPr lang="en-GB" dirty="0"/>
-              <a:t>1. **Hash Function Calculation**:</a:t>
-            </a:r>
-          </a:p>
-          <a:p>
-            <a:r>
-              <a:rPr lang="en-GB" dirty="0"/>
-              <a:t>   - For key 12: $$ 12 \% 10 = 2 $$</a:t>
-            </a:r>
-          </a:p>
-          <a:p>
-            <a:r>
-              <a:rPr lang="en-GB" dirty="0"/>
-              <a:t>   - For key 18: $$ 18 \% 10 = 8 $$</a:t>
-            </a:r>
-          </a:p>
-          <a:p>
-            <a:r>
-              <a:rPr lang="en-GB" dirty="0"/>
-              <a:t>   - For key 13: $$ 13 \% 10 = 3 $$</a:t>
-            </a:r>
-          </a:p>
-          <a:p>
-            <a:r>
-              <a:rPr lang="en-GB" dirty="0"/>
-              <a:t>   - For key 2: $$ 2 \% 10 = 2 $$</a:t>
-            </a:r>
-          </a:p>
-          <a:p>
-            <a:r>
-              <a:rPr lang="en-GB" dirty="0"/>
-              <a:t>   - For key 3: $$ 3 \% 10 = 3 $$</a:t>
-            </a:r>
-          </a:p>
-          <a:p>
-            <a:r>
-              <a:rPr lang="en-GB" dirty="0"/>
-              <a:t>   - For key 23: $$ 23 \% 10 = 3 $$</a:t>
-            </a:r>
-          </a:p>
-          <a:p>
-            <a:r>
-              <a:rPr lang="en-GB" dirty="0"/>
-              <a:t>   - For key 5: $$ 5 \% 10 = 5 $$</a:t>
-            </a:r>
-          </a:p>
-          <a:p>
-            <a:r>
-              <a:rPr lang="en-GB" dirty="0"/>
-              <a:t>   - For key 15: $$ 15 \% 10 = 5 $$</a:t>
-            </a:r>
-          </a:p>
-          <a:p>
-            <a:endParaRPr lang="en-GB" dirty="0"/>
-          </a:p>
-          <a:p>
-            <a:r>
-              <a:rPr lang="en-GB" dirty="0"/>
-              <a:t>2. **Insert Keys Using Linear Probing**:</a:t>
-            </a:r>
-          </a:p>
-          <a:p>
-            <a:r>
-              <a:rPr lang="en-GB" dirty="0"/>
-              <a:t>   - Insert `12` at index `2`.</a:t>
-            </a:r>
-          </a:p>
-          <a:p>
-            <a:r>
-              <a:rPr lang="en-GB" dirty="0"/>
-              <a:t>   - Insert `18` at index `8`.</a:t>
-            </a:r>
-          </a:p>
-          <a:p>
-            <a:r>
-              <a:rPr lang="en-GB" dirty="0"/>
-              <a:t>   - Insert `13` at index `3`.</a:t>
-            </a:r>
-          </a:p>
-          <a:p>
-            <a:r>
-              <a:rPr lang="en-GB" dirty="0"/>
-              <a:t>   - Attempt to insert `2` at index `2`, but it's occupied. Use linear probing to find the next available slot. It goes to index `4`.</a:t>
-            </a:r>
-          </a:p>
-          <a:p>
-            <a:r>
-              <a:rPr lang="en-GB" dirty="0"/>
-              <a:t>   - Attempt to insert `3` at index `3`, but it's occupied. Use linear probing to find the next available slot. It goes to index `5`.</a:t>
-            </a:r>
-          </a:p>
-          <a:p>
-            <a:r>
-              <a:rPr lang="en-GB" dirty="0"/>
-              <a:t>   - Attempt to insert `23` at index `3`, but it's occupied. Use linear probing to find the next available slot. It goes to index `6`.</a:t>
-            </a:r>
-          </a:p>
-          <a:p>
-            <a:r>
-              <a:rPr lang="en-GB" dirty="0"/>
-              <a:t>   - Insert `5` at index `5`, but it's occupied. Use linear probing to find the next available slot. It goes to index `7`.</a:t>
-            </a:r>
-          </a:p>
-          <a:p>
-            <a:r>
-              <a:rPr lang="en-GB" dirty="0"/>
-              <a:t>   - Attempt to insert `15` at index `5`, but it's occupied. Use linear probing to find the next available slot. It goes to index `9`.</a:t>
-            </a:r>
-          </a:p>
-          <a:p>
-            <a:endParaRPr lang="en-GB" dirty="0"/>
-          </a:p>
-          <a:p>
-            <a:r>
-              <a:rPr lang="en-GB" dirty="0"/>
-              <a:t>The final hash table is:</a:t>
-            </a:r>
-          </a:p>
-          <a:p>
-            <a:endParaRPr lang="en-GB" dirty="0"/>
-          </a:p>
-          <a:p>
-            <a:r>
-              <a:rPr lang="en-GB" dirty="0"/>
-              <a:t>```</a:t>
-            </a:r>
-          </a:p>
-          <a:p>
-            <a:r>
-              <a:rPr lang="en-GB" dirty="0"/>
-              <a:t>[None, None, 12, 13, 2, 3, 23, 5, 18, 15]</a:t>
-            </a:r>
-          </a:p>
-          <a:p>
-            <a:r>
-              <a:rPr lang="en-GB" dirty="0"/>
-              <a:t>```</a:t>
-            </a:r>
-          </a:p>
-          <a:p>
-            <a:endParaRPr lang="en-GB" dirty="0"/>
-          </a:p>
-          <a:p>
-            <a:r>
-              <a:rPr lang="en-GB" dirty="0"/>
-              <a:t>This table reflects the use of linear probing to resolve collisions by finding the next available slot in sequence.</a:t>
-            </a:r>
-            <a:endParaRPr lang="en-SE" dirty="0"/>
-          </a:p>
-        </p:txBody>
-      </p:sp>
-      <p:sp>
-        <p:nvSpPr>
-          <p:cNvPr id="4" name="Slide Number Placeholder 3"/>
-          <p:cNvSpPr>
-            <a:spLocks noGrp="1"/>
-          </p:cNvSpPr>
-          <p:nvPr>
-            <p:ph type="sldNum" sz="quarter" idx="5"/>
-          </p:nvPr>
-        </p:nvSpPr>
-        <p:spPr/>
-        <p:txBody>
-          <a:bodyPr/>
-          <a:lstStyle/>
-          <a:p>
-            <a:fld id="{13F62E29-99FC-EB40-923F-D38E4FE7BE7E}" type="slidenum">
-              <a:rPr lang="en-US" smtClean="0"/>
-              <a:t>3</a:t>
             </a:fld>
             <a:endParaRPr lang="en-US"/>
           </a:p>
@@ -1056,7 +757,7 @@
           <a:p>
             <a:fld id="{FB221443-D73C-634A-A910-7320408C156D}" type="datetimeFigureOut">
               <a:rPr lang="en-US" smtClean="0"/>
-              <a:t>2/26/2025</a:t>
+              <a:t>3/3/2025</a:t>
             </a:fld>
             <a:endParaRPr lang="en-US"/>
           </a:p>
@@ -1091,7 +792,15 @@
             <p:ph type="sldNum" sz="quarter" idx="12"/>
           </p:nvPr>
         </p:nvSpPr>
-        <p:spPr/>
+        <p:spPr>
+          <a:xfrm>
+            <a:off x="6553200" y="6356350"/>
+            <a:ext cx="2133600" cy="365125"/>
+          </a:xfrm>
+          <a:prstGeom prst="rect">
+            <a:avLst/>
+          </a:prstGeom>
+        </p:spPr>
         <p:txBody>
           <a:bodyPr/>
           <a:lstStyle/>
@@ -1226,7 +935,7 @@
           <a:p>
             <a:fld id="{FB221443-D73C-634A-A910-7320408C156D}" type="datetimeFigureOut">
               <a:rPr lang="en-US" smtClean="0"/>
-              <a:t>2/26/2025</a:t>
+              <a:t>3/3/2025</a:t>
             </a:fld>
             <a:endParaRPr lang="en-US"/>
           </a:p>
@@ -1261,7 +970,15 @@
             <p:ph type="sldNum" sz="quarter" idx="12"/>
           </p:nvPr>
         </p:nvSpPr>
-        <p:spPr/>
+        <p:spPr>
+          <a:xfrm>
+            <a:off x="6553200" y="6356350"/>
+            <a:ext cx="2133600" cy="365125"/>
+          </a:xfrm>
+          <a:prstGeom prst="rect">
+            <a:avLst/>
+          </a:prstGeom>
+        </p:spPr>
         <p:txBody>
           <a:bodyPr/>
           <a:lstStyle/>
@@ -1406,7 +1123,7 @@
           <a:p>
             <a:fld id="{FB221443-D73C-634A-A910-7320408C156D}" type="datetimeFigureOut">
               <a:rPr lang="en-US" smtClean="0"/>
-              <a:t>2/26/2025</a:t>
+              <a:t>3/3/2025</a:t>
             </a:fld>
             <a:endParaRPr lang="en-US"/>
           </a:p>
@@ -1441,7 +1158,15 @@
             <p:ph type="sldNum" sz="quarter" idx="12"/>
           </p:nvPr>
         </p:nvSpPr>
-        <p:spPr/>
+        <p:spPr>
+          <a:xfrm>
+            <a:off x="6553200" y="6356350"/>
+            <a:ext cx="2133600" cy="365125"/>
+          </a:xfrm>
+          <a:prstGeom prst="rect">
+            <a:avLst/>
+          </a:prstGeom>
+        </p:spPr>
         <p:txBody>
           <a:bodyPr/>
           <a:lstStyle/>
@@ -1576,7 +1301,7 @@
           <a:p>
             <a:fld id="{FB221443-D73C-634A-A910-7320408C156D}" type="datetimeFigureOut">
               <a:rPr lang="en-US" smtClean="0"/>
-              <a:t>2/26/2025</a:t>
+              <a:t>3/3/2025</a:t>
             </a:fld>
             <a:endParaRPr lang="en-US"/>
           </a:p>
@@ -1603,21 +1328,46 @@
       </p:sp>
       <p:sp>
         <p:nvSpPr>
-          <p:cNvPr id="6" name="Slide Number Placeholder 5"/>
+          <p:cNvPr id="7" name="Slide Number Placeholder 5">
+            <a:extLst>
+              <a:ext uri="{FF2B5EF4-FFF2-40B4-BE49-F238E27FC236}">
+                <a16:creationId xmlns:a16="http://schemas.microsoft.com/office/drawing/2014/main" id="{2BFB1757-6FCD-F735-3C57-9C0A93ECD471}"/>
+              </a:ext>
+            </a:extLst>
+          </p:cNvPr>
           <p:cNvSpPr>
             <a:spLocks noGrp="1"/>
           </p:cNvSpPr>
           <p:nvPr>
-            <p:ph type="sldNum" sz="quarter" idx="12"/>
-          </p:nvPr>
-        </p:nvSpPr>
-        <p:spPr/>
-        <p:txBody>
-          <a:bodyPr/>
-          <a:lstStyle/>
+            <p:ph type="sldNum" sz="quarter" idx="4"/>
+          </p:nvPr>
+        </p:nvSpPr>
+        <p:spPr>
+          <a:xfrm>
+            <a:off x="8571344" y="6492875"/>
+            <a:ext cx="572655" cy="365125"/>
+          </a:xfrm>
+          <a:prstGeom prst="rect">
+            <a:avLst/>
+          </a:prstGeom>
+        </p:spPr>
+        <p:txBody>
+          <a:bodyPr vert="horz" lIns="91440" tIns="45720" rIns="91440" bIns="45720" rtlCol="0" anchor="ctr"/>
+          <a:lstStyle>
+            <a:lvl1pPr algn="r">
+              <a:defRPr sz="1600">
+                <a:solidFill>
+                  <a:schemeClr val="tx1">
+                    <a:tint val="75000"/>
+                  </a:schemeClr>
+                </a:solidFill>
+              </a:defRPr>
+            </a:lvl1pPr>
+          </a:lstStyle>
           <a:p>
             <a:fld id="{325BE2B7-23DB-644D-89A2-CA3C2E8FEF83}" type="slidenum">
               <a:rPr lang="en-US" smtClean="0"/>
+              <a:pPr/>
               <a:t>‹#›</a:t>
             </a:fld>
             <a:endParaRPr lang="en-US"/>
@@ -1822,7 +1572,7 @@
           <a:p>
             <a:fld id="{FB221443-D73C-634A-A910-7320408C156D}" type="datetimeFigureOut">
               <a:rPr lang="en-US" smtClean="0"/>
-              <a:t>2/26/2025</a:t>
+              <a:t>3/3/2025</a:t>
             </a:fld>
             <a:endParaRPr lang="en-US"/>
           </a:p>
@@ -1857,7 +1607,15 @@
             <p:ph type="sldNum" sz="quarter" idx="12"/>
           </p:nvPr>
         </p:nvSpPr>
-        <p:spPr/>
+        <p:spPr>
+          <a:xfrm>
+            <a:off x="6553200" y="6356350"/>
+            <a:ext cx="2133600" cy="365125"/>
+          </a:xfrm>
+          <a:prstGeom prst="rect">
+            <a:avLst/>
+          </a:prstGeom>
+        </p:spPr>
         <p:txBody>
           <a:bodyPr/>
           <a:lstStyle/>
@@ -2110,7 +1868,7 @@
           <a:p>
             <a:fld id="{FB221443-D73C-634A-A910-7320408C156D}" type="datetimeFigureOut">
               <a:rPr lang="en-US" smtClean="0"/>
-              <a:t>2/26/2025</a:t>
+              <a:t>3/3/2025</a:t>
             </a:fld>
             <a:endParaRPr lang="en-US"/>
           </a:p>
@@ -2145,7 +1903,15 @@
             <p:ph type="sldNum" sz="quarter" idx="12"/>
           </p:nvPr>
         </p:nvSpPr>
-        <p:spPr/>
+        <p:spPr>
+          <a:xfrm>
+            <a:off x="6553200" y="6356350"/>
+            <a:ext cx="2133600" cy="365125"/>
+          </a:xfrm>
+          <a:prstGeom prst="rect">
+            <a:avLst/>
+          </a:prstGeom>
+        </p:spPr>
         <p:txBody>
           <a:bodyPr/>
           <a:lstStyle/>
@@ -2532,7 +2298,7 @@
           <a:p>
             <a:fld id="{FB221443-D73C-634A-A910-7320408C156D}" type="datetimeFigureOut">
               <a:rPr lang="en-US" smtClean="0"/>
-              <a:t>2/26/2025</a:t>
+              <a:t>3/3/2025</a:t>
             </a:fld>
             <a:endParaRPr lang="en-US"/>
           </a:p>
@@ -2567,7 +2333,15 @@
             <p:ph type="sldNum" sz="quarter" idx="12"/>
           </p:nvPr>
         </p:nvSpPr>
-        <p:spPr/>
+        <p:spPr>
+          <a:xfrm>
+            <a:off x="6553200" y="6356350"/>
+            <a:ext cx="2133600" cy="365125"/>
+          </a:xfrm>
+          <a:prstGeom prst="rect">
+            <a:avLst/>
+          </a:prstGeom>
+        </p:spPr>
         <p:txBody>
           <a:bodyPr/>
           <a:lstStyle/>
@@ -2650,7 +2424,7 @@
           <a:p>
             <a:fld id="{FB221443-D73C-634A-A910-7320408C156D}" type="datetimeFigureOut">
               <a:rPr lang="en-US" smtClean="0"/>
-              <a:t>2/26/2025</a:t>
+              <a:t>3/3/2025</a:t>
             </a:fld>
             <a:endParaRPr lang="en-US"/>
           </a:p>
@@ -2685,7 +2459,15 @@
             <p:ph type="sldNum" sz="quarter" idx="12"/>
           </p:nvPr>
         </p:nvSpPr>
-        <p:spPr/>
+        <p:spPr>
+          <a:xfrm>
+            <a:off x="6553200" y="6356350"/>
+            <a:ext cx="2133600" cy="365125"/>
+          </a:xfrm>
+          <a:prstGeom prst="rect">
+            <a:avLst/>
+          </a:prstGeom>
+        </p:spPr>
         <p:txBody>
           <a:bodyPr/>
           <a:lstStyle/>
@@ -2745,7 +2527,7 @@
           <a:p>
             <a:fld id="{FB221443-D73C-634A-A910-7320408C156D}" type="datetimeFigureOut">
               <a:rPr lang="en-US" smtClean="0"/>
-              <a:t>2/26/2025</a:t>
+              <a:t>3/3/2025</a:t>
             </a:fld>
             <a:endParaRPr lang="en-US"/>
           </a:p>
@@ -2780,7 +2562,15 @@
             <p:ph type="sldNum" sz="quarter" idx="12"/>
           </p:nvPr>
         </p:nvSpPr>
-        <p:spPr/>
+        <p:spPr>
+          <a:xfrm>
+            <a:off x="6553200" y="6356350"/>
+            <a:ext cx="2133600" cy="365125"/>
+          </a:xfrm>
+          <a:prstGeom prst="rect">
+            <a:avLst/>
+          </a:prstGeom>
+        </p:spPr>
         <p:txBody>
           <a:bodyPr/>
           <a:lstStyle/>
@@ -3022,7 +2812,7 @@
           <a:p>
             <a:fld id="{FB221443-D73C-634A-A910-7320408C156D}" type="datetimeFigureOut">
               <a:rPr lang="en-US" smtClean="0"/>
-              <a:t>2/26/2025</a:t>
+              <a:t>3/3/2025</a:t>
             </a:fld>
             <a:endParaRPr lang="en-US"/>
           </a:p>
@@ -3057,7 +2847,15 @@
             <p:ph type="sldNum" sz="quarter" idx="12"/>
           </p:nvPr>
         </p:nvSpPr>
-        <p:spPr/>
+        <p:spPr>
+          <a:xfrm>
+            <a:off x="6553200" y="6356350"/>
+            <a:ext cx="2133600" cy="365125"/>
+          </a:xfrm>
+          <a:prstGeom prst="rect">
+            <a:avLst/>
+          </a:prstGeom>
+        </p:spPr>
         <p:txBody>
           <a:bodyPr/>
           <a:lstStyle/>
@@ -3275,7 +3073,7 @@
           <a:p>
             <a:fld id="{FB221443-D73C-634A-A910-7320408C156D}" type="datetimeFigureOut">
               <a:rPr lang="en-US" smtClean="0"/>
-              <a:t>2/26/2025</a:t>
+              <a:t>3/3/2025</a:t>
             </a:fld>
             <a:endParaRPr lang="en-US"/>
           </a:p>
@@ -3310,7 +3108,15 @@
             <p:ph type="sldNum" sz="quarter" idx="12"/>
           </p:nvPr>
         </p:nvSpPr>
-        <p:spPr/>
+        <p:spPr>
+          <a:xfrm>
+            <a:off x="6553200" y="6356350"/>
+            <a:ext cx="2133600" cy="365125"/>
+          </a:xfrm>
+          <a:prstGeom prst="rect">
+            <a:avLst/>
+          </a:prstGeom>
+        </p:spPr>
         <p:txBody>
           <a:bodyPr/>
           <a:lstStyle/>
@@ -3488,7 +3294,7 @@
           <a:p>
             <a:fld id="{FB221443-D73C-634A-A910-7320408C156D}" type="datetimeFigureOut">
               <a:rPr lang="en-US" smtClean="0"/>
-              <a:t>2/26/2025</a:t>
+              <a:t>3/3/2025</a:t>
             </a:fld>
             <a:endParaRPr lang="en-US"/>
           </a:p>
@@ -3533,7 +3339,13 @@
       </p:sp>
       <p:sp>
         <p:nvSpPr>
-          <p:cNvPr id="6" name="Slide Number Placeholder 5"/>
+          <p:cNvPr id="7" name="Slide Number Placeholder 5">
+            <a:extLst>
+              <a:ext uri="{FF2B5EF4-FFF2-40B4-BE49-F238E27FC236}">
+                <a16:creationId xmlns:a16="http://schemas.microsoft.com/office/drawing/2014/main" id="{157561F5-3405-823D-C70E-419E1520FF9B}"/>
+              </a:ext>
+            </a:extLst>
+          </p:cNvPr>
           <p:cNvSpPr>
             <a:spLocks noGrp="1"/>
           </p:cNvSpPr>
@@ -3543,8 +3355,8 @@
         </p:nvSpPr>
         <p:spPr>
           <a:xfrm>
-            <a:off x="6553200" y="6356350"/>
-            <a:ext cx="2133600" cy="365125"/>
+            <a:off x="8571344" y="6492875"/>
+            <a:ext cx="572655" cy="365125"/>
           </a:xfrm>
           <a:prstGeom prst="rect">
             <a:avLst/>
@@ -3554,7 +3366,7 @@
           <a:bodyPr vert="horz" lIns="91440" tIns="45720" rIns="91440" bIns="45720" rtlCol="0" anchor="ctr"/>
           <a:lstStyle>
             <a:lvl1pPr algn="r">
-              <a:defRPr sz="1200">
+              <a:defRPr sz="1600">
                 <a:solidFill>
                   <a:schemeClr val="tx1">
                     <a:tint val="75000"/>
@@ -3566,6 +3378,7 @@
           <a:p>
             <a:fld id="{325BE2B7-23DB-644D-89A2-CA3C2E8FEF83}" type="slidenum">
               <a:rPr lang="en-US" smtClean="0"/>
+              <a:pPr/>
               <a:t>‹#›</a:t>
             </a:fld>
             <a:endParaRPr lang="en-US"/>
@@ -4094,7 +3907,7 @@
           <p:cNvPr id="2" name="Title 1">
             <a:extLst>
               <a:ext uri="{FF2B5EF4-FFF2-40B4-BE49-F238E27FC236}">
-                <a16:creationId xmlns:a16="http://schemas.microsoft.com/office/drawing/2014/main" id="{EAB17510-120D-497D-16C8-432C6EF2F304}"/>
+                <a16:creationId xmlns:a16="http://schemas.microsoft.com/office/drawing/2014/main" id="{9479A673-B0C0-8C31-FF23-2BBE2091325B}"/>
               </a:ext>
             </a:extLst>
           </p:cNvPr>
@@ -4112,7 +3925,7 @@
           <a:p>
             <a:r>
               <a:rPr lang="en-GB" dirty="0"/>
-              <a:t>Quadratic Probing</a:t>
+              <a:t>Linear Probing</a:t>
             </a:r>
             <a:endParaRPr lang="en-SE" dirty="0"/>
           </a:p>
@@ -4123,7 +3936,7 @@
           <p:cNvPr id="3" name="Content Placeholder 2">
             <a:extLst>
               <a:ext uri="{FF2B5EF4-FFF2-40B4-BE49-F238E27FC236}">
-                <a16:creationId xmlns:a16="http://schemas.microsoft.com/office/drawing/2014/main" id="{BC767CEC-E442-F044-A0DC-39E883D0EF5E}"/>
+                <a16:creationId xmlns:a16="http://schemas.microsoft.com/office/drawing/2014/main" id="{B8595923-EF63-9F7C-C559-B2E07350FEDB}"/>
               </a:ext>
             </a:extLst>
           </p:cNvPr>
@@ -4137,13 +3950,13 @@
         <p:spPr/>
         <p:txBody>
           <a:bodyPr>
-            <a:normAutofit lnSpcReduction="10000"/>
+            <a:normAutofit/>
           </a:bodyPr>
           <a:lstStyle/>
           <a:p>
             <a:r>
               <a:rPr lang="en-GB" dirty="0"/>
-              <a:t>Collisions are resolved using quadratic increments:</a:t>
+              <a:t>Collisions are resolved by probing the next slot linearly:</a:t>
             </a:r>
           </a:p>
           <a:p>
@@ -4157,7 +3970,7 @@
             </a:r>
             <a:r>
               <a:rPr lang="en-GB" dirty="0"/>
-              <a:t>)=(h(k)+i2)%5</a:t>
+              <a:t>)=(h(k)+i)%5</a:t>
             </a:r>
           </a:p>
           <a:p>
@@ -4181,14 +3994,7 @@
           <a:p>
             <a:r>
               <a:rPr lang="en-GB" dirty="0"/>
-              <a:t>15: Slot 0 (occupied).</a:t>
-            </a:r>
-          </a:p>
-          <a:p>
-            <a:pPr lvl="1"/>
-            <a:r>
-              <a:rPr lang="en-GB" dirty="0"/>
-              <a:t>Probe 1: (0+12)%5=1 → Slot 1 → ``</a:t>
+              <a:t>15: Slot 0 (occupied). Probe 1 → Slot 1 → ``</a:t>
             </a:r>
           </a:p>
           <a:p>
@@ -4200,21 +4006,7 @@
           <a:p>
             <a:r>
               <a:rPr lang="en-GB" dirty="0"/>
-              <a:t>25: Slot 0 (occupied).</a:t>
-            </a:r>
-          </a:p>
-          <a:p>
-            <a:pPr lvl="1"/>
-            <a:r>
-              <a:rPr lang="en-GB" dirty="0"/>
-              <a:t>Probe 1: (0+12)%5=1 (occupied).</a:t>
-            </a:r>
-          </a:p>
-          <a:p>
-            <a:pPr lvl="1"/>
-            <a:r>
-              <a:rPr lang="en-GB" dirty="0"/>
-              <a:t>Probe 2: (0+22)%5=4 → Slot 4 → ``</a:t>
+              <a:t>25: Slot 0 (occupied). Probe 1 (Slot 1: occupied), Probe 2 → Slot 2 (occupied), Probe 3 → Slot 3 (occupied), Probe 4 → Slot 4 → ``</a:t>
             </a:r>
             <a:endParaRPr lang="en-SE" dirty="0"/>
           </a:p>
@@ -4222,10 +4014,10 @@
       </p:sp>
       <p:graphicFrame>
         <p:nvGraphicFramePr>
-          <p:cNvPr id="4" name="Content Placeholder 5">
+          <p:cNvPr id="6" name="Content Placeholder 5">
             <a:extLst>
               <a:ext uri="{FF2B5EF4-FFF2-40B4-BE49-F238E27FC236}">
-                <a16:creationId xmlns:a16="http://schemas.microsoft.com/office/drawing/2014/main" id="{3D7618EA-84FA-8CB9-3411-9B813CDFF0AE}"/>
+                <a16:creationId xmlns:a16="http://schemas.microsoft.com/office/drawing/2014/main" id="{23398C1A-3D36-033A-6355-66640C271ABC}"/>
               </a:ext>
             </a:extLst>
           </p:cNvPr>
@@ -4235,7 +4027,7 @@
           <p:nvPr>
             <p:extLst>
               <p:ext uri="{D42A27DB-BD31-4B8C-83A1-F6EECF244321}">
-                <p14:modId xmlns:p14="http://schemas.microsoft.com/office/powerpoint/2010/main" val="2190269647"/>
+                <p14:modId xmlns:p14="http://schemas.microsoft.com/office/powerpoint/2010/main" val="997143446"/>
               </p:ext>
             </p:extLst>
           </p:nvPr>
@@ -4455,10 +4247,58 @@
           </a:graphicData>
         </a:graphic>
       </p:graphicFrame>
+      <p:sp>
+        <p:nvSpPr>
+          <p:cNvPr id="4" name="Slide Number Placeholder 5">
+            <a:extLst>
+              <a:ext uri="{FF2B5EF4-FFF2-40B4-BE49-F238E27FC236}">
+                <a16:creationId xmlns:a16="http://schemas.microsoft.com/office/drawing/2014/main" id="{70B23A07-11F5-C437-34B4-1056EA21E1E1}"/>
+              </a:ext>
+            </a:extLst>
+          </p:cNvPr>
+          <p:cNvSpPr>
+            <a:spLocks noGrp="1"/>
+          </p:cNvSpPr>
+          <p:nvPr>
+            <p:ph type="sldNum" sz="quarter" idx="4"/>
+          </p:nvPr>
+        </p:nvSpPr>
+        <p:spPr>
+          <a:xfrm>
+            <a:off x="8571344" y="6492875"/>
+            <a:ext cx="572655" cy="365125"/>
+          </a:xfrm>
+          <a:prstGeom prst="rect">
+            <a:avLst/>
+          </a:prstGeom>
+        </p:spPr>
+        <p:txBody>
+          <a:bodyPr vert="horz" lIns="91440" tIns="45720" rIns="91440" bIns="45720" rtlCol="0" anchor="ctr"/>
+          <a:lstStyle>
+            <a:lvl1pPr algn="r">
+              <a:defRPr sz="1600">
+                <a:solidFill>
+                  <a:schemeClr val="tx1">
+                    <a:tint val="75000"/>
+                  </a:schemeClr>
+                </a:solidFill>
+              </a:defRPr>
+            </a:lvl1pPr>
+          </a:lstStyle>
+          <a:p>
+            <a:fld id="{325BE2B7-23DB-644D-89A2-CA3C2E8FEF83}" type="slidenum">
+              <a:rPr lang="en-US" smtClean="0"/>
+              <a:pPr/>
+              <a:t>10</a:t>
+            </a:fld>
+            <a:endParaRPr lang="en-US"/>
+          </a:p>
+        </p:txBody>
+      </p:sp>
     </p:spTree>
     <p:extLst>
       <p:ext uri="{BB962C8B-B14F-4D97-AF65-F5344CB8AC3E}">
-        <p14:creationId xmlns:p14="http://schemas.microsoft.com/office/powerpoint/2010/main" val="2271126121"/>
+        <p14:creationId xmlns:p14="http://schemas.microsoft.com/office/powerpoint/2010/main" val="2948823639"/>
       </p:ext>
     </p:extLst>
   </p:cSld>
@@ -4490,7 +4330,7 @@
           <p:cNvPr id="2" name="Title 1">
             <a:extLst>
               <a:ext uri="{FF2B5EF4-FFF2-40B4-BE49-F238E27FC236}">
-                <a16:creationId xmlns:a16="http://schemas.microsoft.com/office/drawing/2014/main" id="{86C035C2-D4B0-6FE6-DC65-590A31982C3E}"/>
+                <a16:creationId xmlns:a16="http://schemas.microsoft.com/office/drawing/2014/main" id="{EAB17510-120D-497D-16C8-432C6EF2F304}"/>
               </a:ext>
             </a:extLst>
           </p:cNvPr>
@@ -4508,7 +4348,7 @@
           <a:p>
             <a:r>
               <a:rPr lang="en-GB" dirty="0"/>
-              <a:t>Double Hashing</a:t>
+              <a:t>Quadratic Probing</a:t>
             </a:r>
             <a:endParaRPr lang="en-SE" dirty="0"/>
           </a:p>
@@ -4519,7 +4359,7 @@
           <p:cNvPr id="3" name="Content Placeholder 2">
             <a:extLst>
               <a:ext uri="{FF2B5EF4-FFF2-40B4-BE49-F238E27FC236}">
-                <a16:creationId xmlns:a16="http://schemas.microsoft.com/office/drawing/2014/main" id="{DC9BEB7F-0313-FF94-80C2-4D865C3A7C33}"/>
+                <a16:creationId xmlns:a16="http://schemas.microsoft.com/office/drawing/2014/main" id="{BC767CEC-E442-F044-A0DC-39E883D0EF5E}"/>
               </a:ext>
             </a:extLst>
           </p:cNvPr>
@@ -4533,209 +4373,86 @@
         <p:spPr/>
         <p:txBody>
           <a:bodyPr>
-            <a:normAutofit fontScale="85000" lnSpcReduction="20000"/>
+            <a:normAutofit lnSpcReduction="10000"/>
           </a:bodyPr>
           <a:lstStyle/>
           <a:p>
-            <a:pPr algn="l"/>
-            <a:r>
-              <a:rPr lang="en-GB" b="0" i="0" dirty="0">
-                <a:solidFill>
-                  <a:srgbClr val="222222"/>
-                </a:solidFill>
-                <a:effectLst/>
-                <a:latin typeface="Times New Roman" panose="02020603050405020304" pitchFamily="18" charset="0"/>
-                <a:cs typeface="Times New Roman" panose="02020603050405020304" pitchFamily="18" charset="0"/>
-              </a:rPr>
-              <a:t>Uses two hash functions:</a:t>
-            </a:r>
-          </a:p>
-          <a:p>
-            <a:pPr lvl="1">
-              <a:buFont typeface="Arial" panose="020B0604020202020204" pitchFamily="34" charset="0"/>
-              <a:buChar char="•"/>
-            </a:pPr>
-            <a:r>
-              <a:rPr lang="en-GB" b="0" i="0" dirty="0">
-                <a:solidFill>
-                  <a:srgbClr val="222222"/>
-                </a:solidFill>
-                <a:effectLst/>
-                <a:latin typeface="Times New Roman" panose="02020603050405020304" pitchFamily="18" charset="0"/>
-                <a:cs typeface="Times New Roman" panose="02020603050405020304" pitchFamily="18" charset="0"/>
-              </a:rPr>
-              <a:t>h1(k)=k%5</a:t>
-            </a:r>
-          </a:p>
-          <a:p>
-            <a:pPr lvl="1">
-              <a:buFont typeface="Arial" panose="020B0604020202020204" pitchFamily="34" charset="0"/>
-              <a:buChar char="•"/>
-            </a:pPr>
-            <a:r>
-              <a:rPr lang="en-GB" b="0" i="0" dirty="0">
-                <a:solidFill>
-                  <a:srgbClr val="222222"/>
-                </a:solidFill>
-                <a:effectLst/>
-                <a:latin typeface="Times New Roman" panose="02020603050405020304" pitchFamily="18" charset="0"/>
-                <a:cs typeface="Times New Roman" panose="02020603050405020304" pitchFamily="18" charset="0"/>
-              </a:rPr>
-              <a:t>h2(k)=1+(k%3) (step size)</a:t>
-            </a:r>
-            <a:br>
-              <a:rPr lang="en-GB" b="0" i="0" dirty="0">
-                <a:solidFill>
-                  <a:srgbClr val="222222"/>
-                </a:solidFill>
-                <a:effectLst/>
-                <a:latin typeface="Times New Roman" panose="02020603050405020304" pitchFamily="18" charset="0"/>
-                <a:cs typeface="Times New Roman" panose="02020603050405020304" pitchFamily="18" charset="0"/>
-              </a:rPr>
-            </a:br>
-            <a:r>
-              <a:rPr lang="en-GB" b="0" i="0" dirty="0">
-                <a:solidFill>
-                  <a:srgbClr val="222222"/>
-                </a:solidFill>
-                <a:effectLst/>
-                <a:latin typeface="Times New Roman" panose="02020603050405020304" pitchFamily="18" charset="0"/>
-                <a:cs typeface="Times New Roman" panose="02020603050405020304" pitchFamily="18" charset="0"/>
-              </a:rPr>
-              <a:t>Probe sequence: Probe(</a:t>
-            </a:r>
-            <a:r>
-              <a:rPr lang="en-GB" b="0" i="0" dirty="0" err="1">
-                <a:solidFill>
-                  <a:srgbClr val="222222"/>
-                </a:solidFill>
-                <a:effectLst/>
-                <a:latin typeface="Times New Roman" panose="02020603050405020304" pitchFamily="18" charset="0"/>
-                <a:cs typeface="Times New Roman" panose="02020603050405020304" pitchFamily="18" charset="0"/>
-              </a:rPr>
+            <a:r>
+              <a:rPr lang="en-GB" dirty="0"/>
+              <a:t>Collisions are resolved using quadratic increments:</a:t>
+            </a:r>
+          </a:p>
+          <a:p>
+            <a:r>
+              <a:rPr lang="en-GB" dirty="0"/>
+              <a:t>Probe(</a:t>
+            </a:r>
+            <a:r>
+              <a:rPr lang="en-GB" dirty="0" err="1"/>
               <a:t>k,i</a:t>
             </a:r>
             <a:r>
-              <a:rPr lang="en-GB" b="0" i="0" dirty="0">
-                <a:solidFill>
-                  <a:srgbClr val="222222"/>
-                </a:solidFill>
-                <a:effectLst/>
-                <a:latin typeface="Times New Roman" panose="02020603050405020304" pitchFamily="18" charset="0"/>
-                <a:cs typeface="Times New Roman" panose="02020603050405020304" pitchFamily="18" charset="0"/>
-              </a:rPr>
-              <a:t>)=(h1(k)+i⋅h2(k))%5</a:t>
-            </a:r>
-          </a:p>
-          <a:p>
-            <a:r>
-              <a:rPr lang="en-GB" dirty="0">
-                <a:latin typeface="Times New Roman" panose="02020603050405020304" pitchFamily="18" charset="0"/>
-                <a:cs typeface="Times New Roman" panose="02020603050405020304" pitchFamily="18" charset="0"/>
-              </a:rPr>
+              <a:rPr lang="en-GB" dirty="0"/>
+              <a:t>)=(h(k)+i2)%5</a:t>
+            </a:r>
+          </a:p>
+          <a:p>
+            <a:r>
+              <a:rPr lang="en-GB" dirty="0"/>
               <a:t>Step-by-Step Insertion</a:t>
             </a:r>
           </a:p>
           <a:p>
             <a:r>
-              <a:rPr lang="en-GB" dirty="0">
-                <a:latin typeface="Times New Roman" panose="02020603050405020304" pitchFamily="18" charset="0"/>
-                <a:cs typeface="Times New Roman" panose="02020603050405020304" pitchFamily="18" charset="0"/>
-              </a:rPr>
+              <a:rPr lang="en-GB" dirty="0"/>
               <a:t>10: Slot 0 → ``</a:t>
             </a:r>
           </a:p>
           <a:p>
             <a:r>
-              <a:rPr lang="en-GB" dirty="0">
-                <a:latin typeface="Times New Roman" panose="02020603050405020304" pitchFamily="18" charset="0"/>
-                <a:cs typeface="Times New Roman" panose="02020603050405020304" pitchFamily="18" charset="0"/>
-              </a:rPr>
+              <a:rPr lang="en-GB" dirty="0"/>
               <a:t>22: Slot 2 → ``</a:t>
             </a:r>
           </a:p>
           <a:p>
             <a:r>
-              <a:rPr lang="en-GB" dirty="0">
-                <a:latin typeface="Times New Roman" panose="02020603050405020304" pitchFamily="18" charset="0"/>
-                <a:cs typeface="Times New Roman" panose="02020603050405020304" pitchFamily="18" charset="0"/>
-              </a:rPr>
+              <a:rPr lang="en-GB" dirty="0"/>
               <a:t>15: Slot 0 (occupied).</a:t>
             </a:r>
           </a:p>
           <a:p>
             <a:pPr lvl="1"/>
             <a:r>
-              <a:rPr lang="en-GB" dirty="0">
-                <a:latin typeface="Times New Roman" panose="02020603050405020304" pitchFamily="18" charset="0"/>
-                <a:cs typeface="Times New Roman" panose="02020603050405020304" pitchFamily="18" charset="0"/>
-              </a:rPr>
-              <a:t>h2(15)=1+(15%3)=1+0=1</a:t>
+              <a:rPr lang="en-GB" dirty="0"/>
+              <a:t>Probe 1: (0+12)%5=1 → Slot 1 → ``</a:t>
+            </a:r>
+          </a:p>
+          <a:p>
+            <a:r>
+              <a:rPr lang="en-GB" dirty="0"/>
+              <a:t>33: Slot 3 → ``</a:t>
+            </a:r>
+          </a:p>
+          <a:p>
+            <a:r>
+              <a:rPr lang="en-GB" dirty="0"/>
+              <a:t>25: Slot 0 (occupied).</a:t>
             </a:r>
           </a:p>
           <a:p>
             <a:pPr lvl="1"/>
             <a:r>
-              <a:rPr lang="en-GB" dirty="0">
-                <a:latin typeface="Times New Roman" panose="02020603050405020304" pitchFamily="18" charset="0"/>
-                <a:cs typeface="Times New Roman" panose="02020603050405020304" pitchFamily="18" charset="0"/>
-              </a:rPr>
-              <a:t>Probe 1: (0+1⋅1)%5=1 → Slot 1 → ``</a:t>
-            </a:r>
-          </a:p>
-          <a:p>
-            <a:r>
-              <a:rPr lang="en-GB" dirty="0">
-                <a:latin typeface="Times New Roman" panose="02020603050405020304" pitchFamily="18" charset="0"/>
-                <a:cs typeface="Times New Roman" panose="02020603050405020304" pitchFamily="18" charset="0"/>
-              </a:rPr>
-              <a:t>33: Slot 3 → ``</a:t>
-            </a:r>
-          </a:p>
-          <a:p>
-            <a:r>
-              <a:rPr lang="en-GB" dirty="0">
-                <a:latin typeface="Times New Roman" panose="02020603050405020304" pitchFamily="18" charset="0"/>
-                <a:cs typeface="Times New Roman" panose="02020603050405020304" pitchFamily="18" charset="0"/>
-              </a:rPr>
-              <a:t>25: Slot 0 (occupied).</a:t>
+              <a:rPr lang="en-GB" dirty="0"/>
+              <a:t>Probe 1: (0+12)%5=1 (occupied).</a:t>
             </a:r>
           </a:p>
           <a:p>
             <a:pPr lvl="1"/>
             <a:r>
-              <a:rPr lang="en-GB" dirty="0">
-                <a:latin typeface="Times New Roman" panose="02020603050405020304" pitchFamily="18" charset="0"/>
-                <a:cs typeface="Times New Roman" panose="02020603050405020304" pitchFamily="18" charset="0"/>
-              </a:rPr>
-              <a:t>h2(25)=1+(25%3)=1+1=2</a:t>
-            </a:r>
-          </a:p>
-          <a:p>
-            <a:pPr lvl="1"/>
-            <a:r>
-              <a:rPr lang="en-GB" dirty="0">
-                <a:latin typeface="Times New Roman" panose="02020603050405020304" pitchFamily="18" charset="0"/>
-                <a:cs typeface="Times New Roman" panose="02020603050405020304" pitchFamily="18" charset="0"/>
-              </a:rPr>
-              <a:t>Probe 1: (0+1⋅2)%5=2 (occupied).</a:t>
-            </a:r>
-          </a:p>
-          <a:p>
-            <a:pPr lvl="1"/>
-            <a:r>
-              <a:rPr lang="en-GB" dirty="0">
-                <a:latin typeface="Times New Roman" panose="02020603050405020304" pitchFamily="18" charset="0"/>
-                <a:cs typeface="Times New Roman" panose="02020603050405020304" pitchFamily="18" charset="0"/>
-              </a:rPr>
-              <a:t>Probe 2: (0+2⋅2)%5=4 → Slot 4 → ``</a:t>
-            </a:r>
-          </a:p>
-          <a:p>
-            <a:endParaRPr lang="en-SE" dirty="0">
-              <a:latin typeface="Times New Roman" panose="02020603050405020304" pitchFamily="18" charset="0"/>
-              <a:cs typeface="Times New Roman" panose="02020603050405020304" pitchFamily="18" charset="0"/>
-            </a:endParaRPr>
+              <a:rPr lang="en-GB" dirty="0"/>
+              <a:t>Probe 2: (0+22)%5=4 → Slot 4 → ``</a:t>
+            </a:r>
+            <a:endParaRPr lang="en-SE" dirty="0"/>
           </a:p>
         </p:txBody>
       </p:sp>
@@ -4744,7 +4461,7 @@
           <p:cNvPr id="4" name="Content Placeholder 5">
             <a:extLst>
               <a:ext uri="{FF2B5EF4-FFF2-40B4-BE49-F238E27FC236}">
-                <a16:creationId xmlns:a16="http://schemas.microsoft.com/office/drawing/2014/main" id="{7A0DDE90-2DB6-6213-E3D6-EE9BD41F6C5F}"/>
+                <a16:creationId xmlns:a16="http://schemas.microsoft.com/office/drawing/2014/main" id="{3D7618EA-84FA-8CB9-3411-9B813CDFF0AE}"/>
               </a:ext>
             </a:extLst>
           </p:cNvPr>
@@ -4754,7 +4471,7 @@
           <p:nvPr>
             <p:extLst>
               <p:ext uri="{D42A27DB-BD31-4B8C-83A1-F6EECF244321}">
-                <p14:modId xmlns:p14="http://schemas.microsoft.com/office/powerpoint/2010/main" val="4164714190"/>
+                <p14:modId xmlns:p14="http://schemas.microsoft.com/office/powerpoint/2010/main" val="2190269647"/>
               </p:ext>
             </p:extLst>
           </p:nvPr>
@@ -4974,6 +4691,621 @@
           </a:graphicData>
         </a:graphic>
       </p:graphicFrame>
+      <p:sp>
+        <p:nvSpPr>
+          <p:cNvPr id="5" name="Slide Number Placeholder 5">
+            <a:extLst>
+              <a:ext uri="{FF2B5EF4-FFF2-40B4-BE49-F238E27FC236}">
+                <a16:creationId xmlns:a16="http://schemas.microsoft.com/office/drawing/2014/main" id="{13BE137E-DC51-2420-6F32-C913BE18E67F}"/>
+              </a:ext>
+            </a:extLst>
+          </p:cNvPr>
+          <p:cNvSpPr>
+            <a:spLocks noGrp="1"/>
+          </p:cNvSpPr>
+          <p:nvPr>
+            <p:ph type="sldNum" sz="quarter" idx="4"/>
+          </p:nvPr>
+        </p:nvSpPr>
+        <p:spPr>
+          <a:xfrm>
+            <a:off x="8571344" y="6492875"/>
+            <a:ext cx="572655" cy="365125"/>
+          </a:xfrm>
+          <a:prstGeom prst="rect">
+            <a:avLst/>
+          </a:prstGeom>
+        </p:spPr>
+        <p:txBody>
+          <a:bodyPr vert="horz" lIns="91440" tIns="45720" rIns="91440" bIns="45720" rtlCol="0" anchor="ctr"/>
+          <a:lstStyle>
+            <a:lvl1pPr algn="r">
+              <a:defRPr sz="1600">
+                <a:solidFill>
+                  <a:schemeClr val="tx1">
+                    <a:tint val="75000"/>
+                  </a:schemeClr>
+                </a:solidFill>
+              </a:defRPr>
+            </a:lvl1pPr>
+          </a:lstStyle>
+          <a:p>
+            <a:fld id="{325BE2B7-23DB-644D-89A2-CA3C2E8FEF83}" type="slidenum">
+              <a:rPr lang="en-US" smtClean="0"/>
+              <a:pPr/>
+              <a:t>11</a:t>
+            </a:fld>
+            <a:endParaRPr lang="en-US"/>
+          </a:p>
+        </p:txBody>
+      </p:sp>
+    </p:spTree>
+    <p:extLst>
+      <p:ext uri="{BB962C8B-B14F-4D97-AF65-F5344CB8AC3E}">
+        <p14:creationId xmlns:p14="http://schemas.microsoft.com/office/powerpoint/2010/main" val="2271126121"/>
+      </p:ext>
+    </p:extLst>
+  </p:cSld>
+  <p:clrMapOvr>
+    <a:masterClrMapping/>
+  </p:clrMapOvr>
+</p:sld>
+</file>
+
+<file path=ppt/slides/slide12.xml><?xml version="1.0" encoding="utf-8"?>
+<p:sld xmlns:a="http://schemas.openxmlformats.org/drawingml/2006/main" xmlns:r="http://schemas.openxmlformats.org/officeDocument/2006/relationships" xmlns:p="http://schemas.openxmlformats.org/presentationml/2006/main">
+  <p:cSld>
+    <p:spTree>
+      <p:nvGrpSpPr>
+        <p:cNvPr id="1" name=""/>
+        <p:cNvGrpSpPr/>
+        <p:nvPr/>
+      </p:nvGrpSpPr>
+      <p:grpSpPr>
+        <a:xfrm>
+          <a:off x="0" y="0"/>
+          <a:ext cx="0" cy="0"/>
+          <a:chOff x="0" y="0"/>
+          <a:chExt cx="0" cy="0"/>
+        </a:xfrm>
+      </p:grpSpPr>
+      <p:sp>
+        <p:nvSpPr>
+          <p:cNvPr id="2" name="Title 1">
+            <a:extLst>
+              <a:ext uri="{FF2B5EF4-FFF2-40B4-BE49-F238E27FC236}">
+                <a16:creationId xmlns:a16="http://schemas.microsoft.com/office/drawing/2014/main" id="{86C035C2-D4B0-6FE6-DC65-590A31982C3E}"/>
+              </a:ext>
+            </a:extLst>
+          </p:cNvPr>
+          <p:cNvSpPr>
+            <a:spLocks noGrp="1"/>
+          </p:cNvSpPr>
+          <p:nvPr>
+            <p:ph type="title"/>
+          </p:nvPr>
+        </p:nvSpPr>
+        <p:spPr/>
+        <p:txBody>
+          <a:bodyPr/>
+          <a:lstStyle/>
+          <a:p>
+            <a:r>
+              <a:rPr lang="en-GB" dirty="0"/>
+              <a:t>Double Hashing</a:t>
+            </a:r>
+            <a:endParaRPr lang="en-SE" dirty="0"/>
+          </a:p>
+        </p:txBody>
+      </p:sp>
+      <p:sp>
+        <p:nvSpPr>
+          <p:cNvPr id="3" name="Content Placeholder 2">
+            <a:extLst>
+              <a:ext uri="{FF2B5EF4-FFF2-40B4-BE49-F238E27FC236}">
+                <a16:creationId xmlns:a16="http://schemas.microsoft.com/office/drawing/2014/main" id="{DC9BEB7F-0313-FF94-80C2-4D865C3A7C33}"/>
+              </a:ext>
+            </a:extLst>
+          </p:cNvPr>
+          <p:cNvSpPr>
+            <a:spLocks noGrp="1"/>
+          </p:cNvSpPr>
+          <p:nvPr>
+            <p:ph idx="1"/>
+          </p:nvPr>
+        </p:nvSpPr>
+        <p:spPr/>
+        <p:txBody>
+          <a:bodyPr>
+            <a:normAutofit fontScale="85000" lnSpcReduction="20000"/>
+          </a:bodyPr>
+          <a:lstStyle/>
+          <a:p>
+            <a:pPr algn="l"/>
+            <a:r>
+              <a:rPr lang="en-GB" b="0" i="0" dirty="0">
+                <a:solidFill>
+                  <a:srgbClr val="222222"/>
+                </a:solidFill>
+                <a:effectLst/>
+                <a:latin typeface="Times New Roman" panose="02020603050405020304" pitchFamily="18" charset="0"/>
+                <a:cs typeface="Times New Roman" panose="02020603050405020304" pitchFamily="18" charset="0"/>
+              </a:rPr>
+              <a:t>Uses two hash functions:</a:t>
+            </a:r>
+          </a:p>
+          <a:p>
+            <a:pPr lvl="1">
+              <a:buFont typeface="Arial" panose="020B0604020202020204" pitchFamily="34" charset="0"/>
+              <a:buChar char="•"/>
+            </a:pPr>
+            <a:r>
+              <a:rPr lang="en-GB" b="0" i="0" dirty="0">
+                <a:solidFill>
+                  <a:srgbClr val="222222"/>
+                </a:solidFill>
+                <a:effectLst/>
+                <a:latin typeface="Times New Roman" panose="02020603050405020304" pitchFamily="18" charset="0"/>
+                <a:cs typeface="Times New Roman" panose="02020603050405020304" pitchFamily="18" charset="0"/>
+              </a:rPr>
+              <a:t>h1(k)=k%5</a:t>
+            </a:r>
+          </a:p>
+          <a:p>
+            <a:pPr lvl="1">
+              <a:buFont typeface="Arial" panose="020B0604020202020204" pitchFamily="34" charset="0"/>
+              <a:buChar char="•"/>
+            </a:pPr>
+            <a:r>
+              <a:rPr lang="en-GB" b="0" i="0" dirty="0">
+                <a:solidFill>
+                  <a:srgbClr val="222222"/>
+                </a:solidFill>
+                <a:effectLst/>
+                <a:latin typeface="Times New Roman" panose="02020603050405020304" pitchFamily="18" charset="0"/>
+                <a:cs typeface="Times New Roman" panose="02020603050405020304" pitchFamily="18" charset="0"/>
+              </a:rPr>
+              <a:t>h2(k)=1+(k%3) (step size)</a:t>
+            </a:r>
+            <a:br>
+              <a:rPr lang="en-GB" b="0" i="0" dirty="0">
+                <a:solidFill>
+                  <a:srgbClr val="222222"/>
+                </a:solidFill>
+                <a:effectLst/>
+                <a:latin typeface="Times New Roman" panose="02020603050405020304" pitchFamily="18" charset="0"/>
+                <a:cs typeface="Times New Roman" panose="02020603050405020304" pitchFamily="18" charset="0"/>
+              </a:rPr>
+            </a:br>
+            <a:r>
+              <a:rPr lang="en-GB" b="0" i="0" dirty="0">
+                <a:solidFill>
+                  <a:srgbClr val="222222"/>
+                </a:solidFill>
+                <a:effectLst/>
+                <a:latin typeface="Times New Roman" panose="02020603050405020304" pitchFamily="18" charset="0"/>
+                <a:cs typeface="Times New Roman" panose="02020603050405020304" pitchFamily="18" charset="0"/>
+              </a:rPr>
+              <a:t>Probe sequence: Probe(</a:t>
+            </a:r>
+            <a:r>
+              <a:rPr lang="en-GB" b="0" i="0" dirty="0" err="1">
+                <a:solidFill>
+                  <a:srgbClr val="222222"/>
+                </a:solidFill>
+                <a:effectLst/>
+                <a:latin typeface="Times New Roman" panose="02020603050405020304" pitchFamily="18" charset="0"/>
+                <a:cs typeface="Times New Roman" panose="02020603050405020304" pitchFamily="18" charset="0"/>
+              </a:rPr>
+              <a:t>k,i</a:t>
+            </a:r>
+            <a:r>
+              <a:rPr lang="en-GB" b="0" i="0" dirty="0">
+                <a:solidFill>
+                  <a:srgbClr val="222222"/>
+                </a:solidFill>
+                <a:effectLst/>
+                <a:latin typeface="Times New Roman" panose="02020603050405020304" pitchFamily="18" charset="0"/>
+                <a:cs typeface="Times New Roman" panose="02020603050405020304" pitchFamily="18" charset="0"/>
+              </a:rPr>
+              <a:t>)=(h1(k)+i⋅h2(k))%5</a:t>
+            </a:r>
+          </a:p>
+          <a:p>
+            <a:r>
+              <a:rPr lang="en-GB" dirty="0">
+                <a:latin typeface="Times New Roman" panose="02020603050405020304" pitchFamily="18" charset="0"/>
+                <a:cs typeface="Times New Roman" panose="02020603050405020304" pitchFamily="18" charset="0"/>
+              </a:rPr>
+              <a:t>Step-by-Step Insertion</a:t>
+            </a:r>
+          </a:p>
+          <a:p>
+            <a:r>
+              <a:rPr lang="en-GB" dirty="0">
+                <a:latin typeface="Times New Roman" panose="02020603050405020304" pitchFamily="18" charset="0"/>
+                <a:cs typeface="Times New Roman" panose="02020603050405020304" pitchFamily="18" charset="0"/>
+              </a:rPr>
+              <a:t>10: Slot 0 → ``</a:t>
+            </a:r>
+          </a:p>
+          <a:p>
+            <a:r>
+              <a:rPr lang="en-GB" dirty="0">
+                <a:latin typeface="Times New Roman" panose="02020603050405020304" pitchFamily="18" charset="0"/>
+                <a:cs typeface="Times New Roman" panose="02020603050405020304" pitchFamily="18" charset="0"/>
+              </a:rPr>
+              <a:t>22: Slot 2 → ``</a:t>
+            </a:r>
+          </a:p>
+          <a:p>
+            <a:r>
+              <a:rPr lang="en-GB" dirty="0">
+                <a:latin typeface="Times New Roman" panose="02020603050405020304" pitchFamily="18" charset="0"/>
+                <a:cs typeface="Times New Roman" panose="02020603050405020304" pitchFamily="18" charset="0"/>
+              </a:rPr>
+              <a:t>15: Slot 0 (occupied).</a:t>
+            </a:r>
+          </a:p>
+          <a:p>
+            <a:pPr lvl="1"/>
+            <a:r>
+              <a:rPr lang="en-GB" dirty="0">
+                <a:latin typeface="Times New Roman" panose="02020603050405020304" pitchFamily="18" charset="0"/>
+                <a:cs typeface="Times New Roman" panose="02020603050405020304" pitchFamily="18" charset="0"/>
+              </a:rPr>
+              <a:t>h2(15)=1+(15%3)=1+0=1</a:t>
+            </a:r>
+          </a:p>
+          <a:p>
+            <a:pPr lvl="1"/>
+            <a:r>
+              <a:rPr lang="en-GB" dirty="0">
+                <a:latin typeface="Times New Roman" panose="02020603050405020304" pitchFamily="18" charset="0"/>
+                <a:cs typeface="Times New Roman" panose="02020603050405020304" pitchFamily="18" charset="0"/>
+              </a:rPr>
+              <a:t>Probe 1: (0+1⋅1)%5=1 → Slot 1 → ``</a:t>
+            </a:r>
+          </a:p>
+          <a:p>
+            <a:r>
+              <a:rPr lang="en-GB" dirty="0">
+                <a:latin typeface="Times New Roman" panose="02020603050405020304" pitchFamily="18" charset="0"/>
+                <a:cs typeface="Times New Roman" panose="02020603050405020304" pitchFamily="18" charset="0"/>
+              </a:rPr>
+              <a:t>33: Slot 3 → ``</a:t>
+            </a:r>
+          </a:p>
+          <a:p>
+            <a:r>
+              <a:rPr lang="en-GB" dirty="0">
+                <a:latin typeface="Times New Roman" panose="02020603050405020304" pitchFamily="18" charset="0"/>
+                <a:cs typeface="Times New Roman" panose="02020603050405020304" pitchFamily="18" charset="0"/>
+              </a:rPr>
+              <a:t>25: Slot 0 (occupied).</a:t>
+            </a:r>
+          </a:p>
+          <a:p>
+            <a:pPr lvl="1"/>
+            <a:r>
+              <a:rPr lang="en-GB" dirty="0">
+                <a:latin typeface="Times New Roman" panose="02020603050405020304" pitchFamily="18" charset="0"/>
+                <a:cs typeface="Times New Roman" panose="02020603050405020304" pitchFamily="18" charset="0"/>
+              </a:rPr>
+              <a:t>h2(25)=1+(25%3)=1+1=2</a:t>
+            </a:r>
+          </a:p>
+          <a:p>
+            <a:pPr lvl="1"/>
+            <a:r>
+              <a:rPr lang="en-GB" dirty="0">
+                <a:latin typeface="Times New Roman" panose="02020603050405020304" pitchFamily="18" charset="0"/>
+                <a:cs typeface="Times New Roman" panose="02020603050405020304" pitchFamily="18" charset="0"/>
+              </a:rPr>
+              <a:t>Probe 1: (0+1⋅2)%5=2 (occupied).</a:t>
+            </a:r>
+          </a:p>
+          <a:p>
+            <a:pPr lvl="1"/>
+            <a:r>
+              <a:rPr lang="en-GB" dirty="0">
+                <a:latin typeface="Times New Roman" panose="02020603050405020304" pitchFamily="18" charset="0"/>
+                <a:cs typeface="Times New Roman" panose="02020603050405020304" pitchFamily="18" charset="0"/>
+              </a:rPr>
+              <a:t>Probe 2: (0+2⋅2)%5=4 → Slot 4 → ``</a:t>
+            </a:r>
+          </a:p>
+          <a:p>
+            <a:endParaRPr lang="en-SE" dirty="0">
+              <a:latin typeface="Times New Roman" panose="02020603050405020304" pitchFamily="18" charset="0"/>
+              <a:cs typeface="Times New Roman" panose="02020603050405020304" pitchFamily="18" charset="0"/>
+            </a:endParaRPr>
+          </a:p>
+        </p:txBody>
+      </p:sp>
+      <p:graphicFrame>
+        <p:nvGraphicFramePr>
+          <p:cNvPr id="4" name="Content Placeholder 5">
+            <a:extLst>
+              <a:ext uri="{FF2B5EF4-FFF2-40B4-BE49-F238E27FC236}">
+                <a16:creationId xmlns:a16="http://schemas.microsoft.com/office/drawing/2014/main" id="{7A0DDE90-2DB6-6213-E3D6-EE9BD41F6C5F}"/>
+              </a:ext>
+            </a:extLst>
+          </p:cNvPr>
+          <p:cNvGraphicFramePr>
+            <a:graphicFrameLocks/>
+          </p:cNvGraphicFramePr>
+          <p:nvPr>
+            <p:extLst>
+              <p:ext uri="{D42A27DB-BD31-4B8C-83A1-F6EECF244321}">
+                <p14:modId xmlns:p14="http://schemas.microsoft.com/office/powerpoint/2010/main" val="4164714190"/>
+              </p:ext>
+            </p:extLst>
+          </p:nvPr>
+        </p:nvGraphicFramePr>
+        <p:xfrm>
+          <a:off x="3345425" y="5790882"/>
+          <a:ext cx="2453150" cy="792480"/>
+        </p:xfrm>
+        <a:graphic>
+          <a:graphicData uri="http://schemas.openxmlformats.org/drawingml/2006/table">
+            <a:tbl>
+              <a:tblPr firstRow="1" bandRow="1">
+                <a:tableStyleId>{5C22544A-7EE6-4342-B048-85BDC9FD1C3A}</a:tableStyleId>
+              </a:tblPr>
+              <a:tblGrid>
+                <a:gridCol w="490630">
+                  <a:extLst>
+                    <a:ext uri="{9D8B030D-6E8A-4147-A177-3AD203B41FA5}">
+                      <a16:colId xmlns:a16="http://schemas.microsoft.com/office/drawing/2014/main" val="700735995"/>
+                    </a:ext>
+                  </a:extLst>
+                </a:gridCol>
+                <a:gridCol w="490630">
+                  <a:extLst>
+                    <a:ext uri="{9D8B030D-6E8A-4147-A177-3AD203B41FA5}">
+                      <a16:colId xmlns:a16="http://schemas.microsoft.com/office/drawing/2014/main" val="1908259962"/>
+                    </a:ext>
+                  </a:extLst>
+                </a:gridCol>
+                <a:gridCol w="490630">
+                  <a:extLst>
+                    <a:ext uri="{9D8B030D-6E8A-4147-A177-3AD203B41FA5}">
+                      <a16:colId xmlns:a16="http://schemas.microsoft.com/office/drawing/2014/main" val="3442639361"/>
+                    </a:ext>
+                  </a:extLst>
+                </a:gridCol>
+                <a:gridCol w="490630">
+                  <a:extLst>
+                    <a:ext uri="{9D8B030D-6E8A-4147-A177-3AD203B41FA5}">
+                      <a16:colId xmlns:a16="http://schemas.microsoft.com/office/drawing/2014/main" val="1775871323"/>
+                    </a:ext>
+                  </a:extLst>
+                </a:gridCol>
+                <a:gridCol w="490630">
+                  <a:extLst>
+                    <a:ext uri="{9D8B030D-6E8A-4147-A177-3AD203B41FA5}">
+                      <a16:colId xmlns:a16="http://schemas.microsoft.com/office/drawing/2014/main" val="750707541"/>
+                    </a:ext>
+                  </a:extLst>
+                </a:gridCol>
+              </a:tblGrid>
+              <a:tr h="370840">
+                <a:tc>
+                  <a:txBody>
+                    <a:bodyPr/>
+                    <a:lstStyle/>
+                    <a:p>
+                      <a:pPr algn="ctr"/>
+                      <a:r>
+                        <a:rPr lang="en-GB" sz="2000" dirty="0"/>
+                        <a:t>0</a:t>
+                      </a:r>
+                      <a:endParaRPr lang="en-SE" sz="2000" dirty="0"/>
+                    </a:p>
+                  </a:txBody>
+                  <a:tcPr/>
+                </a:tc>
+                <a:tc>
+                  <a:txBody>
+                    <a:bodyPr/>
+                    <a:lstStyle/>
+                    <a:p>
+                      <a:pPr algn="ctr"/>
+                      <a:r>
+                        <a:rPr lang="en-GB" sz="2000" dirty="0"/>
+                        <a:t>1</a:t>
+                      </a:r>
+                      <a:endParaRPr lang="en-SE" sz="2000" dirty="0"/>
+                    </a:p>
+                  </a:txBody>
+                  <a:tcPr/>
+                </a:tc>
+                <a:tc>
+                  <a:txBody>
+                    <a:bodyPr/>
+                    <a:lstStyle/>
+                    <a:p>
+                      <a:pPr algn="ctr"/>
+                      <a:r>
+                        <a:rPr lang="en-GB" sz="2000" dirty="0"/>
+                        <a:t>2</a:t>
+                      </a:r>
+                      <a:endParaRPr lang="en-SE" sz="2000" dirty="0"/>
+                    </a:p>
+                  </a:txBody>
+                  <a:tcPr/>
+                </a:tc>
+                <a:tc>
+                  <a:txBody>
+                    <a:bodyPr/>
+                    <a:lstStyle/>
+                    <a:p>
+                      <a:pPr algn="ctr"/>
+                      <a:r>
+                        <a:rPr lang="en-GB" sz="2000" dirty="0"/>
+                        <a:t>3</a:t>
+                      </a:r>
+                      <a:endParaRPr lang="en-SE" sz="2000" dirty="0"/>
+                    </a:p>
+                  </a:txBody>
+                  <a:tcPr/>
+                </a:tc>
+                <a:tc>
+                  <a:txBody>
+                    <a:bodyPr/>
+                    <a:lstStyle/>
+                    <a:p>
+                      <a:pPr algn="ctr"/>
+                      <a:r>
+                        <a:rPr lang="en-GB" sz="2000" dirty="0"/>
+                        <a:t>4</a:t>
+                      </a:r>
+                      <a:endParaRPr lang="en-SE" sz="2000" dirty="0"/>
+                    </a:p>
+                  </a:txBody>
+                  <a:tcPr/>
+                </a:tc>
+                <a:extLst>
+                  <a:ext uri="{0D108BD9-81ED-4DB2-BD59-A6C34878D82A}">
+                    <a16:rowId xmlns:a16="http://schemas.microsoft.com/office/drawing/2014/main" val="682864112"/>
+                  </a:ext>
+                </a:extLst>
+              </a:tr>
+              <a:tr h="370840">
+                <a:tc>
+                  <a:txBody>
+                    <a:bodyPr/>
+                    <a:lstStyle/>
+                    <a:p>
+                      <a:pPr algn="ctr"/>
+                      <a:r>
+                        <a:rPr lang="en-GB" sz="2000" dirty="0"/>
+                        <a:t>10</a:t>
+                      </a:r>
+                      <a:endParaRPr lang="en-SE" sz="2000" dirty="0"/>
+                    </a:p>
+                  </a:txBody>
+                  <a:tcPr/>
+                </a:tc>
+                <a:tc>
+                  <a:txBody>
+                    <a:bodyPr/>
+                    <a:lstStyle/>
+                    <a:p>
+                      <a:pPr algn="ctr"/>
+                      <a:r>
+                        <a:rPr lang="en-GB" sz="2000" dirty="0"/>
+                        <a:t>15</a:t>
+                      </a:r>
+                      <a:endParaRPr lang="en-SE" sz="2000" dirty="0"/>
+                    </a:p>
+                  </a:txBody>
+                  <a:tcPr/>
+                </a:tc>
+                <a:tc>
+                  <a:txBody>
+                    <a:bodyPr/>
+                    <a:lstStyle/>
+                    <a:p>
+                      <a:pPr algn="ctr"/>
+                      <a:r>
+                        <a:rPr lang="en-GB" sz="2000" dirty="0"/>
+                        <a:t>22</a:t>
+                      </a:r>
+                      <a:endParaRPr lang="en-SE" sz="2000" dirty="0"/>
+                    </a:p>
+                  </a:txBody>
+                  <a:tcPr/>
+                </a:tc>
+                <a:tc>
+                  <a:txBody>
+                    <a:bodyPr/>
+                    <a:lstStyle/>
+                    <a:p>
+                      <a:pPr algn="ctr"/>
+                      <a:r>
+                        <a:rPr lang="en-GB" sz="2000" dirty="0"/>
+                        <a:t>33</a:t>
+                      </a:r>
+                      <a:endParaRPr lang="en-SE" sz="2000" dirty="0"/>
+                    </a:p>
+                  </a:txBody>
+                  <a:tcPr/>
+                </a:tc>
+                <a:tc>
+                  <a:txBody>
+                    <a:bodyPr/>
+                    <a:lstStyle/>
+                    <a:p>
+                      <a:pPr algn="ctr"/>
+                      <a:r>
+                        <a:rPr lang="en-GB" sz="2000" dirty="0"/>
+                        <a:t>25</a:t>
+                      </a:r>
+                      <a:endParaRPr lang="en-SE" sz="2000" dirty="0"/>
+                    </a:p>
+                  </a:txBody>
+                  <a:tcPr/>
+                </a:tc>
+                <a:extLst>
+                  <a:ext uri="{0D108BD9-81ED-4DB2-BD59-A6C34878D82A}">
+                    <a16:rowId xmlns:a16="http://schemas.microsoft.com/office/drawing/2014/main" val="2261139520"/>
+                  </a:ext>
+                </a:extLst>
+              </a:tr>
+            </a:tbl>
+          </a:graphicData>
+        </a:graphic>
+      </p:graphicFrame>
+      <p:sp>
+        <p:nvSpPr>
+          <p:cNvPr id="5" name="Slide Number Placeholder 5">
+            <a:extLst>
+              <a:ext uri="{FF2B5EF4-FFF2-40B4-BE49-F238E27FC236}">
+                <a16:creationId xmlns:a16="http://schemas.microsoft.com/office/drawing/2014/main" id="{5136E194-B1DD-1F1D-B1B9-D418F8330214}"/>
+              </a:ext>
+            </a:extLst>
+          </p:cNvPr>
+          <p:cNvSpPr>
+            <a:spLocks noGrp="1"/>
+          </p:cNvSpPr>
+          <p:nvPr>
+            <p:ph type="sldNum" sz="quarter" idx="4"/>
+          </p:nvPr>
+        </p:nvSpPr>
+        <p:spPr>
+          <a:xfrm>
+            <a:off x="8571344" y="6492875"/>
+            <a:ext cx="572655" cy="365125"/>
+          </a:xfrm>
+          <a:prstGeom prst="rect">
+            <a:avLst/>
+          </a:prstGeom>
+        </p:spPr>
+        <p:txBody>
+          <a:bodyPr vert="horz" lIns="91440" tIns="45720" rIns="91440" bIns="45720" rtlCol="0" anchor="ctr"/>
+          <a:lstStyle>
+            <a:lvl1pPr algn="r">
+              <a:defRPr sz="1600">
+                <a:solidFill>
+                  <a:schemeClr val="tx1">
+                    <a:tint val="75000"/>
+                  </a:schemeClr>
+                </a:solidFill>
+              </a:defRPr>
+            </a:lvl1pPr>
+          </a:lstStyle>
+          <a:p>
+            <a:fld id="{325BE2B7-23DB-644D-89A2-CA3C2E8FEF83}" type="slidenum">
+              <a:rPr lang="en-US" smtClean="0"/>
+              <a:pPr/>
+              <a:t>12</a:t>
+            </a:fld>
+            <a:endParaRPr lang="en-US"/>
+          </a:p>
+        </p:txBody>
+      </p:sp>
     </p:spTree>
     <p:extLst>
       <p:ext uri="{BB962C8B-B14F-4D97-AF65-F5344CB8AC3E}">
@@ -5009,7 +5341,7 @@
           <p:cNvPr id="2" name="Title 1">
             <a:extLst>
               <a:ext uri="{FF2B5EF4-FFF2-40B4-BE49-F238E27FC236}">
-                <a16:creationId xmlns:a16="http://schemas.microsoft.com/office/drawing/2014/main" id="{28D41CC6-E58F-9815-7F43-FE882D6285B8}"/>
+                <a16:creationId xmlns:a16="http://schemas.microsoft.com/office/drawing/2014/main" id="{C290F69D-0FE8-4DE7-335F-C35D2FA37D1D}"/>
               </a:ext>
             </a:extLst>
           </p:cNvPr>
@@ -5027,7 +5359,7 @@
           <a:p>
             <a:r>
               <a:rPr lang="en-GB" dirty="0"/>
-              <a:t>Quiz: Hashing Function</a:t>
+              <a:t>Quiz: Linear Probing I</a:t>
             </a:r>
             <a:endParaRPr lang="en-SE" dirty="0"/>
           </a:p>
@@ -5038,7 +5370,7 @@
           <p:cNvPr id="3" name="Content Placeholder 2">
             <a:extLst>
               <a:ext uri="{FF2B5EF4-FFF2-40B4-BE49-F238E27FC236}">
-                <a16:creationId xmlns:a16="http://schemas.microsoft.com/office/drawing/2014/main" id="{8D3A0F9E-FA3C-8690-E1D0-9D9B5135C6C0}"/>
+                <a16:creationId xmlns:a16="http://schemas.microsoft.com/office/drawing/2014/main" id="{86987AB5-687F-8B43-4FF5-23BE1E094D7E}"/>
               </a:ext>
             </a:extLst>
           </p:cNvPr>
@@ -5049,11 +5381,14 @@
             <p:ph idx="1"/>
           </p:nvPr>
         </p:nvSpPr>
-        <p:spPr/>
-        <p:txBody>
-          <a:bodyPr>
-            <a:normAutofit fontScale="70000" lnSpcReduction="20000"/>
-          </a:bodyPr>
+        <p:spPr>
+          <a:xfrm>
+            <a:off x="457200" y="1417638"/>
+            <a:ext cx="7591663" cy="4525963"/>
+          </a:xfrm>
+        </p:spPr>
+        <p:txBody>
+          <a:bodyPr/>
           <a:lstStyle/>
           <a:p>
             <a:r>
@@ -5064,257 +5399,443 @@
                 <a:effectLst/>
                 <a:latin typeface="Lato Extended"/>
               </a:rPr>
-              <a:t>Hashing: Consider a hash table of size 4, with starting index zero, and a hash function (7x+3) % 4 for key x. Assuming the hash table is initially empty, which of the following is the contents of the table when the sequence 1, 3, 8, 10 is inserted into the table using closed hashing ? Here “__” denotes an empty location in the table.</a:t>
-            </a:r>
-          </a:p>
-          <a:p>
-            <a:r>
-              <a:rPr lang="en-GB" dirty="0">
+              <a:t>Hashing: The keys 12, 18, 13, 2, 3, 23, 5 and 15 are inserted into an initially empty hash table of length 10 using open addressing with hash function h(k) = k % 10 and linear probing. What is the resultant hash table?</a:t>
+            </a:r>
+          </a:p>
+        </p:txBody>
+      </p:sp>
+      <p:graphicFrame>
+        <p:nvGraphicFramePr>
+          <p:cNvPr id="4" name="Table 3">
+            <a:extLst>
+              <a:ext uri="{FF2B5EF4-FFF2-40B4-BE49-F238E27FC236}">
+                <a16:creationId xmlns:a16="http://schemas.microsoft.com/office/drawing/2014/main" id="{51563832-BCBD-105B-12D4-4B41872D1B37}"/>
+              </a:ext>
+            </a:extLst>
+          </p:cNvPr>
+          <p:cNvGraphicFramePr>
+            <a:graphicFrameLocks noGrp="1"/>
+          </p:cNvGraphicFramePr>
+          <p:nvPr>
+            <p:extLst>
+              <p:ext uri="{D42A27DB-BD31-4B8C-83A1-F6EECF244321}">
+                <p14:modId xmlns:p14="http://schemas.microsoft.com/office/powerpoint/2010/main" val="3767339182"/>
+              </p:ext>
+            </p:extLst>
+          </p:nvPr>
+        </p:nvGraphicFramePr>
+        <p:xfrm>
+          <a:off x="2193403" y="4644342"/>
+          <a:ext cx="5001270" cy="914400"/>
+        </p:xfrm>
+        <a:graphic>
+          <a:graphicData uri="http://schemas.openxmlformats.org/drawingml/2006/table">
+            <a:tbl>
+              <a:tblPr firstRow="1" bandRow="1">
+                <a:tableStyleId>{5C22544A-7EE6-4342-B048-85BDC9FD1C3A}</a:tableStyleId>
+              </a:tblPr>
+              <a:tblGrid>
+                <a:gridCol w="500127">
+                  <a:extLst>
+                    <a:ext uri="{9D8B030D-6E8A-4147-A177-3AD203B41FA5}">
+                      <a16:colId xmlns:a16="http://schemas.microsoft.com/office/drawing/2014/main" val="2806540941"/>
+                    </a:ext>
+                  </a:extLst>
+                </a:gridCol>
+                <a:gridCol w="500127">
+                  <a:extLst>
+                    <a:ext uri="{9D8B030D-6E8A-4147-A177-3AD203B41FA5}">
+                      <a16:colId xmlns:a16="http://schemas.microsoft.com/office/drawing/2014/main" val="1263569856"/>
+                    </a:ext>
+                  </a:extLst>
+                </a:gridCol>
+                <a:gridCol w="500127">
+                  <a:extLst>
+                    <a:ext uri="{9D8B030D-6E8A-4147-A177-3AD203B41FA5}">
+                      <a16:colId xmlns:a16="http://schemas.microsoft.com/office/drawing/2014/main" val="788082948"/>
+                    </a:ext>
+                  </a:extLst>
+                </a:gridCol>
+                <a:gridCol w="500127">
+                  <a:extLst>
+                    <a:ext uri="{9D8B030D-6E8A-4147-A177-3AD203B41FA5}">
+                      <a16:colId xmlns:a16="http://schemas.microsoft.com/office/drawing/2014/main" val="3245160161"/>
+                    </a:ext>
+                  </a:extLst>
+                </a:gridCol>
+                <a:gridCol w="500127">
+                  <a:extLst>
+                    <a:ext uri="{9D8B030D-6E8A-4147-A177-3AD203B41FA5}">
+                      <a16:colId xmlns:a16="http://schemas.microsoft.com/office/drawing/2014/main" val="3443193553"/>
+                    </a:ext>
+                  </a:extLst>
+                </a:gridCol>
+                <a:gridCol w="500127">
+                  <a:extLst>
+                    <a:ext uri="{9D8B030D-6E8A-4147-A177-3AD203B41FA5}">
+                      <a16:colId xmlns:a16="http://schemas.microsoft.com/office/drawing/2014/main" val="853762400"/>
+                    </a:ext>
+                  </a:extLst>
+                </a:gridCol>
+                <a:gridCol w="500127">
+                  <a:extLst>
+                    <a:ext uri="{9D8B030D-6E8A-4147-A177-3AD203B41FA5}">
+                      <a16:colId xmlns:a16="http://schemas.microsoft.com/office/drawing/2014/main" val="1898617125"/>
+                    </a:ext>
+                  </a:extLst>
+                </a:gridCol>
+                <a:gridCol w="500127">
+                  <a:extLst>
+                    <a:ext uri="{9D8B030D-6E8A-4147-A177-3AD203B41FA5}">
+                      <a16:colId xmlns:a16="http://schemas.microsoft.com/office/drawing/2014/main" val="1354316024"/>
+                    </a:ext>
+                  </a:extLst>
+                </a:gridCol>
+                <a:gridCol w="500127">
+                  <a:extLst>
+                    <a:ext uri="{9D8B030D-6E8A-4147-A177-3AD203B41FA5}">
+                      <a16:colId xmlns:a16="http://schemas.microsoft.com/office/drawing/2014/main" val="2727229563"/>
+                    </a:ext>
+                  </a:extLst>
+                </a:gridCol>
+                <a:gridCol w="500127">
+                  <a:extLst>
+                    <a:ext uri="{9D8B030D-6E8A-4147-A177-3AD203B41FA5}">
+                      <a16:colId xmlns:a16="http://schemas.microsoft.com/office/drawing/2014/main" val="1307084591"/>
+                    </a:ext>
+                  </a:extLst>
+                </a:gridCol>
+              </a:tblGrid>
+              <a:tr h="370840">
+                <a:tc>
+                  <a:txBody>
+                    <a:bodyPr/>
+                    <a:lstStyle/>
+                    <a:p>
+                      <a:pPr algn="ctr"/>
+                      <a:r>
+                        <a:rPr lang="en-GB" sz="2400" dirty="0"/>
+                        <a:t>0</a:t>
+                      </a:r>
+                      <a:endParaRPr lang="en-SE" sz="2400" dirty="0"/>
+                    </a:p>
+                  </a:txBody>
+                  <a:tcPr/>
+                </a:tc>
+                <a:tc>
+                  <a:txBody>
+                    <a:bodyPr/>
+                    <a:lstStyle/>
+                    <a:p>
+                      <a:pPr algn="ctr"/>
+                      <a:r>
+                        <a:rPr lang="en-GB" sz="2400" dirty="0"/>
+                        <a:t>1</a:t>
+                      </a:r>
+                      <a:endParaRPr lang="en-SE" sz="2400" dirty="0"/>
+                    </a:p>
+                  </a:txBody>
+                  <a:tcPr/>
+                </a:tc>
+                <a:tc>
+                  <a:txBody>
+                    <a:bodyPr/>
+                    <a:lstStyle/>
+                    <a:p>
+                      <a:pPr algn="ctr"/>
+                      <a:r>
+                        <a:rPr lang="en-GB" sz="2400" dirty="0"/>
+                        <a:t>2</a:t>
+                      </a:r>
+                      <a:endParaRPr lang="en-SE" sz="2400" dirty="0"/>
+                    </a:p>
+                  </a:txBody>
+                  <a:tcPr/>
+                </a:tc>
+                <a:tc>
+                  <a:txBody>
+                    <a:bodyPr/>
+                    <a:lstStyle/>
+                    <a:p>
+                      <a:pPr algn="ctr"/>
+                      <a:r>
+                        <a:rPr lang="en-GB" sz="2400" dirty="0"/>
+                        <a:t>3</a:t>
+                      </a:r>
+                      <a:endParaRPr lang="en-SE" sz="2400" dirty="0"/>
+                    </a:p>
+                  </a:txBody>
+                  <a:tcPr/>
+                </a:tc>
+                <a:tc>
+                  <a:txBody>
+                    <a:bodyPr/>
+                    <a:lstStyle/>
+                    <a:p>
+                      <a:pPr algn="ctr"/>
+                      <a:r>
+                        <a:rPr lang="en-GB" sz="2400" dirty="0"/>
+                        <a:t>4</a:t>
+                      </a:r>
+                      <a:endParaRPr lang="en-SE" sz="2400" dirty="0"/>
+                    </a:p>
+                  </a:txBody>
+                  <a:tcPr/>
+                </a:tc>
+                <a:tc>
+                  <a:txBody>
+                    <a:bodyPr/>
+                    <a:lstStyle/>
+                    <a:p>
+                      <a:pPr algn="ctr"/>
+                      <a:r>
+                        <a:rPr lang="en-US" sz="2400" dirty="0"/>
+                        <a:t>5</a:t>
+                      </a:r>
+                      <a:endParaRPr lang="en-SE" sz="2400" dirty="0"/>
+                    </a:p>
+                  </a:txBody>
+                  <a:tcPr/>
+                </a:tc>
+                <a:tc>
+                  <a:txBody>
+                    <a:bodyPr/>
+                    <a:lstStyle/>
+                    <a:p>
+                      <a:pPr algn="ctr"/>
+                      <a:r>
+                        <a:rPr lang="en-US" sz="2400" dirty="0"/>
+                        <a:t>6</a:t>
+                      </a:r>
+                      <a:endParaRPr lang="en-SE" sz="2400" dirty="0"/>
+                    </a:p>
+                  </a:txBody>
+                  <a:tcPr/>
+                </a:tc>
+                <a:tc>
+                  <a:txBody>
+                    <a:bodyPr/>
+                    <a:lstStyle/>
+                    <a:p>
+                      <a:pPr algn="ctr"/>
+                      <a:r>
+                        <a:rPr lang="en-US" sz="2400" dirty="0"/>
+                        <a:t>7</a:t>
+                      </a:r>
+                      <a:endParaRPr lang="en-SE" sz="2400" dirty="0"/>
+                    </a:p>
+                  </a:txBody>
+                  <a:tcPr/>
+                </a:tc>
+                <a:tc>
+                  <a:txBody>
+                    <a:bodyPr/>
+                    <a:lstStyle/>
+                    <a:p>
+                      <a:pPr algn="ctr"/>
+                      <a:r>
+                        <a:rPr lang="en-US" sz="2400" dirty="0"/>
+                        <a:t>8</a:t>
+                      </a:r>
+                      <a:endParaRPr lang="en-SE" sz="2400" dirty="0"/>
+                    </a:p>
+                  </a:txBody>
+                  <a:tcPr/>
+                </a:tc>
+                <a:tc>
+                  <a:txBody>
+                    <a:bodyPr/>
+                    <a:lstStyle/>
+                    <a:p>
+                      <a:pPr algn="ctr"/>
+                      <a:r>
+                        <a:rPr lang="en-US" sz="2400" dirty="0"/>
+                        <a:t>9</a:t>
+                      </a:r>
+                      <a:endParaRPr lang="en-SE" sz="2400" dirty="0"/>
+                    </a:p>
+                  </a:txBody>
+                  <a:tcPr/>
+                </a:tc>
+                <a:extLst>
+                  <a:ext uri="{0D108BD9-81ED-4DB2-BD59-A6C34878D82A}">
+                    <a16:rowId xmlns:a16="http://schemas.microsoft.com/office/drawing/2014/main" val="892375877"/>
+                  </a:ext>
+                </a:extLst>
+              </a:tr>
+              <a:tr h="370840">
+                <a:tc>
+                  <a:txBody>
+                    <a:bodyPr/>
+                    <a:lstStyle/>
+                    <a:p>
+                      <a:pPr algn="ctr"/>
+                      <a:endParaRPr lang="en-SE" sz="2400" dirty="0"/>
+                    </a:p>
+                  </a:txBody>
+                  <a:tcPr/>
+                </a:tc>
+                <a:tc>
+                  <a:txBody>
+                    <a:bodyPr/>
+                    <a:lstStyle/>
+                    <a:p>
+                      <a:pPr algn="ctr"/>
+                      <a:endParaRPr lang="en-SE" sz="2400" dirty="0"/>
+                    </a:p>
+                  </a:txBody>
+                  <a:tcPr/>
+                </a:tc>
+                <a:tc>
+                  <a:txBody>
+                    <a:bodyPr/>
+                    <a:lstStyle/>
+                    <a:p>
+                      <a:pPr algn="ctr"/>
+                      <a:endParaRPr lang="en-SE" sz="2400" dirty="0"/>
+                    </a:p>
+                  </a:txBody>
+                  <a:tcPr/>
+                </a:tc>
+                <a:tc>
+                  <a:txBody>
+                    <a:bodyPr/>
+                    <a:lstStyle/>
+                    <a:p>
+                      <a:pPr algn="ctr"/>
+                      <a:endParaRPr lang="en-SE" sz="2400" dirty="0"/>
+                    </a:p>
+                  </a:txBody>
+                  <a:tcPr/>
+                </a:tc>
+                <a:tc>
+                  <a:txBody>
+                    <a:bodyPr/>
+                    <a:lstStyle/>
+                    <a:p>
+                      <a:pPr algn="ctr"/>
+                      <a:endParaRPr lang="en-SE" sz="2400" dirty="0"/>
+                    </a:p>
+                  </a:txBody>
+                  <a:tcPr/>
+                </a:tc>
+                <a:tc>
+                  <a:txBody>
+                    <a:bodyPr/>
+                    <a:lstStyle/>
+                    <a:p>
+                      <a:pPr algn="ctr"/>
+                      <a:endParaRPr lang="en-SE" sz="2400" dirty="0"/>
+                    </a:p>
+                  </a:txBody>
+                  <a:tcPr/>
+                </a:tc>
+                <a:tc>
+                  <a:txBody>
+                    <a:bodyPr/>
+                    <a:lstStyle/>
+                    <a:p>
+                      <a:pPr algn="ctr"/>
+                      <a:endParaRPr lang="en-SE" sz="2400" dirty="0"/>
+                    </a:p>
+                  </a:txBody>
+                  <a:tcPr/>
+                </a:tc>
+                <a:tc>
+                  <a:txBody>
+                    <a:bodyPr/>
+                    <a:lstStyle/>
+                    <a:p>
+                      <a:pPr algn="ctr"/>
+                      <a:endParaRPr lang="en-SE" sz="2400" dirty="0"/>
+                    </a:p>
+                  </a:txBody>
+                  <a:tcPr/>
+                </a:tc>
+                <a:tc>
+                  <a:txBody>
+                    <a:bodyPr/>
+                    <a:lstStyle/>
+                    <a:p>
+                      <a:pPr algn="ctr"/>
+                      <a:endParaRPr lang="en-SE" sz="2400" dirty="0"/>
+                    </a:p>
+                  </a:txBody>
+                  <a:tcPr/>
+                </a:tc>
+                <a:tc>
+                  <a:txBody>
+                    <a:bodyPr/>
+                    <a:lstStyle/>
+                    <a:p>
+                      <a:pPr algn="ctr"/>
+                      <a:endParaRPr lang="en-SE" sz="2400" dirty="0"/>
+                    </a:p>
+                  </a:txBody>
+                  <a:tcPr/>
+                </a:tc>
+                <a:extLst>
+                  <a:ext uri="{0D108BD9-81ED-4DB2-BD59-A6C34878D82A}">
+                    <a16:rowId xmlns:a16="http://schemas.microsoft.com/office/drawing/2014/main" val="2210040062"/>
+                  </a:ext>
+                </a:extLst>
+              </a:tr>
+            </a:tbl>
+          </a:graphicData>
+        </a:graphic>
+      </p:graphicFrame>
+      <p:sp>
+        <p:nvSpPr>
+          <p:cNvPr id="5" name="Slide Number Placeholder 5">
+            <a:extLst>
+              <a:ext uri="{FF2B5EF4-FFF2-40B4-BE49-F238E27FC236}">
+                <a16:creationId xmlns:a16="http://schemas.microsoft.com/office/drawing/2014/main" id="{D5BC6C37-E06E-E87C-D8AA-3F38CFC632CF}"/>
+              </a:ext>
+            </a:extLst>
+          </p:cNvPr>
+          <p:cNvSpPr>
+            <a:spLocks noGrp="1"/>
+          </p:cNvSpPr>
+          <p:nvPr>
+            <p:ph type="sldNum" sz="quarter" idx="4"/>
+          </p:nvPr>
+        </p:nvSpPr>
+        <p:spPr>
+          <a:xfrm>
+            <a:off x="8571344" y="6492875"/>
+            <a:ext cx="572655" cy="365125"/>
+          </a:xfrm>
+          <a:prstGeom prst="rect">
+            <a:avLst/>
+          </a:prstGeom>
+        </p:spPr>
+        <p:txBody>
+          <a:bodyPr vert="horz" lIns="91440" tIns="45720" rIns="91440" bIns="45720" rtlCol="0" anchor="ctr"/>
+          <a:lstStyle>
+            <a:lvl1pPr algn="r">
+              <a:defRPr sz="1600">
                 <a:solidFill>
-                  <a:srgbClr val="2D3B45"/>
+                  <a:schemeClr val="tx1">
+                    <a:tint val="75000"/>
+                  </a:schemeClr>
                 </a:solidFill>
-                <a:latin typeface="Lato Extended"/>
-              </a:rPr>
-              <a:t>ANS: </a:t>
-            </a:r>
-            <a:r>
-              <a:rPr lang="en-GB" b="0" i="0" dirty="0">
-                <a:solidFill>
-                  <a:srgbClr val="4D4D4C"/>
-                </a:solidFill>
-                <a:effectLst/>
-                <a:latin typeface="inherit"/>
-              </a:rPr>
-              <a:t>[3, 10, 1, 8]</a:t>
-            </a:r>
-            <a:endParaRPr lang="en-GB" b="0" i="0" dirty="0">
-              <a:solidFill>
-                <a:srgbClr val="2D3B45"/>
-              </a:solidFill>
-              <a:effectLst/>
-              <a:latin typeface="Lato Extended"/>
-            </a:endParaRPr>
-          </a:p>
-          <a:p>
-            <a:pPr algn="l">
-              <a:buFont typeface="+mj-lt"/>
-              <a:buAutoNum type="arabicPeriod"/>
-            </a:pPr>
-            <a:r>
-              <a:rPr lang="da-DK" b="0" i="0" dirty="0">
-                <a:effectLst/>
-                <a:latin typeface="__fkGroteskNeue_598ab8"/>
-              </a:rPr>
-              <a:t>Calculate Initial Hash Indices:</a:t>
-            </a:r>
-          </a:p>
-          <a:p>
-            <a:pPr lvl="1">
-              <a:buFont typeface="+mj-lt"/>
-              <a:buAutoNum type="arabicPeriod"/>
-            </a:pPr>
-            <a:r>
-              <a:rPr lang="da-DK" b="0" i="0" dirty="0">
-                <a:effectLst/>
-                <a:latin typeface="__fkGroteskNeue_598ab8"/>
-              </a:rPr>
-              <a:t>For 1: </a:t>
-            </a:r>
-            <a:r>
-              <a:rPr lang="da-DK" b="0" i="0" dirty="0">
-                <a:effectLst/>
-                <a:latin typeface="KaTeX_Main"/>
-              </a:rPr>
-              <a:t>(7×1+3) %  4=10 %  4=2(7×1+3 )% 4=10 % 4=2</a:t>
-            </a:r>
-            <a:endParaRPr lang="da-DK" b="0" i="0" dirty="0">
-              <a:effectLst/>
-              <a:latin typeface="__fkGroteskNeue_598ab8"/>
-            </a:endParaRPr>
-          </a:p>
-          <a:p>
-            <a:pPr lvl="1">
-              <a:buFont typeface="+mj-lt"/>
-              <a:buAutoNum type="arabicPeriod"/>
-            </a:pPr>
-            <a:r>
-              <a:rPr lang="da-DK" b="0" i="0" dirty="0">
-                <a:effectLst/>
-                <a:latin typeface="__fkGroteskNeue_598ab8"/>
-              </a:rPr>
-              <a:t>For 3: </a:t>
-            </a:r>
-            <a:r>
-              <a:rPr lang="da-DK" b="0" i="0" dirty="0">
-                <a:effectLst/>
-                <a:latin typeface="KaTeX_Main"/>
-              </a:rPr>
-              <a:t>(7×3+3) %  4=24 %  4=0(7×3+3) % 4=24 % 4=0</a:t>
-            </a:r>
-            <a:endParaRPr lang="da-DK" b="0" i="0" dirty="0">
-              <a:effectLst/>
-              <a:latin typeface="__fkGroteskNeue_598ab8"/>
-            </a:endParaRPr>
-          </a:p>
-          <a:p>
-            <a:pPr lvl="1">
-              <a:buFont typeface="+mj-lt"/>
-              <a:buAutoNum type="arabicPeriod"/>
-            </a:pPr>
-            <a:r>
-              <a:rPr lang="da-DK" b="0" i="0" dirty="0">
-                <a:effectLst/>
-                <a:latin typeface="__fkGroteskNeue_598ab8"/>
-              </a:rPr>
-              <a:t>For 8: </a:t>
-            </a:r>
-            <a:r>
-              <a:rPr lang="da-DK" b="0" i="0" dirty="0">
-                <a:effectLst/>
-                <a:latin typeface="KaTeX_Main"/>
-              </a:rPr>
-              <a:t>(7×8+3) %  4=59 %  4=3(7×8+3) % 4=59 % 4=3</a:t>
-            </a:r>
-            <a:endParaRPr lang="da-DK" b="0" i="0" dirty="0">
-              <a:effectLst/>
-              <a:latin typeface="__fkGroteskNeue_598ab8"/>
-            </a:endParaRPr>
-          </a:p>
-          <a:p>
-            <a:pPr lvl="1">
-              <a:buFont typeface="+mj-lt"/>
-              <a:buAutoNum type="arabicPeriod"/>
-            </a:pPr>
-            <a:r>
-              <a:rPr lang="da-DK" b="0" i="0" dirty="0">
-                <a:effectLst/>
-                <a:latin typeface="__fkGroteskNeue_598ab8"/>
-              </a:rPr>
-              <a:t>For 10: </a:t>
-            </a:r>
-            <a:r>
-              <a:rPr lang="da-DK" b="0" i="0" dirty="0">
-                <a:effectLst/>
-                <a:latin typeface="KaTeX_Main"/>
-              </a:rPr>
-              <a:t>(7×10+3) %  4=73 %  4=1(7×10+3) mod4=73 % 4=1</a:t>
-            </a:r>
-            <a:endParaRPr lang="da-DK" b="0" i="0" dirty="0">
-              <a:effectLst/>
-              <a:latin typeface="__fkGroteskNeue_598ab8"/>
-            </a:endParaRPr>
-          </a:p>
-          <a:p>
-            <a:pPr>
-              <a:buFont typeface="+mj-lt"/>
-              <a:buAutoNum type="arabicPeriod"/>
-            </a:pPr>
-            <a:r>
-              <a:rPr lang="da-DK" b="0" i="0" dirty="0">
-                <a:effectLst/>
-                <a:latin typeface="__fkGroteskNeue_598ab8"/>
-              </a:rPr>
-              <a:t>Insert into Hash Table:</a:t>
-            </a:r>
-          </a:p>
-          <a:p>
-            <a:pPr lvl="1">
-              <a:buFont typeface="+mj-lt"/>
-              <a:buAutoNum type="arabicPeriod"/>
-            </a:pPr>
-            <a:r>
-              <a:rPr lang="da-DK" b="0" i="0" dirty="0">
-                <a:effectLst/>
-                <a:latin typeface="__fkGroteskNeue_598ab8"/>
-              </a:rPr>
-              <a:t>Insert 1 at index 2.</a:t>
-            </a:r>
-          </a:p>
-          <a:p>
-            <a:pPr lvl="1">
-              <a:buFont typeface="+mj-lt"/>
-              <a:buAutoNum type="arabicPeriod"/>
-            </a:pPr>
-            <a:r>
-              <a:rPr lang="da-DK" b="0" i="0" dirty="0">
-                <a:effectLst/>
-                <a:latin typeface="__fkGroteskNeue_598ab8"/>
-              </a:rPr>
-              <a:t>Insert 3 at index 0.</a:t>
-            </a:r>
-          </a:p>
-          <a:p>
-            <a:pPr lvl="1">
-              <a:buFont typeface="+mj-lt"/>
-              <a:buAutoNum type="arabicPeriod"/>
-            </a:pPr>
-            <a:r>
-              <a:rPr lang="da-DK" b="0" i="0" dirty="0">
-                <a:effectLst/>
-                <a:latin typeface="__fkGroteskNeue_598ab8"/>
-              </a:rPr>
-              <a:t>Insert 8 at index 3.</a:t>
-            </a:r>
-          </a:p>
-          <a:p>
-            <a:pPr lvl="1">
-              <a:buFont typeface="+mj-lt"/>
-              <a:buAutoNum type="arabicPeriod"/>
-            </a:pPr>
-            <a:r>
-              <a:rPr lang="da-DK" b="0" i="0" dirty="0">
-                <a:effectLst/>
-                <a:latin typeface="__fkGroteskNeue_598ab8"/>
-              </a:rPr>
-              <a:t>Insert 10 at index 1.</a:t>
-            </a:r>
-          </a:p>
-          <a:p>
-            <a:pPr algn="l"/>
-            <a:r>
-              <a:rPr lang="en-GB" b="0" i="0" dirty="0">
-                <a:effectLst/>
-                <a:latin typeface="__fkGroteskNeue_598ab8"/>
-              </a:rPr>
-              <a:t>Since there are no collisions with these initial indices, each element is placed directly into its calculated position. Thus, the final contents of the hash table are</a:t>
-            </a:r>
-            <a:r>
-              <a:rPr lang="en-GB" dirty="0">
-                <a:latin typeface="__fkGroteskNeue_598ab8"/>
-              </a:rPr>
-              <a:t>: </a:t>
-            </a:r>
-            <a:r>
-              <a:rPr lang="en-GB" b="0" i="0" dirty="0">
-                <a:solidFill>
-                  <a:srgbClr val="4D4D4C"/>
-                </a:solidFill>
-                <a:effectLst/>
-                <a:latin typeface="inherit"/>
-              </a:rPr>
-              <a:t>[3, 10, 1, 8]</a:t>
-            </a:r>
-            <a:endParaRPr lang="da-DK" b="0" i="0" dirty="0">
-              <a:effectLst/>
-              <a:latin typeface="__fkGroteskNeue_598ab8"/>
-            </a:endParaRPr>
-          </a:p>
-          <a:p>
-            <a:pPr>
-              <a:buFont typeface="+mj-lt"/>
-              <a:buAutoNum type="arabicPeriod"/>
-            </a:pPr>
-            <a:endParaRPr lang="da-DK" b="0" i="0" dirty="0">
-              <a:effectLst/>
-              <a:latin typeface="__fkGroteskNeue_598ab8"/>
-            </a:endParaRPr>
+              </a:defRPr>
+            </a:lvl1pPr>
+          </a:lstStyle>
+          <a:p>
+            <a:fld id="{325BE2B7-23DB-644D-89A2-CA3C2E8FEF83}" type="slidenum">
+              <a:rPr lang="en-US" smtClean="0"/>
+              <a:pPr/>
+              <a:t>2</a:t>
+            </a:fld>
+            <a:endParaRPr lang="en-US"/>
           </a:p>
         </p:txBody>
       </p:sp>
     </p:spTree>
     <p:extLst>
       <p:ext uri="{BB962C8B-B14F-4D97-AF65-F5344CB8AC3E}">
-        <p14:creationId xmlns:p14="http://schemas.microsoft.com/office/powerpoint/2010/main" val="2479587931"/>
+        <p14:creationId xmlns:p14="http://schemas.microsoft.com/office/powerpoint/2010/main" val="1213428407"/>
       </p:ext>
     </p:extLst>
   </p:cSld>
@@ -5346,7 +5867,7 @@
           <p:cNvPr id="2" name="Title 1">
             <a:extLst>
               <a:ext uri="{FF2B5EF4-FFF2-40B4-BE49-F238E27FC236}">
-                <a16:creationId xmlns:a16="http://schemas.microsoft.com/office/drawing/2014/main" id="{C290F69D-0FE8-4DE7-335F-C35D2FA37D1D}"/>
+                <a16:creationId xmlns:a16="http://schemas.microsoft.com/office/drawing/2014/main" id="{668CED35-99AD-65CC-4196-A1EE64B06726}"/>
               </a:ext>
             </a:extLst>
           </p:cNvPr>
@@ -5364,7 +5885,11 @@
           <a:p>
             <a:r>
               <a:rPr lang="en-GB" dirty="0"/>
-              <a:t>Quiz: Linear Probing I</a:t>
+              <a:t>Quiz: Linear Probing I </a:t>
+            </a:r>
+            <a:r>
+              <a:rPr lang="en-US" altLang="zh-CN" dirty="0"/>
+              <a:t>ANS</a:t>
             </a:r>
             <a:endParaRPr lang="en-SE" dirty="0"/>
           </a:p>
@@ -5375,7 +5900,7 @@
           <p:cNvPr id="3" name="Content Placeholder 2">
             <a:extLst>
               <a:ext uri="{FF2B5EF4-FFF2-40B4-BE49-F238E27FC236}">
-                <a16:creationId xmlns:a16="http://schemas.microsoft.com/office/drawing/2014/main" id="{86987AB5-687F-8B43-4FF5-23BE1E094D7E}"/>
+                <a16:creationId xmlns:a16="http://schemas.microsoft.com/office/drawing/2014/main" id="{C3CCC012-719F-9E7D-20C0-7EE3C9528200}"/>
               </a:ext>
             </a:extLst>
           </p:cNvPr>
@@ -5388,73 +5913,544 @@
         </p:nvSpPr>
         <p:spPr>
           <a:xfrm>
-            <a:off x="457200" y="1417638"/>
-            <a:ext cx="7591663" cy="4525963"/>
+            <a:off x="297180" y="1356360"/>
+            <a:ext cx="7118531" cy="4428199"/>
           </a:xfrm>
         </p:spPr>
         <p:txBody>
-          <a:bodyPr/>
+          <a:bodyPr>
+            <a:normAutofit fontScale="85000" lnSpcReduction="20000"/>
+          </a:bodyPr>
           <a:lstStyle/>
           <a:p>
             <a:r>
-              <a:rPr lang="en-GB" b="0" i="0" dirty="0">
-                <a:solidFill>
-                  <a:srgbClr val="2D3B45"/>
-                </a:solidFill>
-                <a:effectLst/>
-                <a:latin typeface="Lato Extended"/>
-              </a:rPr>
-              <a:t>Hashing: The keys 12, 18, 13, 2, 3, 23, 5 and 15 are inserted into an initially empty hash table of length 10 using open addressing with hash function h(k) = k % 10 and linear probing. What is the resultant hash table?</a:t>
-            </a:r>
-          </a:p>
-          <a:p>
-            <a:r>
-              <a:rPr lang="en-GB" dirty="0">
-                <a:solidFill>
-                  <a:srgbClr val="2D3B45"/>
-                </a:solidFill>
-                <a:latin typeface="Lato Extended"/>
-              </a:rPr>
-              <a:t>ANS: See notes for details</a:t>
-            </a:r>
-            <a:endParaRPr lang="en-SE" dirty="0"/>
-          </a:p>
-        </p:txBody>
-      </p:sp>
-      <p:pic>
-        <p:nvPicPr>
-          <p:cNvPr id="7" name="Picture 6">
+              <a:rPr lang="en-GB" dirty="0"/>
+              <a:t>Keys 12, 18, 13, 2, 3, 23, 5 and 15 </a:t>
+            </a:r>
+          </a:p>
+          <a:p>
+            <a:r>
+              <a:rPr lang="en-GB" dirty="0"/>
+              <a:t>Insert Keys Using Linear Probing:</a:t>
+            </a:r>
+          </a:p>
+          <a:p>
+            <a:pPr lvl="1"/>
+            <a:r>
+              <a:rPr lang="en-GB" dirty="0"/>
+              <a:t>Insert `12` at index `2`.</a:t>
+            </a:r>
+          </a:p>
+          <a:p>
+            <a:pPr lvl="1"/>
+            <a:r>
+              <a:rPr lang="en-GB" dirty="0"/>
+              <a:t>Insert `18` at index `8`.</a:t>
+            </a:r>
+          </a:p>
+          <a:p>
+            <a:pPr lvl="1"/>
+            <a:r>
+              <a:rPr lang="en-GB" dirty="0"/>
+              <a:t>Insert `13` at index `3`.</a:t>
+            </a:r>
+          </a:p>
+          <a:p>
+            <a:r>
+              <a:rPr lang="en-GB" dirty="0"/>
+              <a:t>Attempt to insert `2` at index `2`, but it's occupied. Use linear probing to find the next available slot. It goes to index `4`.</a:t>
+            </a:r>
+          </a:p>
+          <a:p>
+            <a:r>
+              <a:rPr lang="en-GB" dirty="0"/>
+              <a:t>Attempt to insert `3` at index `3`, but it's occupied. Use linear probing to find the next available slot. It goes to index `5`.</a:t>
+            </a:r>
+          </a:p>
+          <a:p>
+            <a:r>
+              <a:rPr lang="en-GB" dirty="0"/>
+              <a:t>Attempt to insert `23` at index `3`, but it's occupied. Use linear probing to find the next available slot. It goes to index `6`.</a:t>
+            </a:r>
+          </a:p>
+          <a:p>
+            <a:r>
+              <a:rPr lang="en-GB" dirty="0"/>
+              <a:t>Attempt to insert `5` at index `5`, but it's occupied. Use linear probing to find the next available slot. It goes to index `7`.</a:t>
+            </a:r>
+          </a:p>
+          <a:p>
+            <a:r>
+              <a:rPr lang="en-GB" dirty="0"/>
+              <a:t>Attempt to insert `15` at index `5`, but it's occupied. Use linear probing to find the next available slot. It goes to index `9`.</a:t>
+            </a:r>
+          </a:p>
+        </p:txBody>
+      </p:sp>
+      <p:graphicFrame>
+        <p:nvGraphicFramePr>
+          <p:cNvPr id="5" name="Table 4">
             <a:extLst>
               <a:ext uri="{FF2B5EF4-FFF2-40B4-BE49-F238E27FC236}">
-                <a16:creationId xmlns:a16="http://schemas.microsoft.com/office/drawing/2014/main" id="{745888BF-FD52-2FAD-3E4D-BCC4B0B7919C}"/>
+                <a16:creationId xmlns:a16="http://schemas.microsoft.com/office/drawing/2014/main" id="{CDE70126-7EF3-82F9-B4A5-D52F5D6A264B}"/>
               </a:ext>
             </a:extLst>
           </p:cNvPr>
-          <p:cNvPicPr>
-            <a:picLocks noChangeAspect="1"/>
-          </p:cNvPicPr>
-          <p:nvPr/>
-        </p:nvPicPr>
-        <p:blipFill>
-          <a:blip r:embed="rId3"/>
-          <a:stretch>
-            <a:fillRect/>
-          </a:stretch>
-        </p:blipFill>
+          <p:cNvGraphicFramePr>
+            <a:graphicFrameLocks noGrp="1"/>
+          </p:cNvGraphicFramePr>
+          <p:nvPr>
+            <p:extLst>
+              <p:ext uri="{D42A27DB-BD31-4B8C-83A1-F6EECF244321}">
+                <p14:modId xmlns:p14="http://schemas.microsoft.com/office/powerpoint/2010/main" val="245286410"/>
+              </p:ext>
+            </p:extLst>
+          </p:nvPr>
+        </p:nvGraphicFramePr>
+        <p:xfrm>
+          <a:off x="2071365" y="5674749"/>
+          <a:ext cx="5001270" cy="914400"/>
+        </p:xfrm>
+        <a:graphic>
+          <a:graphicData uri="http://schemas.openxmlformats.org/drawingml/2006/table">
+            <a:tbl>
+              <a:tblPr firstRow="1" bandRow="1">
+                <a:tableStyleId>{5C22544A-7EE6-4342-B048-85BDC9FD1C3A}</a:tableStyleId>
+              </a:tblPr>
+              <a:tblGrid>
+                <a:gridCol w="500127">
+                  <a:extLst>
+                    <a:ext uri="{9D8B030D-6E8A-4147-A177-3AD203B41FA5}">
+                      <a16:colId xmlns:a16="http://schemas.microsoft.com/office/drawing/2014/main" val="2806540941"/>
+                    </a:ext>
+                  </a:extLst>
+                </a:gridCol>
+                <a:gridCol w="500127">
+                  <a:extLst>
+                    <a:ext uri="{9D8B030D-6E8A-4147-A177-3AD203B41FA5}">
+                      <a16:colId xmlns:a16="http://schemas.microsoft.com/office/drawing/2014/main" val="1263569856"/>
+                    </a:ext>
+                  </a:extLst>
+                </a:gridCol>
+                <a:gridCol w="500127">
+                  <a:extLst>
+                    <a:ext uri="{9D8B030D-6E8A-4147-A177-3AD203B41FA5}">
+                      <a16:colId xmlns:a16="http://schemas.microsoft.com/office/drawing/2014/main" val="788082948"/>
+                    </a:ext>
+                  </a:extLst>
+                </a:gridCol>
+                <a:gridCol w="500127">
+                  <a:extLst>
+                    <a:ext uri="{9D8B030D-6E8A-4147-A177-3AD203B41FA5}">
+                      <a16:colId xmlns:a16="http://schemas.microsoft.com/office/drawing/2014/main" val="3245160161"/>
+                    </a:ext>
+                  </a:extLst>
+                </a:gridCol>
+                <a:gridCol w="500127">
+                  <a:extLst>
+                    <a:ext uri="{9D8B030D-6E8A-4147-A177-3AD203B41FA5}">
+                      <a16:colId xmlns:a16="http://schemas.microsoft.com/office/drawing/2014/main" val="3443193553"/>
+                    </a:ext>
+                  </a:extLst>
+                </a:gridCol>
+                <a:gridCol w="500127">
+                  <a:extLst>
+                    <a:ext uri="{9D8B030D-6E8A-4147-A177-3AD203B41FA5}">
+                      <a16:colId xmlns:a16="http://schemas.microsoft.com/office/drawing/2014/main" val="853762400"/>
+                    </a:ext>
+                  </a:extLst>
+                </a:gridCol>
+                <a:gridCol w="500127">
+                  <a:extLst>
+                    <a:ext uri="{9D8B030D-6E8A-4147-A177-3AD203B41FA5}">
+                      <a16:colId xmlns:a16="http://schemas.microsoft.com/office/drawing/2014/main" val="1898617125"/>
+                    </a:ext>
+                  </a:extLst>
+                </a:gridCol>
+                <a:gridCol w="500127">
+                  <a:extLst>
+                    <a:ext uri="{9D8B030D-6E8A-4147-A177-3AD203B41FA5}">
+                      <a16:colId xmlns:a16="http://schemas.microsoft.com/office/drawing/2014/main" val="1354316024"/>
+                    </a:ext>
+                  </a:extLst>
+                </a:gridCol>
+                <a:gridCol w="500127">
+                  <a:extLst>
+                    <a:ext uri="{9D8B030D-6E8A-4147-A177-3AD203B41FA5}">
+                      <a16:colId xmlns:a16="http://schemas.microsoft.com/office/drawing/2014/main" val="2727229563"/>
+                    </a:ext>
+                  </a:extLst>
+                </a:gridCol>
+                <a:gridCol w="500127">
+                  <a:extLst>
+                    <a:ext uri="{9D8B030D-6E8A-4147-A177-3AD203B41FA5}">
+                      <a16:colId xmlns:a16="http://schemas.microsoft.com/office/drawing/2014/main" val="1307084591"/>
+                    </a:ext>
+                  </a:extLst>
+                </a:gridCol>
+              </a:tblGrid>
+              <a:tr h="370840">
+                <a:tc>
+                  <a:txBody>
+                    <a:bodyPr/>
+                    <a:lstStyle/>
+                    <a:p>
+                      <a:pPr algn="ctr"/>
+                      <a:r>
+                        <a:rPr lang="en-GB" sz="2400" dirty="0"/>
+                        <a:t>0</a:t>
+                      </a:r>
+                      <a:endParaRPr lang="en-SE" sz="2400" dirty="0"/>
+                    </a:p>
+                  </a:txBody>
+                  <a:tcPr/>
+                </a:tc>
+                <a:tc>
+                  <a:txBody>
+                    <a:bodyPr/>
+                    <a:lstStyle/>
+                    <a:p>
+                      <a:pPr algn="ctr"/>
+                      <a:r>
+                        <a:rPr lang="en-GB" sz="2400" dirty="0"/>
+                        <a:t>1</a:t>
+                      </a:r>
+                      <a:endParaRPr lang="en-SE" sz="2400" dirty="0"/>
+                    </a:p>
+                  </a:txBody>
+                  <a:tcPr/>
+                </a:tc>
+                <a:tc>
+                  <a:txBody>
+                    <a:bodyPr/>
+                    <a:lstStyle/>
+                    <a:p>
+                      <a:pPr algn="ctr"/>
+                      <a:r>
+                        <a:rPr lang="en-GB" sz="2400" dirty="0"/>
+                        <a:t>2</a:t>
+                      </a:r>
+                      <a:endParaRPr lang="en-SE" sz="2400" dirty="0"/>
+                    </a:p>
+                  </a:txBody>
+                  <a:tcPr/>
+                </a:tc>
+                <a:tc>
+                  <a:txBody>
+                    <a:bodyPr/>
+                    <a:lstStyle/>
+                    <a:p>
+                      <a:pPr algn="ctr"/>
+                      <a:r>
+                        <a:rPr lang="en-GB" sz="2400" dirty="0"/>
+                        <a:t>3</a:t>
+                      </a:r>
+                      <a:endParaRPr lang="en-SE" sz="2400" dirty="0"/>
+                    </a:p>
+                  </a:txBody>
+                  <a:tcPr/>
+                </a:tc>
+                <a:tc>
+                  <a:txBody>
+                    <a:bodyPr/>
+                    <a:lstStyle/>
+                    <a:p>
+                      <a:pPr algn="ctr"/>
+                      <a:r>
+                        <a:rPr lang="en-GB" sz="2400" dirty="0"/>
+                        <a:t>4</a:t>
+                      </a:r>
+                      <a:endParaRPr lang="en-SE" sz="2400" dirty="0"/>
+                    </a:p>
+                  </a:txBody>
+                  <a:tcPr/>
+                </a:tc>
+                <a:tc>
+                  <a:txBody>
+                    <a:bodyPr/>
+                    <a:lstStyle/>
+                    <a:p>
+                      <a:pPr algn="ctr"/>
+                      <a:r>
+                        <a:rPr lang="en-US" sz="2400" dirty="0"/>
+                        <a:t>5</a:t>
+                      </a:r>
+                      <a:endParaRPr lang="en-SE" sz="2400" dirty="0"/>
+                    </a:p>
+                  </a:txBody>
+                  <a:tcPr/>
+                </a:tc>
+                <a:tc>
+                  <a:txBody>
+                    <a:bodyPr/>
+                    <a:lstStyle/>
+                    <a:p>
+                      <a:pPr algn="ctr"/>
+                      <a:r>
+                        <a:rPr lang="en-US" sz="2400" dirty="0"/>
+                        <a:t>6</a:t>
+                      </a:r>
+                      <a:endParaRPr lang="en-SE" sz="2400" dirty="0"/>
+                    </a:p>
+                  </a:txBody>
+                  <a:tcPr/>
+                </a:tc>
+                <a:tc>
+                  <a:txBody>
+                    <a:bodyPr/>
+                    <a:lstStyle/>
+                    <a:p>
+                      <a:pPr algn="ctr"/>
+                      <a:r>
+                        <a:rPr lang="en-US" sz="2400" dirty="0"/>
+                        <a:t>7</a:t>
+                      </a:r>
+                      <a:endParaRPr lang="en-SE" sz="2400" dirty="0"/>
+                    </a:p>
+                  </a:txBody>
+                  <a:tcPr/>
+                </a:tc>
+                <a:tc>
+                  <a:txBody>
+                    <a:bodyPr/>
+                    <a:lstStyle/>
+                    <a:p>
+                      <a:pPr algn="ctr"/>
+                      <a:r>
+                        <a:rPr lang="en-US" sz="2400" dirty="0"/>
+                        <a:t>8</a:t>
+                      </a:r>
+                      <a:endParaRPr lang="en-SE" sz="2400" dirty="0"/>
+                    </a:p>
+                  </a:txBody>
+                  <a:tcPr/>
+                </a:tc>
+                <a:tc>
+                  <a:txBody>
+                    <a:bodyPr/>
+                    <a:lstStyle/>
+                    <a:p>
+                      <a:pPr algn="ctr"/>
+                      <a:r>
+                        <a:rPr lang="en-US" sz="2400" dirty="0"/>
+                        <a:t>9</a:t>
+                      </a:r>
+                      <a:endParaRPr lang="en-SE" sz="2400" dirty="0"/>
+                    </a:p>
+                  </a:txBody>
+                  <a:tcPr/>
+                </a:tc>
+                <a:extLst>
+                  <a:ext uri="{0D108BD9-81ED-4DB2-BD59-A6C34878D82A}">
+                    <a16:rowId xmlns:a16="http://schemas.microsoft.com/office/drawing/2014/main" val="892375877"/>
+                  </a:ext>
+                </a:extLst>
+              </a:tr>
+              <a:tr h="370840">
+                <a:tc>
+                  <a:txBody>
+                    <a:bodyPr/>
+                    <a:lstStyle/>
+                    <a:p>
+                      <a:pPr algn="ctr"/>
+                      <a:endParaRPr lang="en-SE" sz="2400" dirty="0"/>
+                    </a:p>
+                  </a:txBody>
+                  <a:tcPr/>
+                </a:tc>
+                <a:tc>
+                  <a:txBody>
+                    <a:bodyPr/>
+                    <a:lstStyle/>
+                    <a:p>
+                      <a:pPr algn="ctr"/>
+                      <a:endParaRPr lang="en-SE" sz="2400" dirty="0"/>
+                    </a:p>
+                  </a:txBody>
+                  <a:tcPr/>
+                </a:tc>
+                <a:tc>
+                  <a:txBody>
+                    <a:bodyPr/>
+                    <a:lstStyle/>
+                    <a:p>
+                      <a:pPr algn="ctr"/>
+                      <a:r>
+                        <a:rPr lang="en-US" sz="2400" dirty="0"/>
+                        <a:t>12</a:t>
+                      </a:r>
+                      <a:endParaRPr lang="en-SE" sz="2400" dirty="0"/>
+                    </a:p>
+                  </a:txBody>
+                  <a:tcPr/>
+                </a:tc>
+                <a:tc>
+                  <a:txBody>
+                    <a:bodyPr/>
+                    <a:lstStyle/>
+                    <a:p>
+                      <a:pPr algn="ctr"/>
+                      <a:r>
+                        <a:rPr lang="en-US" sz="2400" dirty="0"/>
+                        <a:t>13</a:t>
+                      </a:r>
+                      <a:endParaRPr lang="en-SE" sz="2400" dirty="0"/>
+                    </a:p>
+                  </a:txBody>
+                  <a:tcPr/>
+                </a:tc>
+                <a:tc>
+                  <a:txBody>
+                    <a:bodyPr/>
+                    <a:lstStyle/>
+                    <a:p>
+                      <a:pPr algn="ctr"/>
+                      <a:r>
+                        <a:rPr lang="en-US" sz="2400" dirty="0"/>
+                        <a:t>2</a:t>
+                      </a:r>
+                      <a:endParaRPr lang="en-SE" sz="2400" dirty="0"/>
+                    </a:p>
+                  </a:txBody>
+                  <a:tcPr/>
+                </a:tc>
+                <a:tc>
+                  <a:txBody>
+                    <a:bodyPr/>
+                    <a:lstStyle/>
+                    <a:p>
+                      <a:pPr algn="ctr"/>
+                      <a:r>
+                        <a:rPr lang="en-US" sz="2400" dirty="0"/>
+                        <a:t>3</a:t>
+                      </a:r>
+                      <a:endParaRPr lang="en-SE" sz="2400" dirty="0"/>
+                    </a:p>
+                  </a:txBody>
+                  <a:tcPr/>
+                </a:tc>
+                <a:tc>
+                  <a:txBody>
+                    <a:bodyPr/>
+                    <a:lstStyle/>
+                    <a:p>
+                      <a:pPr algn="ctr"/>
+                      <a:r>
+                        <a:rPr lang="en-US" sz="2400" dirty="0"/>
+                        <a:t>23</a:t>
+                      </a:r>
+                      <a:endParaRPr lang="en-SE" sz="2400" dirty="0"/>
+                    </a:p>
+                  </a:txBody>
+                  <a:tcPr/>
+                </a:tc>
+                <a:tc>
+                  <a:txBody>
+                    <a:bodyPr/>
+                    <a:lstStyle/>
+                    <a:p>
+                      <a:pPr algn="ctr"/>
+                      <a:r>
+                        <a:rPr lang="en-US" sz="2400" dirty="0"/>
+                        <a:t>5</a:t>
+                      </a:r>
+                      <a:endParaRPr lang="en-SE" sz="2400" dirty="0"/>
+                    </a:p>
+                  </a:txBody>
+                  <a:tcPr/>
+                </a:tc>
+                <a:tc>
+                  <a:txBody>
+                    <a:bodyPr/>
+                    <a:lstStyle/>
+                    <a:p>
+                      <a:pPr algn="ctr"/>
+                      <a:r>
+                        <a:rPr lang="en-US" sz="2400" dirty="0"/>
+                        <a:t>18</a:t>
+                      </a:r>
+                      <a:endParaRPr lang="en-SE" sz="2400" dirty="0"/>
+                    </a:p>
+                  </a:txBody>
+                  <a:tcPr/>
+                </a:tc>
+                <a:tc>
+                  <a:txBody>
+                    <a:bodyPr/>
+                    <a:lstStyle/>
+                    <a:p>
+                      <a:pPr algn="ctr"/>
+                      <a:r>
+                        <a:rPr lang="en-US" sz="2400" dirty="0"/>
+                        <a:t>15</a:t>
+                      </a:r>
+                      <a:endParaRPr lang="en-SE" sz="2400" dirty="0"/>
+                    </a:p>
+                  </a:txBody>
+                  <a:tcPr/>
+                </a:tc>
+                <a:extLst>
+                  <a:ext uri="{0D108BD9-81ED-4DB2-BD59-A6C34878D82A}">
+                    <a16:rowId xmlns:a16="http://schemas.microsoft.com/office/drawing/2014/main" val="2210040062"/>
+                  </a:ext>
+                </a:extLst>
+              </a:tr>
+            </a:tbl>
+          </a:graphicData>
+        </a:graphic>
+      </p:graphicFrame>
+      <p:sp>
+        <p:nvSpPr>
+          <p:cNvPr id="6" name="Slide Number Placeholder 5">
+            <a:extLst>
+              <a:ext uri="{FF2B5EF4-FFF2-40B4-BE49-F238E27FC236}">
+                <a16:creationId xmlns:a16="http://schemas.microsoft.com/office/drawing/2014/main" id="{486E2A6B-75DF-C67A-0530-33C1A482797D}"/>
+              </a:ext>
+            </a:extLst>
+          </p:cNvPr>
+          <p:cNvSpPr>
+            <a:spLocks noGrp="1"/>
+          </p:cNvSpPr>
+          <p:nvPr>
+            <p:ph type="sldNum" sz="quarter" idx="4"/>
+          </p:nvPr>
+        </p:nvSpPr>
         <p:spPr>
           <a:xfrm>
-            <a:off x="5053511" y="3015243"/>
-            <a:ext cx="1592218" cy="3842757"/>
+            <a:off x="8571344" y="6492875"/>
+            <a:ext cx="572655" cy="365125"/>
           </a:xfrm>
           <a:prstGeom prst="rect">
             <a:avLst/>
           </a:prstGeom>
         </p:spPr>
-      </p:pic>
+        <p:txBody>
+          <a:bodyPr vert="horz" lIns="91440" tIns="45720" rIns="91440" bIns="45720" rtlCol="0" anchor="ctr"/>
+          <a:lstStyle>
+            <a:lvl1pPr algn="r">
+              <a:defRPr sz="1600">
+                <a:solidFill>
+                  <a:schemeClr val="tx1">
+                    <a:tint val="75000"/>
+                  </a:schemeClr>
+                </a:solidFill>
+              </a:defRPr>
+            </a:lvl1pPr>
+          </a:lstStyle>
+          <a:p>
+            <a:fld id="{325BE2B7-23DB-644D-89A2-CA3C2E8FEF83}" type="slidenum">
+              <a:rPr lang="en-US" smtClean="0"/>
+              <a:pPr/>
+              <a:t>3</a:t>
+            </a:fld>
+            <a:endParaRPr lang="en-US"/>
+          </a:p>
+        </p:txBody>
+      </p:sp>
     </p:spTree>
     <p:extLst>
       <p:ext uri="{BB962C8B-B14F-4D97-AF65-F5344CB8AC3E}">
-        <p14:creationId xmlns:p14="http://schemas.microsoft.com/office/powerpoint/2010/main" val="1213428407"/>
+        <p14:creationId xmlns:p14="http://schemas.microsoft.com/office/powerpoint/2010/main" val="2973482952"/>
       </p:ext>
     </p:extLst>
   </p:cSld>
@@ -5529,11 +6525,13 @@
         <p:spPr>
           <a:xfrm>
             <a:off x="457200" y="1600200"/>
-            <a:ext cx="6694714" cy="4525963"/>
+            <a:ext cx="6515100" cy="4525963"/>
           </a:xfrm>
         </p:spPr>
         <p:txBody>
-          <a:bodyPr/>
+          <a:bodyPr>
+            <a:normAutofit/>
+          </a:bodyPr>
           <a:lstStyle/>
           <a:p>
             <a:r>
@@ -5550,60 +6548,481 @@
           <a:p>
             <a:r>
               <a:rPr lang="en-GB" dirty="0"/>
-              <a:t>ANS: 46, 34, 42, 23, 52, 33</a:t>
+              <a:t>A. 46, 34, 42, 23, 52, 33</a:t>
             </a:r>
           </a:p>
           <a:p>
             <a:r>
               <a:rPr lang="en-GB" dirty="0"/>
-              <a:t>46, 34, 42, 23: no collision</a:t>
+              <a:t>B. 46, 34, 52, 23, 42, 33</a:t>
             </a:r>
           </a:p>
           <a:p>
             <a:r>
               <a:rPr lang="en-GB" dirty="0"/>
-              <a:t>52: collision, placed in 5</a:t>
+              <a:t>C. 33, 46, 34, 52, 23, 42</a:t>
             </a:r>
           </a:p>
           <a:p>
             <a:r>
               <a:rPr lang="en-GB" dirty="0"/>
-              <a:t>33: collision, placed in 7</a:t>
-            </a:r>
-            <a:endParaRPr lang="en-SE" dirty="0"/>
-          </a:p>
-        </p:txBody>
-      </p:sp>
-      <p:pic>
-        <p:nvPicPr>
-          <p:cNvPr id="7" name="Picture 6">
+              <a:t>D. 33, 46, 34, 52, 42, 23</a:t>
+            </a:r>
+          </a:p>
+        </p:txBody>
+      </p:sp>
+      <p:graphicFrame>
+        <p:nvGraphicFramePr>
+          <p:cNvPr id="4" name="Table 3">
             <a:extLst>
               <a:ext uri="{FF2B5EF4-FFF2-40B4-BE49-F238E27FC236}">
-                <a16:creationId xmlns:a16="http://schemas.microsoft.com/office/drawing/2014/main" id="{73502D89-DB75-E8D5-4997-57DA923B371F}"/>
+                <a16:creationId xmlns:a16="http://schemas.microsoft.com/office/drawing/2014/main" id="{4BADB980-57F2-1ABE-998C-FB0FEA8691C2}"/>
               </a:ext>
             </a:extLst>
           </p:cNvPr>
-          <p:cNvPicPr>
-            <a:picLocks noChangeAspect="1"/>
-          </p:cNvPicPr>
-          <p:nvPr/>
-        </p:nvPicPr>
-        <p:blipFill>
-          <a:blip r:embed="rId2"/>
-          <a:stretch>
-            <a:fillRect/>
-          </a:stretch>
-        </p:blipFill>
+          <p:cNvGraphicFramePr>
+            <a:graphicFrameLocks noGrp="1"/>
+          </p:cNvGraphicFramePr>
+          <p:nvPr>
+            <p:extLst>
+              <p:ext uri="{D42A27DB-BD31-4B8C-83A1-F6EECF244321}">
+                <p14:modId xmlns:p14="http://schemas.microsoft.com/office/powerpoint/2010/main" val="2280074055"/>
+              </p:ext>
+            </p:extLst>
+          </p:nvPr>
+        </p:nvGraphicFramePr>
+        <p:xfrm>
+          <a:off x="4027487" y="4735088"/>
+          <a:ext cx="5001270" cy="914400"/>
+        </p:xfrm>
+        <a:graphic>
+          <a:graphicData uri="http://schemas.openxmlformats.org/drawingml/2006/table">
+            <a:tbl>
+              <a:tblPr firstRow="1" bandRow="1">
+                <a:tableStyleId>{5C22544A-7EE6-4342-B048-85BDC9FD1C3A}</a:tableStyleId>
+              </a:tblPr>
+              <a:tblGrid>
+                <a:gridCol w="500127">
+                  <a:extLst>
+                    <a:ext uri="{9D8B030D-6E8A-4147-A177-3AD203B41FA5}">
+                      <a16:colId xmlns:a16="http://schemas.microsoft.com/office/drawing/2014/main" val="2806540941"/>
+                    </a:ext>
+                  </a:extLst>
+                </a:gridCol>
+                <a:gridCol w="500127">
+                  <a:extLst>
+                    <a:ext uri="{9D8B030D-6E8A-4147-A177-3AD203B41FA5}">
+                      <a16:colId xmlns:a16="http://schemas.microsoft.com/office/drawing/2014/main" val="1263569856"/>
+                    </a:ext>
+                  </a:extLst>
+                </a:gridCol>
+                <a:gridCol w="500127">
+                  <a:extLst>
+                    <a:ext uri="{9D8B030D-6E8A-4147-A177-3AD203B41FA5}">
+                      <a16:colId xmlns:a16="http://schemas.microsoft.com/office/drawing/2014/main" val="788082948"/>
+                    </a:ext>
+                  </a:extLst>
+                </a:gridCol>
+                <a:gridCol w="500127">
+                  <a:extLst>
+                    <a:ext uri="{9D8B030D-6E8A-4147-A177-3AD203B41FA5}">
+                      <a16:colId xmlns:a16="http://schemas.microsoft.com/office/drawing/2014/main" val="3245160161"/>
+                    </a:ext>
+                  </a:extLst>
+                </a:gridCol>
+                <a:gridCol w="500127">
+                  <a:extLst>
+                    <a:ext uri="{9D8B030D-6E8A-4147-A177-3AD203B41FA5}">
+                      <a16:colId xmlns:a16="http://schemas.microsoft.com/office/drawing/2014/main" val="3443193553"/>
+                    </a:ext>
+                  </a:extLst>
+                </a:gridCol>
+                <a:gridCol w="500127">
+                  <a:extLst>
+                    <a:ext uri="{9D8B030D-6E8A-4147-A177-3AD203B41FA5}">
+                      <a16:colId xmlns:a16="http://schemas.microsoft.com/office/drawing/2014/main" val="853762400"/>
+                    </a:ext>
+                  </a:extLst>
+                </a:gridCol>
+                <a:gridCol w="500127">
+                  <a:extLst>
+                    <a:ext uri="{9D8B030D-6E8A-4147-A177-3AD203B41FA5}">
+                      <a16:colId xmlns:a16="http://schemas.microsoft.com/office/drawing/2014/main" val="1898617125"/>
+                    </a:ext>
+                  </a:extLst>
+                </a:gridCol>
+                <a:gridCol w="500127">
+                  <a:extLst>
+                    <a:ext uri="{9D8B030D-6E8A-4147-A177-3AD203B41FA5}">
+                      <a16:colId xmlns:a16="http://schemas.microsoft.com/office/drawing/2014/main" val="1354316024"/>
+                    </a:ext>
+                  </a:extLst>
+                </a:gridCol>
+                <a:gridCol w="500127">
+                  <a:extLst>
+                    <a:ext uri="{9D8B030D-6E8A-4147-A177-3AD203B41FA5}">
+                      <a16:colId xmlns:a16="http://schemas.microsoft.com/office/drawing/2014/main" val="2727229563"/>
+                    </a:ext>
+                  </a:extLst>
+                </a:gridCol>
+                <a:gridCol w="500127">
+                  <a:extLst>
+                    <a:ext uri="{9D8B030D-6E8A-4147-A177-3AD203B41FA5}">
+                      <a16:colId xmlns:a16="http://schemas.microsoft.com/office/drawing/2014/main" val="1307084591"/>
+                    </a:ext>
+                  </a:extLst>
+                </a:gridCol>
+              </a:tblGrid>
+              <a:tr h="370840">
+                <a:tc>
+                  <a:txBody>
+                    <a:bodyPr/>
+                    <a:lstStyle/>
+                    <a:p>
+                      <a:pPr algn="ctr"/>
+                      <a:r>
+                        <a:rPr lang="en-GB" sz="2400" dirty="0"/>
+                        <a:t>0</a:t>
+                      </a:r>
+                      <a:endParaRPr lang="en-SE" sz="2400" dirty="0"/>
+                    </a:p>
+                  </a:txBody>
+                  <a:tcPr/>
+                </a:tc>
+                <a:tc>
+                  <a:txBody>
+                    <a:bodyPr/>
+                    <a:lstStyle/>
+                    <a:p>
+                      <a:pPr algn="ctr"/>
+                      <a:r>
+                        <a:rPr lang="en-GB" sz="2400" dirty="0"/>
+                        <a:t>1</a:t>
+                      </a:r>
+                      <a:endParaRPr lang="en-SE" sz="2400" dirty="0"/>
+                    </a:p>
+                  </a:txBody>
+                  <a:tcPr/>
+                </a:tc>
+                <a:tc>
+                  <a:txBody>
+                    <a:bodyPr/>
+                    <a:lstStyle/>
+                    <a:p>
+                      <a:pPr algn="ctr"/>
+                      <a:r>
+                        <a:rPr lang="en-GB" sz="2400" dirty="0"/>
+                        <a:t>2</a:t>
+                      </a:r>
+                      <a:endParaRPr lang="en-SE" sz="2400" dirty="0"/>
+                    </a:p>
+                  </a:txBody>
+                  <a:tcPr/>
+                </a:tc>
+                <a:tc>
+                  <a:txBody>
+                    <a:bodyPr/>
+                    <a:lstStyle/>
+                    <a:p>
+                      <a:pPr algn="ctr"/>
+                      <a:r>
+                        <a:rPr lang="en-GB" sz="2400" dirty="0"/>
+                        <a:t>3</a:t>
+                      </a:r>
+                      <a:endParaRPr lang="en-SE" sz="2400" dirty="0"/>
+                    </a:p>
+                  </a:txBody>
+                  <a:tcPr/>
+                </a:tc>
+                <a:tc>
+                  <a:txBody>
+                    <a:bodyPr/>
+                    <a:lstStyle/>
+                    <a:p>
+                      <a:pPr algn="ctr"/>
+                      <a:r>
+                        <a:rPr lang="en-GB" sz="2400" dirty="0"/>
+                        <a:t>4</a:t>
+                      </a:r>
+                      <a:endParaRPr lang="en-SE" sz="2400" dirty="0"/>
+                    </a:p>
+                  </a:txBody>
+                  <a:tcPr/>
+                </a:tc>
+                <a:tc>
+                  <a:txBody>
+                    <a:bodyPr/>
+                    <a:lstStyle/>
+                    <a:p>
+                      <a:pPr algn="ctr"/>
+                      <a:r>
+                        <a:rPr lang="en-US" sz="2400" dirty="0"/>
+                        <a:t>5</a:t>
+                      </a:r>
+                      <a:endParaRPr lang="en-SE" sz="2400" dirty="0"/>
+                    </a:p>
+                  </a:txBody>
+                  <a:tcPr/>
+                </a:tc>
+                <a:tc>
+                  <a:txBody>
+                    <a:bodyPr/>
+                    <a:lstStyle/>
+                    <a:p>
+                      <a:pPr algn="ctr"/>
+                      <a:r>
+                        <a:rPr lang="en-US" sz="2400" dirty="0"/>
+                        <a:t>6</a:t>
+                      </a:r>
+                      <a:endParaRPr lang="en-SE" sz="2400" dirty="0"/>
+                    </a:p>
+                  </a:txBody>
+                  <a:tcPr/>
+                </a:tc>
+                <a:tc>
+                  <a:txBody>
+                    <a:bodyPr/>
+                    <a:lstStyle/>
+                    <a:p>
+                      <a:pPr algn="ctr"/>
+                      <a:r>
+                        <a:rPr lang="en-US" sz="2400" dirty="0"/>
+                        <a:t>7</a:t>
+                      </a:r>
+                      <a:endParaRPr lang="en-SE" sz="2400" dirty="0"/>
+                    </a:p>
+                  </a:txBody>
+                  <a:tcPr/>
+                </a:tc>
+                <a:tc>
+                  <a:txBody>
+                    <a:bodyPr/>
+                    <a:lstStyle/>
+                    <a:p>
+                      <a:pPr algn="ctr"/>
+                      <a:r>
+                        <a:rPr lang="en-US" sz="2400" dirty="0"/>
+                        <a:t>8</a:t>
+                      </a:r>
+                      <a:endParaRPr lang="en-SE" sz="2400" dirty="0"/>
+                    </a:p>
+                  </a:txBody>
+                  <a:tcPr/>
+                </a:tc>
+                <a:tc>
+                  <a:txBody>
+                    <a:bodyPr/>
+                    <a:lstStyle/>
+                    <a:p>
+                      <a:pPr algn="ctr"/>
+                      <a:r>
+                        <a:rPr lang="en-US" sz="2400" dirty="0"/>
+                        <a:t>9</a:t>
+                      </a:r>
+                      <a:endParaRPr lang="en-SE" sz="2400" dirty="0"/>
+                    </a:p>
+                  </a:txBody>
+                  <a:tcPr/>
+                </a:tc>
+                <a:extLst>
+                  <a:ext uri="{0D108BD9-81ED-4DB2-BD59-A6C34878D82A}">
+                    <a16:rowId xmlns:a16="http://schemas.microsoft.com/office/drawing/2014/main" val="892375877"/>
+                  </a:ext>
+                </a:extLst>
+              </a:tr>
+              <a:tr h="370840">
+                <a:tc>
+                  <a:txBody>
+                    <a:bodyPr/>
+                    <a:lstStyle/>
+                    <a:p>
+                      <a:pPr algn="ctr"/>
+                      <a:endParaRPr lang="en-SE" sz="2400" dirty="0"/>
+                    </a:p>
+                  </a:txBody>
+                  <a:tcPr/>
+                </a:tc>
+                <a:tc>
+                  <a:txBody>
+                    <a:bodyPr/>
+                    <a:lstStyle/>
+                    <a:p>
+                      <a:pPr algn="ctr"/>
+                      <a:endParaRPr lang="en-SE" sz="2400" dirty="0"/>
+                    </a:p>
+                  </a:txBody>
+                  <a:tcPr/>
+                </a:tc>
+                <a:tc>
+                  <a:txBody>
+                    <a:bodyPr/>
+                    <a:lstStyle/>
+                    <a:p>
+                      <a:pPr algn="ctr"/>
+                      <a:r>
+                        <a:rPr lang="en-US" sz="2400" dirty="0"/>
+                        <a:t>42</a:t>
+                      </a:r>
+                      <a:endParaRPr lang="en-SE" sz="2400" dirty="0"/>
+                    </a:p>
+                  </a:txBody>
+                  <a:tcPr/>
+                </a:tc>
+                <a:tc>
+                  <a:txBody>
+                    <a:bodyPr/>
+                    <a:lstStyle/>
+                    <a:p>
+                      <a:pPr algn="ctr"/>
+                      <a:r>
+                        <a:rPr lang="en-US" sz="2400" dirty="0"/>
+                        <a:t>23</a:t>
+                      </a:r>
+                      <a:endParaRPr lang="en-SE" sz="2400" dirty="0"/>
+                    </a:p>
+                  </a:txBody>
+                  <a:tcPr/>
+                </a:tc>
+                <a:tc>
+                  <a:txBody>
+                    <a:bodyPr/>
+                    <a:lstStyle/>
+                    <a:p>
+                      <a:pPr algn="ctr"/>
+                      <a:r>
+                        <a:rPr lang="en-US" sz="2400" dirty="0"/>
+                        <a:t>34</a:t>
+                      </a:r>
+                      <a:endParaRPr lang="en-SE" sz="2400" dirty="0"/>
+                    </a:p>
+                  </a:txBody>
+                  <a:tcPr/>
+                </a:tc>
+                <a:tc>
+                  <a:txBody>
+                    <a:bodyPr/>
+                    <a:lstStyle/>
+                    <a:p>
+                      <a:pPr algn="ctr"/>
+                      <a:r>
+                        <a:rPr lang="en-US" sz="2400" dirty="0"/>
+                        <a:t>52</a:t>
+                      </a:r>
+                      <a:endParaRPr lang="en-SE" sz="2400" dirty="0"/>
+                    </a:p>
+                  </a:txBody>
+                  <a:tcPr/>
+                </a:tc>
+                <a:tc>
+                  <a:txBody>
+                    <a:bodyPr/>
+                    <a:lstStyle/>
+                    <a:p>
+                      <a:pPr algn="ctr"/>
+                      <a:r>
+                        <a:rPr lang="en-US" sz="2400" dirty="0"/>
+                        <a:t>46</a:t>
+                      </a:r>
+                      <a:endParaRPr lang="en-SE" sz="2400" dirty="0"/>
+                    </a:p>
+                  </a:txBody>
+                  <a:tcPr/>
+                </a:tc>
+                <a:tc>
+                  <a:txBody>
+                    <a:bodyPr/>
+                    <a:lstStyle/>
+                    <a:p>
+                      <a:pPr algn="ctr"/>
+                      <a:r>
+                        <a:rPr lang="en-US" sz="2400" dirty="0"/>
+                        <a:t>33</a:t>
+                      </a:r>
+                      <a:endParaRPr lang="en-SE" sz="2400" dirty="0"/>
+                    </a:p>
+                  </a:txBody>
+                  <a:tcPr/>
+                </a:tc>
+                <a:tc>
+                  <a:txBody>
+                    <a:bodyPr/>
+                    <a:lstStyle/>
+                    <a:p>
+                      <a:pPr algn="ctr"/>
+                      <a:endParaRPr lang="en-SE" sz="2400" dirty="0"/>
+                    </a:p>
+                  </a:txBody>
+                  <a:tcPr/>
+                </a:tc>
+                <a:tc>
+                  <a:txBody>
+                    <a:bodyPr/>
+                    <a:lstStyle/>
+                    <a:p>
+                      <a:pPr algn="ctr"/>
+                      <a:endParaRPr lang="en-SE" sz="2400" dirty="0"/>
+                    </a:p>
+                  </a:txBody>
+                  <a:tcPr/>
+                </a:tc>
+                <a:extLst>
+                  <a:ext uri="{0D108BD9-81ED-4DB2-BD59-A6C34878D82A}">
+                    <a16:rowId xmlns:a16="http://schemas.microsoft.com/office/drawing/2014/main" val="2210040062"/>
+                  </a:ext>
+                </a:extLst>
+              </a:tr>
+            </a:tbl>
+          </a:graphicData>
+        </a:graphic>
+      </p:graphicFrame>
+      <p:sp>
+        <p:nvSpPr>
+          <p:cNvPr id="5" name="Slide Number Placeholder 5">
+            <a:extLst>
+              <a:ext uri="{FF2B5EF4-FFF2-40B4-BE49-F238E27FC236}">
+                <a16:creationId xmlns:a16="http://schemas.microsoft.com/office/drawing/2014/main" id="{6A42FE5A-D7B4-BDF2-E86E-EBD108BB8EFE}"/>
+              </a:ext>
+            </a:extLst>
+          </p:cNvPr>
+          <p:cNvSpPr>
+            <a:spLocks noGrp="1"/>
+          </p:cNvSpPr>
+          <p:nvPr>
+            <p:ph type="sldNum" sz="quarter" idx="4"/>
+          </p:nvPr>
+        </p:nvSpPr>
         <p:spPr>
           <a:xfrm>
-            <a:off x="6874329" y="1600199"/>
-            <a:ext cx="2269671" cy="3905945"/>
+            <a:off x="8571344" y="6492875"/>
+            <a:ext cx="572655" cy="365125"/>
           </a:xfrm>
           <a:prstGeom prst="rect">
             <a:avLst/>
           </a:prstGeom>
         </p:spPr>
-      </p:pic>
+        <p:txBody>
+          <a:bodyPr vert="horz" lIns="91440" tIns="45720" rIns="91440" bIns="45720" rtlCol="0" anchor="ctr"/>
+          <a:lstStyle>
+            <a:lvl1pPr algn="r">
+              <a:defRPr sz="1600">
+                <a:solidFill>
+                  <a:schemeClr val="tx1">
+                    <a:tint val="75000"/>
+                  </a:schemeClr>
+                </a:solidFill>
+              </a:defRPr>
+            </a:lvl1pPr>
+          </a:lstStyle>
+          <a:p>
+            <a:fld id="{325BE2B7-23DB-644D-89A2-CA3C2E8FEF83}" type="slidenum">
+              <a:rPr lang="en-US" smtClean="0"/>
+              <a:pPr/>
+              <a:t>4</a:t>
+            </a:fld>
+            <a:endParaRPr lang="en-US"/>
+          </a:p>
+        </p:txBody>
+      </p:sp>
     </p:spTree>
     <p:extLst>
       <p:ext uri="{BB962C8B-B14F-4D97-AF65-F5344CB8AC3E}">
@@ -5639,6 +7058,594 @@
           <p:cNvPr id="2" name="Title 1">
             <a:extLst>
               <a:ext uri="{FF2B5EF4-FFF2-40B4-BE49-F238E27FC236}">
+                <a16:creationId xmlns:a16="http://schemas.microsoft.com/office/drawing/2014/main" id="{71534293-DA34-509E-F5F2-11AA7D78A9CC}"/>
+              </a:ext>
+            </a:extLst>
+          </p:cNvPr>
+          <p:cNvSpPr>
+            <a:spLocks noGrp="1"/>
+          </p:cNvSpPr>
+          <p:nvPr>
+            <p:ph type="title"/>
+          </p:nvPr>
+        </p:nvSpPr>
+        <p:spPr/>
+        <p:txBody>
+          <a:bodyPr/>
+          <a:lstStyle/>
+          <a:p>
+            <a:r>
+              <a:rPr lang="en-GB" dirty="0"/>
+              <a:t>Quiz: Linear Probing II ANS</a:t>
+            </a:r>
+            <a:endParaRPr lang="en-SE" dirty="0"/>
+          </a:p>
+        </p:txBody>
+      </p:sp>
+      <p:sp>
+        <p:nvSpPr>
+          <p:cNvPr id="3" name="Content Placeholder 2">
+            <a:extLst>
+              <a:ext uri="{FF2B5EF4-FFF2-40B4-BE49-F238E27FC236}">
+                <a16:creationId xmlns:a16="http://schemas.microsoft.com/office/drawing/2014/main" id="{AE29DB37-EA47-7BEA-E932-6F0A8CC12B60}"/>
+              </a:ext>
+            </a:extLst>
+          </p:cNvPr>
+          <p:cNvSpPr>
+            <a:spLocks noGrp="1"/>
+          </p:cNvSpPr>
+          <p:nvPr>
+            <p:ph idx="1"/>
+          </p:nvPr>
+        </p:nvSpPr>
+        <p:spPr/>
+        <p:txBody>
+          <a:bodyPr/>
+          <a:lstStyle/>
+          <a:p>
+            <a:r>
+              <a:rPr lang="en-GB" dirty="0"/>
+              <a:t>A. 46, 34, 42, 23, 52, 33</a:t>
+            </a:r>
+          </a:p>
+          <a:p>
+            <a:r>
+              <a:rPr lang="en-GB" dirty="0"/>
+              <a:t>B. 46, 34, 52, 23, 42, 33</a:t>
+            </a:r>
+          </a:p>
+          <a:p>
+            <a:r>
+              <a:rPr lang="en-GB" dirty="0"/>
+              <a:t>C. 33, 46, 34, 52, 23, 42</a:t>
+            </a:r>
+          </a:p>
+          <a:p>
+            <a:r>
+              <a:rPr lang="en-GB" dirty="0"/>
+              <a:t>D. 33, 46, 34, 52, 42, 23</a:t>
+            </a:r>
+          </a:p>
+          <a:p>
+            <a:r>
+              <a:rPr lang="en-GB" dirty="0"/>
+              <a:t>ANS: A. </a:t>
+            </a:r>
+          </a:p>
+          <a:p>
+            <a:pPr lvl="1"/>
+            <a:r>
+              <a:rPr lang="en-GB" dirty="0"/>
+              <a:t>46, 34, 42, 23: no collision</a:t>
+            </a:r>
+          </a:p>
+          <a:p>
+            <a:pPr lvl="1"/>
+            <a:r>
+              <a:rPr lang="en-GB" dirty="0"/>
+              <a:t>52: collision, placed in 5</a:t>
+            </a:r>
+          </a:p>
+          <a:p>
+            <a:pPr lvl="1"/>
+            <a:r>
+              <a:rPr lang="en-GB" dirty="0"/>
+              <a:t>33: collision, placed in 7</a:t>
+            </a:r>
+            <a:endParaRPr lang="en-SE" dirty="0"/>
+          </a:p>
+          <a:p>
+            <a:endParaRPr lang="en-SE" dirty="0"/>
+          </a:p>
+        </p:txBody>
+      </p:sp>
+      <p:graphicFrame>
+        <p:nvGraphicFramePr>
+          <p:cNvPr id="4" name="Table 3">
+            <a:extLst>
+              <a:ext uri="{FF2B5EF4-FFF2-40B4-BE49-F238E27FC236}">
+                <a16:creationId xmlns:a16="http://schemas.microsoft.com/office/drawing/2014/main" id="{63B7BF25-E9EC-A85B-F186-6DBBABA264D4}"/>
+              </a:ext>
+            </a:extLst>
+          </p:cNvPr>
+          <p:cNvGraphicFramePr>
+            <a:graphicFrameLocks noGrp="1"/>
+          </p:cNvGraphicFramePr>
+          <p:nvPr>
+            <p:extLst>
+              <p:ext uri="{D42A27DB-BD31-4B8C-83A1-F6EECF244321}">
+                <p14:modId xmlns:p14="http://schemas.microsoft.com/office/powerpoint/2010/main" val="1358842091"/>
+              </p:ext>
+            </p:extLst>
+          </p:nvPr>
+        </p:nvGraphicFramePr>
+        <p:xfrm>
+          <a:off x="2071365" y="5674749"/>
+          <a:ext cx="5001270" cy="914400"/>
+        </p:xfrm>
+        <a:graphic>
+          <a:graphicData uri="http://schemas.openxmlformats.org/drawingml/2006/table">
+            <a:tbl>
+              <a:tblPr firstRow="1" bandRow="1">
+                <a:tableStyleId>{5C22544A-7EE6-4342-B048-85BDC9FD1C3A}</a:tableStyleId>
+              </a:tblPr>
+              <a:tblGrid>
+                <a:gridCol w="500127">
+                  <a:extLst>
+                    <a:ext uri="{9D8B030D-6E8A-4147-A177-3AD203B41FA5}">
+                      <a16:colId xmlns:a16="http://schemas.microsoft.com/office/drawing/2014/main" val="2806540941"/>
+                    </a:ext>
+                  </a:extLst>
+                </a:gridCol>
+                <a:gridCol w="500127">
+                  <a:extLst>
+                    <a:ext uri="{9D8B030D-6E8A-4147-A177-3AD203B41FA5}">
+                      <a16:colId xmlns:a16="http://schemas.microsoft.com/office/drawing/2014/main" val="1263569856"/>
+                    </a:ext>
+                  </a:extLst>
+                </a:gridCol>
+                <a:gridCol w="500127">
+                  <a:extLst>
+                    <a:ext uri="{9D8B030D-6E8A-4147-A177-3AD203B41FA5}">
+                      <a16:colId xmlns:a16="http://schemas.microsoft.com/office/drawing/2014/main" val="788082948"/>
+                    </a:ext>
+                  </a:extLst>
+                </a:gridCol>
+                <a:gridCol w="500127">
+                  <a:extLst>
+                    <a:ext uri="{9D8B030D-6E8A-4147-A177-3AD203B41FA5}">
+                      <a16:colId xmlns:a16="http://schemas.microsoft.com/office/drawing/2014/main" val="3245160161"/>
+                    </a:ext>
+                  </a:extLst>
+                </a:gridCol>
+                <a:gridCol w="500127">
+                  <a:extLst>
+                    <a:ext uri="{9D8B030D-6E8A-4147-A177-3AD203B41FA5}">
+                      <a16:colId xmlns:a16="http://schemas.microsoft.com/office/drawing/2014/main" val="3443193553"/>
+                    </a:ext>
+                  </a:extLst>
+                </a:gridCol>
+                <a:gridCol w="500127">
+                  <a:extLst>
+                    <a:ext uri="{9D8B030D-6E8A-4147-A177-3AD203B41FA5}">
+                      <a16:colId xmlns:a16="http://schemas.microsoft.com/office/drawing/2014/main" val="853762400"/>
+                    </a:ext>
+                  </a:extLst>
+                </a:gridCol>
+                <a:gridCol w="500127">
+                  <a:extLst>
+                    <a:ext uri="{9D8B030D-6E8A-4147-A177-3AD203B41FA5}">
+                      <a16:colId xmlns:a16="http://schemas.microsoft.com/office/drawing/2014/main" val="1898617125"/>
+                    </a:ext>
+                  </a:extLst>
+                </a:gridCol>
+                <a:gridCol w="500127">
+                  <a:extLst>
+                    <a:ext uri="{9D8B030D-6E8A-4147-A177-3AD203B41FA5}">
+                      <a16:colId xmlns:a16="http://schemas.microsoft.com/office/drawing/2014/main" val="1354316024"/>
+                    </a:ext>
+                  </a:extLst>
+                </a:gridCol>
+                <a:gridCol w="500127">
+                  <a:extLst>
+                    <a:ext uri="{9D8B030D-6E8A-4147-A177-3AD203B41FA5}">
+                      <a16:colId xmlns:a16="http://schemas.microsoft.com/office/drawing/2014/main" val="2727229563"/>
+                    </a:ext>
+                  </a:extLst>
+                </a:gridCol>
+                <a:gridCol w="500127">
+                  <a:extLst>
+                    <a:ext uri="{9D8B030D-6E8A-4147-A177-3AD203B41FA5}">
+                      <a16:colId xmlns:a16="http://schemas.microsoft.com/office/drawing/2014/main" val="1307084591"/>
+                    </a:ext>
+                  </a:extLst>
+                </a:gridCol>
+              </a:tblGrid>
+              <a:tr h="370840">
+                <a:tc>
+                  <a:txBody>
+                    <a:bodyPr/>
+                    <a:lstStyle/>
+                    <a:p>
+                      <a:pPr algn="ctr"/>
+                      <a:r>
+                        <a:rPr lang="en-GB" sz="2400" dirty="0"/>
+                        <a:t>0</a:t>
+                      </a:r>
+                      <a:endParaRPr lang="en-SE" sz="2400" dirty="0"/>
+                    </a:p>
+                  </a:txBody>
+                  <a:tcPr/>
+                </a:tc>
+                <a:tc>
+                  <a:txBody>
+                    <a:bodyPr/>
+                    <a:lstStyle/>
+                    <a:p>
+                      <a:pPr algn="ctr"/>
+                      <a:r>
+                        <a:rPr lang="en-GB" sz="2400" dirty="0"/>
+                        <a:t>1</a:t>
+                      </a:r>
+                      <a:endParaRPr lang="en-SE" sz="2400" dirty="0"/>
+                    </a:p>
+                  </a:txBody>
+                  <a:tcPr/>
+                </a:tc>
+                <a:tc>
+                  <a:txBody>
+                    <a:bodyPr/>
+                    <a:lstStyle/>
+                    <a:p>
+                      <a:pPr algn="ctr"/>
+                      <a:r>
+                        <a:rPr lang="en-GB" sz="2400" dirty="0"/>
+                        <a:t>2</a:t>
+                      </a:r>
+                      <a:endParaRPr lang="en-SE" sz="2400" dirty="0"/>
+                    </a:p>
+                  </a:txBody>
+                  <a:tcPr/>
+                </a:tc>
+                <a:tc>
+                  <a:txBody>
+                    <a:bodyPr/>
+                    <a:lstStyle/>
+                    <a:p>
+                      <a:pPr algn="ctr"/>
+                      <a:r>
+                        <a:rPr lang="en-GB" sz="2400" dirty="0"/>
+                        <a:t>3</a:t>
+                      </a:r>
+                      <a:endParaRPr lang="en-SE" sz="2400" dirty="0"/>
+                    </a:p>
+                  </a:txBody>
+                  <a:tcPr/>
+                </a:tc>
+                <a:tc>
+                  <a:txBody>
+                    <a:bodyPr/>
+                    <a:lstStyle/>
+                    <a:p>
+                      <a:pPr algn="ctr"/>
+                      <a:r>
+                        <a:rPr lang="en-GB" sz="2400" dirty="0"/>
+                        <a:t>4</a:t>
+                      </a:r>
+                      <a:endParaRPr lang="en-SE" sz="2400" dirty="0"/>
+                    </a:p>
+                  </a:txBody>
+                  <a:tcPr/>
+                </a:tc>
+                <a:tc>
+                  <a:txBody>
+                    <a:bodyPr/>
+                    <a:lstStyle/>
+                    <a:p>
+                      <a:pPr algn="ctr"/>
+                      <a:r>
+                        <a:rPr lang="en-US" sz="2400" dirty="0"/>
+                        <a:t>5</a:t>
+                      </a:r>
+                      <a:endParaRPr lang="en-SE" sz="2400" dirty="0"/>
+                    </a:p>
+                  </a:txBody>
+                  <a:tcPr/>
+                </a:tc>
+                <a:tc>
+                  <a:txBody>
+                    <a:bodyPr/>
+                    <a:lstStyle/>
+                    <a:p>
+                      <a:pPr algn="ctr"/>
+                      <a:r>
+                        <a:rPr lang="en-US" sz="2400" dirty="0"/>
+                        <a:t>6</a:t>
+                      </a:r>
+                      <a:endParaRPr lang="en-SE" sz="2400" dirty="0"/>
+                    </a:p>
+                  </a:txBody>
+                  <a:tcPr/>
+                </a:tc>
+                <a:tc>
+                  <a:txBody>
+                    <a:bodyPr/>
+                    <a:lstStyle/>
+                    <a:p>
+                      <a:pPr algn="ctr"/>
+                      <a:r>
+                        <a:rPr lang="en-US" sz="2400" dirty="0"/>
+                        <a:t>7</a:t>
+                      </a:r>
+                      <a:endParaRPr lang="en-SE" sz="2400" dirty="0"/>
+                    </a:p>
+                  </a:txBody>
+                  <a:tcPr/>
+                </a:tc>
+                <a:tc>
+                  <a:txBody>
+                    <a:bodyPr/>
+                    <a:lstStyle/>
+                    <a:p>
+                      <a:pPr algn="ctr"/>
+                      <a:r>
+                        <a:rPr lang="en-US" sz="2400" dirty="0"/>
+                        <a:t>8</a:t>
+                      </a:r>
+                      <a:endParaRPr lang="en-SE" sz="2400" dirty="0"/>
+                    </a:p>
+                  </a:txBody>
+                  <a:tcPr/>
+                </a:tc>
+                <a:tc>
+                  <a:txBody>
+                    <a:bodyPr/>
+                    <a:lstStyle/>
+                    <a:p>
+                      <a:pPr algn="ctr"/>
+                      <a:r>
+                        <a:rPr lang="en-US" sz="2400" dirty="0"/>
+                        <a:t>9</a:t>
+                      </a:r>
+                      <a:endParaRPr lang="en-SE" sz="2400" dirty="0"/>
+                    </a:p>
+                  </a:txBody>
+                  <a:tcPr/>
+                </a:tc>
+                <a:extLst>
+                  <a:ext uri="{0D108BD9-81ED-4DB2-BD59-A6C34878D82A}">
+                    <a16:rowId xmlns:a16="http://schemas.microsoft.com/office/drawing/2014/main" val="892375877"/>
+                  </a:ext>
+                </a:extLst>
+              </a:tr>
+              <a:tr h="370840">
+                <a:tc>
+                  <a:txBody>
+                    <a:bodyPr/>
+                    <a:lstStyle/>
+                    <a:p>
+                      <a:pPr algn="ctr"/>
+                      <a:endParaRPr lang="en-SE" sz="2400" dirty="0"/>
+                    </a:p>
+                  </a:txBody>
+                  <a:tcPr/>
+                </a:tc>
+                <a:tc>
+                  <a:txBody>
+                    <a:bodyPr/>
+                    <a:lstStyle/>
+                    <a:p>
+                      <a:pPr algn="ctr"/>
+                      <a:endParaRPr lang="en-SE" sz="2400" dirty="0"/>
+                    </a:p>
+                  </a:txBody>
+                  <a:tcPr/>
+                </a:tc>
+                <a:tc>
+                  <a:txBody>
+                    <a:bodyPr/>
+                    <a:lstStyle/>
+                    <a:p>
+                      <a:pPr algn="ctr"/>
+                      <a:r>
+                        <a:rPr lang="en-US" sz="2400" dirty="0"/>
+                        <a:t>42</a:t>
+                      </a:r>
+                      <a:endParaRPr lang="en-SE" sz="2400" dirty="0"/>
+                    </a:p>
+                  </a:txBody>
+                  <a:tcPr/>
+                </a:tc>
+                <a:tc>
+                  <a:txBody>
+                    <a:bodyPr/>
+                    <a:lstStyle/>
+                    <a:p>
+                      <a:pPr algn="ctr"/>
+                      <a:r>
+                        <a:rPr lang="en-US" sz="2400" dirty="0"/>
+                        <a:t>23</a:t>
+                      </a:r>
+                      <a:endParaRPr lang="en-SE" sz="2400" dirty="0"/>
+                    </a:p>
+                  </a:txBody>
+                  <a:tcPr/>
+                </a:tc>
+                <a:tc>
+                  <a:txBody>
+                    <a:bodyPr/>
+                    <a:lstStyle/>
+                    <a:p>
+                      <a:pPr algn="ctr"/>
+                      <a:r>
+                        <a:rPr lang="en-US" sz="2400" dirty="0"/>
+                        <a:t>34</a:t>
+                      </a:r>
+                      <a:endParaRPr lang="en-SE" sz="2400" dirty="0"/>
+                    </a:p>
+                  </a:txBody>
+                  <a:tcPr/>
+                </a:tc>
+                <a:tc>
+                  <a:txBody>
+                    <a:bodyPr/>
+                    <a:lstStyle/>
+                    <a:p>
+                      <a:pPr algn="ctr"/>
+                      <a:r>
+                        <a:rPr lang="en-US" sz="2400" dirty="0"/>
+                        <a:t>52</a:t>
+                      </a:r>
+                      <a:endParaRPr lang="en-SE" sz="2400" dirty="0"/>
+                    </a:p>
+                  </a:txBody>
+                  <a:tcPr/>
+                </a:tc>
+                <a:tc>
+                  <a:txBody>
+                    <a:bodyPr/>
+                    <a:lstStyle/>
+                    <a:p>
+                      <a:pPr algn="ctr"/>
+                      <a:r>
+                        <a:rPr lang="en-US" sz="2400" dirty="0"/>
+                        <a:t>46</a:t>
+                      </a:r>
+                      <a:endParaRPr lang="en-SE" sz="2400" dirty="0"/>
+                    </a:p>
+                  </a:txBody>
+                  <a:tcPr/>
+                </a:tc>
+                <a:tc>
+                  <a:txBody>
+                    <a:bodyPr/>
+                    <a:lstStyle/>
+                    <a:p>
+                      <a:pPr algn="ctr"/>
+                      <a:r>
+                        <a:rPr lang="en-US" sz="2400" dirty="0"/>
+                        <a:t>33</a:t>
+                      </a:r>
+                      <a:endParaRPr lang="en-SE" sz="2400" dirty="0"/>
+                    </a:p>
+                  </a:txBody>
+                  <a:tcPr/>
+                </a:tc>
+                <a:tc>
+                  <a:txBody>
+                    <a:bodyPr/>
+                    <a:lstStyle/>
+                    <a:p>
+                      <a:pPr algn="ctr"/>
+                      <a:endParaRPr lang="en-SE" sz="2400" dirty="0"/>
+                    </a:p>
+                  </a:txBody>
+                  <a:tcPr/>
+                </a:tc>
+                <a:tc>
+                  <a:txBody>
+                    <a:bodyPr/>
+                    <a:lstStyle/>
+                    <a:p>
+                      <a:pPr algn="ctr"/>
+                      <a:endParaRPr lang="en-SE" sz="2400" dirty="0"/>
+                    </a:p>
+                  </a:txBody>
+                  <a:tcPr/>
+                </a:tc>
+                <a:extLst>
+                  <a:ext uri="{0D108BD9-81ED-4DB2-BD59-A6C34878D82A}">
+                    <a16:rowId xmlns:a16="http://schemas.microsoft.com/office/drawing/2014/main" val="2210040062"/>
+                  </a:ext>
+                </a:extLst>
+              </a:tr>
+            </a:tbl>
+          </a:graphicData>
+        </a:graphic>
+      </p:graphicFrame>
+      <p:sp>
+        <p:nvSpPr>
+          <p:cNvPr id="5" name="Slide Number Placeholder 5">
+            <a:extLst>
+              <a:ext uri="{FF2B5EF4-FFF2-40B4-BE49-F238E27FC236}">
+                <a16:creationId xmlns:a16="http://schemas.microsoft.com/office/drawing/2014/main" id="{08B5E3B6-36E6-FEC8-56F7-E1744F2695F6}"/>
+              </a:ext>
+            </a:extLst>
+          </p:cNvPr>
+          <p:cNvSpPr>
+            <a:spLocks noGrp="1"/>
+          </p:cNvSpPr>
+          <p:nvPr>
+            <p:ph type="sldNum" sz="quarter" idx="4"/>
+          </p:nvPr>
+        </p:nvSpPr>
+        <p:spPr>
+          <a:xfrm>
+            <a:off x="8571344" y="6492875"/>
+            <a:ext cx="572655" cy="365125"/>
+          </a:xfrm>
+          <a:prstGeom prst="rect">
+            <a:avLst/>
+          </a:prstGeom>
+        </p:spPr>
+        <p:txBody>
+          <a:bodyPr vert="horz" lIns="91440" tIns="45720" rIns="91440" bIns="45720" rtlCol="0" anchor="ctr"/>
+          <a:lstStyle>
+            <a:lvl1pPr algn="r">
+              <a:defRPr sz="1600">
+                <a:solidFill>
+                  <a:schemeClr val="tx1">
+                    <a:tint val="75000"/>
+                  </a:schemeClr>
+                </a:solidFill>
+              </a:defRPr>
+            </a:lvl1pPr>
+          </a:lstStyle>
+          <a:p>
+            <a:fld id="{325BE2B7-23DB-644D-89A2-CA3C2E8FEF83}" type="slidenum">
+              <a:rPr lang="en-US" smtClean="0"/>
+              <a:pPr/>
+              <a:t>5</a:t>
+            </a:fld>
+            <a:endParaRPr lang="en-US"/>
+          </a:p>
+        </p:txBody>
+      </p:sp>
+    </p:spTree>
+    <p:extLst>
+      <p:ext uri="{BB962C8B-B14F-4D97-AF65-F5344CB8AC3E}">
+        <p14:creationId xmlns:p14="http://schemas.microsoft.com/office/powerpoint/2010/main" val="2797022824"/>
+      </p:ext>
+    </p:extLst>
+  </p:cSld>
+  <p:clrMapOvr>
+    <a:masterClrMapping/>
+  </p:clrMapOvr>
+</p:sld>
+</file>
+
+<file path=ppt/slides/slide6.xml><?xml version="1.0" encoding="utf-8"?>
+<p:sld xmlns:a="http://schemas.openxmlformats.org/drawingml/2006/main" xmlns:r="http://schemas.openxmlformats.org/officeDocument/2006/relationships" xmlns:p="http://schemas.openxmlformats.org/presentationml/2006/main">
+  <p:cSld>
+    <p:spTree>
+      <p:nvGrpSpPr>
+        <p:cNvPr id="1" name=""/>
+        <p:cNvGrpSpPr/>
+        <p:nvPr/>
+      </p:nvGrpSpPr>
+      <p:grpSpPr>
+        <a:xfrm>
+          <a:off x="0" y="0"/>
+          <a:ext cx="0" cy="0"/>
+          <a:chOff x="0" y="0"/>
+          <a:chExt cx="0" cy="0"/>
+        </a:xfrm>
+      </p:grpSpPr>
+      <p:sp>
+        <p:nvSpPr>
+          <p:cNvPr id="2" name="Title 1">
+            <a:extLst>
+              <a:ext uri="{FF2B5EF4-FFF2-40B4-BE49-F238E27FC236}">
                 <a16:creationId xmlns:a16="http://schemas.microsoft.com/office/drawing/2014/main" id="{90D33520-D9CB-8FE4-4393-640267EBB54B}"/>
               </a:ext>
             </a:extLst>
@@ -5697,23 +7704,6 @@
           </a:p>
           <a:p>
             <a:endParaRPr lang="en-GB" dirty="0"/>
-          </a:p>
-          <a:p>
-            <a:r>
-              <a:rPr lang="en-GB" dirty="0"/>
-              <a:t>ANS: </a:t>
-            </a:r>
-            <a:r>
-              <a:rPr lang="en-SE" b="1" i="0" dirty="0">
-                <a:solidFill>
-                  <a:srgbClr val="0A6129"/>
-                </a:solidFill>
-                <a:effectLst/>
-                <a:latin typeface="Lato Extended"/>
-              </a:rPr>
-              <a:t>3/7, 1/7, 3/7</a:t>
-            </a:r>
-            <a:endParaRPr lang="en-SE" dirty="0"/>
           </a:p>
         </p:txBody>
       </p:sp>
@@ -5747,361 +7737,51 @@
           </a:prstGeom>
         </p:spPr>
       </p:pic>
-      <p:pic>
-        <p:nvPicPr>
-          <p:cNvPr id="6" name="Picture 5">
+      <p:sp>
+        <p:nvSpPr>
+          <p:cNvPr id="4" name="Slide Number Placeholder 5">
             <a:extLst>
               <a:ext uri="{FF2B5EF4-FFF2-40B4-BE49-F238E27FC236}">
-                <a16:creationId xmlns:a16="http://schemas.microsoft.com/office/drawing/2014/main" id="{057C4319-8E57-EDCE-29E3-86C3D8B7CBCD}"/>
+                <a16:creationId xmlns:a16="http://schemas.microsoft.com/office/drawing/2014/main" id="{8E0AC07C-CB1E-107E-C3B5-7C4DE284BFCC}"/>
               </a:ext>
             </a:extLst>
           </p:cNvPr>
-          <p:cNvPicPr>
-            <a:picLocks noChangeAspect="1"/>
-          </p:cNvPicPr>
-          <p:nvPr/>
-        </p:nvPicPr>
-        <p:blipFill>
-          <a:blip r:embed="rId2"/>
-          <a:stretch>
-            <a:fillRect/>
-          </a:stretch>
-        </p:blipFill>
+          <p:cNvSpPr>
+            <a:spLocks noGrp="1"/>
+          </p:cNvSpPr>
+          <p:nvPr>
+            <p:ph type="sldNum" sz="quarter" idx="4"/>
+          </p:nvPr>
+        </p:nvSpPr>
         <p:spPr>
           <a:xfrm>
-            <a:off x="1817649" y="4997025"/>
-            <a:ext cx="5314138" cy="1182881"/>
+            <a:off x="8571344" y="6492875"/>
+            <a:ext cx="572655" cy="365125"/>
           </a:xfrm>
           <a:prstGeom prst="rect">
             <a:avLst/>
           </a:prstGeom>
         </p:spPr>
-      </p:pic>
-      <p:sp>
-        <p:nvSpPr>
-          <p:cNvPr id="11" name="Arrow: Curved Down 10">
-            <a:extLst>
-              <a:ext uri="{FF2B5EF4-FFF2-40B4-BE49-F238E27FC236}">
-                <a16:creationId xmlns:a16="http://schemas.microsoft.com/office/drawing/2014/main" id="{C5B45554-5A6A-0B1F-8183-F0F6DC2F06B6}"/>
-              </a:ext>
-            </a:extLst>
-          </p:cNvPr>
-          <p:cNvSpPr/>
-          <p:nvPr/>
-        </p:nvSpPr>
-        <p:spPr>
-          <a:xfrm>
-            <a:off x="1957620" y="4670719"/>
-            <a:ext cx="1103972" cy="458262"/>
-          </a:xfrm>
-          <a:prstGeom prst="curvedDownArrow">
-            <a:avLst/>
-          </a:prstGeom>
-        </p:spPr>
-        <p:style>
-          <a:lnRef idx="1">
-            <a:schemeClr val="accent1"/>
-          </a:lnRef>
-          <a:fillRef idx="3">
-            <a:schemeClr val="accent1"/>
-          </a:fillRef>
-          <a:effectRef idx="2">
-            <a:schemeClr val="accent1"/>
-          </a:effectRef>
-          <a:fontRef idx="minor">
-            <a:schemeClr val="lt1"/>
-          </a:fontRef>
-        </p:style>
-        <p:txBody>
-          <a:bodyPr rtlCol="0" anchor="ctr"/>
-          <a:lstStyle/>
-          <a:p>
-            <a:pPr algn="ctr"/>
-            <a:endParaRPr lang="en-SE">
-              <a:solidFill>
-                <a:schemeClr val="tx1"/>
-              </a:solidFill>
-            </a:endParaRPr>
-          </a:p>
-        </p:txBody>
-      </p:sp>
-      <p:sp>
-        <p:nvSpPr>
-          <p:cNvPr id="12" name="Arrow: Curved Down 11">
-            <a:extLst>
-              <a:ext uri="{FF2B5EF4-FFF2-40B4-BE49-F238E27FC236}">
-                <a16:creationId xmlns:a16="http://schemas.microsoft.com/office/drawing/2014/main" id="{7BBBBEA5-F6FE-F003-B337-27805A5BB677}"/>
-              </a:ext>
-            </a:extLst>
-          </p:cNvPr>
-          <p:cNvSpPr/>
-          <p:nvPr/>
-        </p:nvSpPr>
-        <p:spPr>
-          <a:xfrm flipH="1">
-            <a:off x="2883172" y="4488157"/>
-            <a:ext cx="3813716" cy="637687"/>
-          </a:xfrm>
-          <a:prstGeom prst="curvedDownArrow">
-            <a:avLst/>
-          </a:prstGeom>
-        </p:spPr>
-        <p:style>
-          <a:lnRef idx="1">
-            <a:schemeClr val="accent1"/>
-          </a:lnRef>
-          <a:fillRef idx="3">
-            <a:schemeClr val="accent1"/>
-          </a:fillRef>
-          <a:effectRef idx="2">
-            <a:schemeClr val="accent1"/>
-          </a:effectRef>
-          <a:fontRef idx="minor">
-            <a:schemeClr val="lt1"/>
-          </a:fontRef>
-        </p:style>
-        <p:txBody>
-          <a:bodyPr rtlCol="0" anchor="ctr"/>
-          <a:lstStyle/>
-          <a:p>
-            <a:pPr algn="ctr"/>
-            <a:endParaRPr lang="en-SE">
-              <a:solidFill>
-                <a:schemeClr val="tx1"/>
-              </a:solidFill>
-            </a:endParaRPr>
-          </a:p>
-        </p:txBody>
-      </p:sp>
-      <p:sp>
-        <p:nvSpPr>
-          <p:cNvPr id="14" name="TextBox 13">
-            <a:extLst>
-              <a:ext uri="{FF2B5EF4-FFF2-40B4-BE49-F238E27FC236}">
-                <a16:creationId xmlns:a16="http://schemas.microsoft.com/office/drawing/2014/main" id="{21D9C458-D233-C56F-5BC5-B323067A10D0}"/>
-              </a:ext>
-            </a:extLst>
-          </p:cNvPr>
-          <p:cNvSpPr txBox="1"/>
-          <p:nvPr/>
-        </p:nvSpPr>
-        <p:spPr>
-          <a:xfrm>
-            <a:off x="2615543" y="5177533"/>
-            <a:ext cx="892098" cy="461665"/>
-          </a:xfrm>
-          <a:prstGeom prst="rect">
-            <a:avLst/>
-          </a:prstGeom>
-          <a:noFill/>
-        </p:spPr>
-        <p:txBody>
-          <a:bodyPr wrap="square">
-            <a:spAutoFit/>
-          </a:bodyPr>
-          <a:lstStyle/>
-          <a:p>
-            <a:r>
-              <a:rPr lang="en-SE" sz="2400" b="1" i="0" dirty="0">
+        <p:txBody>
+          <a:bodyPr vert="horz" lIns="91440" tIns="45720" rIns="91440" bIns="45720" rtlCol="0" anchor="ctr"/>
+          <a:lstStyle>
+            <a:lvl1pPr algn="r">
+              <a:defRPr sz="1600">
                 <a:solidFill>
-                  <a:srgbClr val="0A6129"/>
+                  <a:schemeClr val="tx1">
+                    <a:tint val="75000"/>
+                  </a:schemeClr>
                 </a:solidFill>
-                <a:effectLst/>
-                <a:latin typeface="Lato Extended"/>
-              </a:rPr>
-              <a:t>3/7</a:t>
-            </a:r>
-            <a:endParaRPr lang="en-SE" sz="2400" dirty="0"/>
-          </a:p>
-        </p:txBody>
-      </p:sp>
-      <p:sp>
-        <p:nvSpPr>
-          <p:cNvPr id="15" name="TextBox 14">
-            <a:extLst>
-              <a:ext uri="{FF2B5EF4-FFF2-40B4-BE49-F238E27FC236}">
-                <a16:creationId xmlns:a16="http://schemas.microsoft.com/office/drawing/2014/main" id="{83033605-77F9-DC8D-DBEF-30A5E7A7819D}"/>
-              </a:ext>
-            </a:extLst>
-          </p:cNvPr>
-          <p:cNvSpPr txBox="1"/>
-          <p:nvPr/>
-        </p:nvSpPr>
-        <p:spPr>
-          <a:xfrm>
-            <a:off x="3413437" y="5177532"/>
-            <a:ext cx="892098" cy="461665"/>
-          </a:xfrm>
-          <a:prstGeom prst="rect">
-            <a:avLst/>
-          </a:prstGeom>
-          <a:noFill/>
-        </p:spPr>
-        <p:txBody>
-          <a:bodyPr wrap="square">
-            <a:spAutoFit/>
-          </a:bodyPr>
-          <a:lstStyle/>
-          <a:p>
-            <a:r>
-              <a:rPr lang="en-GB" sz="2400" b="1" i="0" dirty="0">
-                <a:solidFill>
-                  <a:srgbClr val="0A6129"/>
-                </a:solidFill>
-                <a:effectLst/>
-                <a:latin typeface="Lato Extended"/>
-              </a:rPr>
-              <a:t>1</a:t>
-            </a:r>
-            <a:r>
-              <a:rPr lang="en-SE" sz="2400" b="1" i="0" dirty="0">
-                <a:solidFill>
-                  <a:srgbClr val="0A6129"/>
-                </a:solidFill>
-                <a:effectLst/>
-                <a:latin typeface="Lato Extended"/>
-              </a:rPr>
-              <a:t>/7</a:t>
-            </a:r>
-            <a:endParaRPr lang="en-SE" sz="2400" dirty="0"/>
-          </a:p>
-        </p:txBody>
-      </p:sp>
-      <p:sp>
-        <p:nvSpPr>
-          <p:cNvPr id="16" name="Arrow: Curved Down 15">
-            <a:extLst>
-              <a:ext uri="{FF2B5EF4-FFF2-40B4-BE49-F238E27FC236}">
-                <a16:creationId xmlns:a16="http://schemas.microsoft.com/office/drawing/2014/main" id="{4FE14893-A775-C857-1A0C-6F564E824F80}"/>
-              </a:ext>
-            </a:extLst>
-          </p:cNvPr>
-          <p:cNvSpPr/>
-          <p:nvPr/>
-        </p:nvSpPr>
-        <p:spPr>
-          <a:xfrm>
-            <a:off x="4474717" y="4528300"/>
-            <a:ext cx="1497341" cy="458262"/>
-          </a:xfrm>
-          <a:prstGeom prst="curvedDownArrow">
-            <a:avLst/>
-          </a:prstGeom>
-        </p:spPr>
-        <p:style>
-          <a:lnRef idx="1">
-            <a:schemeClr val="accent1"/>
-          </a:lnRef>
-          <a:fillRef idx="3">
-            <a:schemeClr val="accent1"/>
-          </a:fillRef>
-          <a:effectRef idx="2">
-            <a:schemeClr val="accent1"/>
-          </a:effectRef>
-          <a:fontRef idx="minor">
-            <a:schemeClr val="lt1"/>
-          </a:fontRef>
-        </p:style>
-        <p:txBody>
-          <a:bodyPr rtlCol="0" anchor="ctr"/>
-          <a:lstStyle/>
-          <a:p>
-            <a:pPr algn="ctr"/>
-            <a:endParaRPr lang="en-SE">
-              <a:solidFill>
-                <a:schemeClr val="tx1"/>
-              </a:solidFill>
-            </a:endParaRPr>
-          </a:p>
-        </p:txBody>
-      </p:sp>
-      <p:sp>
-        <p:nvSpPr>
-          <p:cNvPr id="17" name="Arrow: Curved Down 16">
-            <a:extLst>
-              <a:ext uri="{FF2B5EF4-FFF2-40B4-BE49-F238E27FC236}">
-                <a16:creationId xmlns:a16="http://schemas.microsoft.com/office/drawing/2014/main" id="{0C1891DF-C297-02E2-EAC2-59B72673A696}"/>
-              </a:ext>
-            </a:extLst>
-          </p:cNvPr>
-          <p:cNvSpPr/>
-          <p:nvPr/>
-        </p:nvSpPr>
-        <p:spPr>
-          <a:xfrm>
-            <a:off x="5103225" y="4619581"/>
-            <a:ext cx="868833" cy="458262"/>
-          </a:xfrm>
-          <a:prstGeom prst="curvedDownArrow">
-            <a:avLst/>
-          </a:prstGeom>
-        </p:spPr>
-        <p:style>
-          <a:lnRef idx="1">
-            <a:schemeClr val="accent1"/>
-          </a:lnRef>
-          <a:fillRef idx="3">
-            <a:schemeClr val="accent1"/>
-          </a:fillRef>
-          <a:effectRef idx="2">
-            <a:schemeClr val="accent1"/>
-          </a:effectRef>
-          <a:fontRef idx="minor">
-            <a:schemeClr val="lt1"/>
-          </a:fontRef>
-        </p:style>
-        <p:txBody>
-          <a:bodyPr rtlCol="0" anchor="ctr"/>
-          <a:lstStyle/>
-          <a:p>
-            <a:pPr algn="ctr"/>
-            <a:endParaRPr lang="en-SE">
-              <a:solidFill>
-                <a:schemeClr val="tx1"/>
-              </a:solidFill>
-            </a:endParaRPr>
-          </a:p>
-        </p:txBody>
-      </p:sp>
-      <p:sp>
-        <p:nvSpPr>
-          <p:cNvPr id="18" name="TextBox 17">
-            <a:extLst>
-              <a:ext uri="{FF2B5EF4-FFF2-40B4-BE49-F238E27FC236}">
-                <a16:creationId xmlns:a16="http://schemas.microsoft.com/office/drawing/2014/main" id="{24354CC8-5728-4831-850E-34B2575CF3A1}"/>
-              </a:ext>
-            </a:extLst>
-          </p:cNvPr>
-          <p:cNvSpPr txBox="1"/>
-          <p:nvPr/>
-        </p:nvSpPr>
-        <p:spPr>
-          <a:xfrm>
-            <a:off x="5682128" y="5177533"/>
-            <a:ext cx="892098" cy="461665"/>
-          </a:xfrm>
-          <a:prstGeom prst="rect">
-            <a:avLst/>
-          </a:prstGeom>
-          <a:noFill/>
-        </p:spPr>
-        <p:txBody>
-          <a:bodyPr wrap="square">
-            <a:spAutoFit/>
-          </a:bodyPr>
-          <a:lstStyle/>
-          <a:p>
-            <a:r>
-              <a:rPr lang="en-SE" sz="2400" b="1" i="0" dirty="0">
-                <a:solidFill>
-                  <a:srgbClr val="0A6129"/>
-                </a:solidFill>
-                <a:effectLst/>
-                <a:latin typeface="Lato Extended"/>
-              </a:rPr>
-              <a:t>3/7</a:t>
-            </a:r>
-            <a:endParaRPr lang="en-SE" sz="2400" dirty="0"/>
+              </a:defRPr>
+            </a:lvl1pPr>
+          </a:lstStyle>
+          <a:p>
+            <a:fld id="{325BE2B7-23DB-644D-89A2-CA3C2E8FEF83}" type="slidenum">
+              <a:rPr lang="en-US" smtClean="0"/>
+              <a:pPr/>
+              <a:t>6</a:t>
+            </a:fld>
+            <a:endParaRPr lang="en-US"/>
           </a:p>
         </p:txBody>
       </p:sp>
@@ -6118,7 +7798,7 @@
 </p:sld>
 </file>
 
-<file path=ppt/slides/slide6.xml><?xml version="1.0" encoding="utf-8"?>
+<file path=ppt/slides/slide7.xml><?xml version="1.0" encoding="utf-8"?>
 <p:sld xmlns:a="http://schemas.openxmlformats.org/drawingml/2006/main" xmlns:r="http://schemas.openxmlformats.org/officeDocument/2006/relationships" xmlns:p="http://schemas.openxmlformats.org/presentationml/2006/main">
   <p:cSld>
     <p:spTree>
@@ -6158,7 +7838,11 @@
           <a:p>
             <a:r>
               <a:rPr lang="en-GB" dirty="0"/>
-              <a:t>Question 38 Explanations</a:t>
+              <a:t>Question 38 </a:t>
+            </a:r>
+            <a:r>
+              <a:rPr lang="en-US" altLang="zh-CN" dirty="0"/>
+              <a:t>ANS</a:t>
             </a:r>
             <a:endParaRPr lang="en-SE" dirty="0"/>
           </a:p>
@@ -6187,8 +7871,27 @@
           </a:xfrm>
         </p:spPr>
         <p:txBody>
-          <a:bodyPr/>
+          <a:bodyPr>
+            <a:normAutofit/>
+          </a:bodyPr>
           <a:lstStyle/>
+          <a:p>
+            <a:r>
+              <a:rPr lang="en-GB" dirty="0"/>
+              <a:t>ANS: </a:t>
+            </a:r>
+            <a:r>
+              <a:rPr lang="en-SE" b="1" i="0" dirty="0">
+                <a:solidFill>
+                  <a:srgbClr val="0A6129"/>
+                </a:solidFill>
+                <a:effectLst/>
+                <a:latin typeface="Lato Extended"/>
+              </a:rPr>
+              <a:t>3/7, 1/7, 3/7</a:t>
+            </a:r>
+            <a:endParaRPr lang="en-SE" dirty="0"/>
+          </a:p>
           <a:p>
             <a:r>
               <a:rPr lang="en-GB" dirty="0"/>
@@ -6568,6 +8271,54 @@
           </a:p>
         </p:txBody>
       </p:sp>
+      <p:sp>
+        <p:nvSpPr>
+          <p:cNvPr id="20" name="Slide Number Placeholder 5">
+            <a:extLst>
+              <a:ext uri="{FF2B5EF4-FFF2-40B4-BE49-F238E27FC236}">
+                <a16:creationId xmlns:a16="http://schemas.microsoft.com/office/drawing/2014/main" id="{E76997A6-FC55-3138-128E-E4900158B261}"/>
+              </a:ext>
+            </a:extLst>
+          </p:cNvPr>
+          <p:cNvSpPr>
+            <a:spLocks noGrp="1"/>
+          </p:cNvSpPr>
+          <p:nvPr>
+            <p:ph type="sldNum" sz="quarter" idx="4"/>
+          </p:nvPr>
+        </p:nvSpPr>
+        <p:spPr>
+          <a:xfrm>
+            <a:off x="8571344" y="6492875"/>
+            <a:ext cx="572655" cy="365125"/>
+          </a:xfrm>
+          <a:prstGeom prst="rect">
+            <a:avLst/>
+          </a:prstGeom>
+        </p:spPr>
+        <p:txBody>
+          <a:bodyPr vert="horz" lIns="91440" tIns="45720" rIns="91440" bIns="45720" rtlCol="0" anchor="ctr"/>
+          <a:lstStyle>
+            <a:lvl1pPr algn="r">
+              <a:defRPr sz="1600">
+                <a:solidFill>
+                  <a:schemeClr val="tx1">
+                    <a:tint val="75000"/>
+                  </a:schemeClr>
+                </a:solidFill>
+              </a:defRPr>
+            </a:lvl1pPr>
+          </a:lstStyle>
+          <a:p>
+            <a:fld id="{325BE2B7-23DB-644D-89A2-CA3C2E8FEF83}" type="slidenum">
+              <a:rPr lang="en-US" smtClean="0"/>
+              <a:pPr/>
+              <a:t>7</a:t>
+            </a:fld>
+            <a:endParaRPr lang="en-US"/>
+          </a:p>
+        </p:txBody>
+      </p:sp>
     </p:spTree>
     <p:extLst>
       <p:ext uri="{BB962C8B-B14F-4D97-AF65-F5344CB8AC3E}">
@@ -6581,7 +8332,7 @@
 </p:sld>
 </file>
 
-<file path=ppt/slides/slide7.xml><?xml version="1.0" encoding="utf-8"?>
+<file path=ppt/slides/slide8.xml><?xml version="1.0" encoding="utf-8"?>
 <p:sld xmlns:a="http://schemas.openxmlformats.org/drawingml/2006/main" xmlns:r="http://schemas.openxmlformats.org/officeDocument/2006/relationships" xmlns:p="http://schemas.openxmlformats.org/presentationml/2006/main">
   <p:cSld>
     <p:spTree>
@@ -6643,7 +8394,12 @@
             <p:ph idx="1"/>
           </p:nvPr>
         </p:nvSpPr>
-        <p:spPr/>
+        <p:spPr>
+          <a:xfrm>
+            <a:off x="190982" y="1591519"/>
+            <a:ext cx="8229600" cy="4525963"/>
+          </a:xfrm>
+        </p:spPr>
         <p:txBody>
           <a:bodyPr>
             <a:normAutofit lnSpcReduction="10000"/>
@@ -6821,6 +8577,1058 @@
               <a:latin typeface="Times New Roman" panose="02020603050405020304" pitchFamily="18" charset="0"/>
               <a:cs typeface="Times New Roman" panose="02020603050405020304" pitchFamily="18" charset="0"/>
             </a:endParaRPr>
+          </a:p>
+        </p:txBody>
+      </p:sp>
+      <p:graphicFrame>
+        <p:nvGraphicFramePr>
+          <p:cNvPr id="5" name="Content Placeholder 5">
+            <a:extLst>
+              <a:ext uri="{FF2B5EF4-FFF2-40B4-BE49-F238E27FC236}">
+                <a16:creationId xmlns:a16="http://schemas.microsoft.com/office/drawing/2014/main" id="{895F4E57-6661-8899-E379-6011C7AB7FFB}"/>
+              </a:ext>
+            </a:extLst>
+          </p:cNvPr>
+          <p:cNvGraphicFramePr>
+            <a:graphicFrameLocks/>
+          </p:cNvGraphicFramePr>
+          <p:nvPr>
+            <p:extLst>
+              <p:ext uri="{D42A27DB-BD31-4B8C-83A1-F6EECF244321}">
+                <p14:modId xmlns:p14="http://schemas.microsoft.com/office/powerpoint/2010/main" val="2940967769"/>
+              </p:ext>
+            </p:extLst>
+          </p:nvPr>
+        </p:nvGraphicFramePr>
+        <p:xfrm>
+          <a:off x="6349397" y="2793039"/>
+          <a:ext cx="2453150" cy="792480"/>
+        </p:xfrm>
+        <a:graphic>
+          <a:graphicData uri="http://schemas.openxmlformats.org/drawingml/2006/table">
+            <a:tbl>
+              <a:tblPr firstRow="1" bandRow="1">
+                <a:tableStyleId>{5C22544A-7EE6-4342-B048-85BDC9FD1C3A}</a:tableStyleId>
+              </a:tblPr>
+              <a:tblGrid>
+                <a:gridCol w="490630">
+                  <a:extLst>
+                    <a:ext uri="{9D8B030D-6E8A-4147-A177-3AD203B41FA5}">
+                      <a16:colId xmlns:a16="http://schemas.microsoft.com/office/drawing/2014/main" val="700735995"/>
+                    </a:ext>
+                  </a:extLst>
+                </a:gridCol>
+                <a:gridCol w="490630">
+                  <a:extLst>
+                    <a:ext uri="{9D8B030D-6E8A-4147-A177-3AD203B41FA5}">
+                      <a16:colId xmlns:a16="http://schemas.microsoft.com/office/drawing/2014/main" val="1908259962"/>
+                    </a:ext>
+                  </a:extLst>
+                </a:gridCol>
+                <a:gridCol w="490630">
+                  <a:extLst>
+                    <a:ext uri="{9D8B030D-6E8A-4147-A177-3AD203B41FA5}">
+                      <a16:colId xmlns:a16="http://schemas.microsoft.com/office/drawing/2014/main" val="3442639361"/>
+                    </a:ext>
+                  </a:extLst>
+                </a:gridCol>
+                <a:gridCol w="490630">
+                  <a:extLst>
+                    <a:ext uri="{9D8B030D-6E8A-4147-A177-3AD203B41FA5}">
+                      <a16:colId xmlns:a16="http://schemas.microsoft.com/office/drawing/2014/main" val="1775871323"/>
+                    </a:ext>
+                  </a:extLst>
+                </a:gridCol>
+                <a:gridCol w="490630">
+                  <a:extLst>
+                    <a:ext uri="{9D8B030D-6E8A-4147-A177-3AD203B41FA5}">
+                      <a16:colId xmlns:a16="http://schemas.microsoft.com/office/drawing/2014/main" val="750707541"/>
+                    </a:ext>
+                  </a:extLst>
+                </a:gridCol>
+              </a:tblGrid>
+              <a:tr h="370840">
+                <a:tc>
+                  <a:txBody>
+                    <a:bodyPr/>
+                    <a:lstStyle/>
+                    <a:p>
+                      <a:pPr algn="ctr"/>
+                      <a:r>
+                        <a:rPr lang="en-GB" sz="2000" dirty="0"/>
+                        <a:t>0</a:t>
+                      </a:r>
+                      <a:endParaRPr lang="en-SE" sz="2000" dirty="0"/>
+                    </a:p>
+                  </a:txBody>
+                  <a:tcPr/>
+                </a:tc>
+                <a:tc>
+                  <a:txBody>
+                    <a:bodyPr/>
+                    <a:lstStyle/>
+                    <a:p>
+                      <a:pPr algn="ctr"/>
+                      <a:r>
+                        <a:rPr lang="en-GB" sz="2000" dirty="0"/>
+                        <a:t>1</a:t>
+                      </a:r>
+                      <a:endParaRPr lang="en-SE" sz="2000" dirty="0"/>
+                    </a:p>
+                  </a:txBody>
+                  <a:tcPr/>
+                </a:tc>
+                <a:tc>
+                  <a:txBody>
+                    <a:bodyPr/>
+                    <a:lstStyle/>
+                    <a:p>
+                      <a:pPr algn="ctr"/>
+                      <a:r>
+                        <a:rPr lang="en-GB" sz="2000" dirty="0"/>
+                        <a:t>2</a:t>
+                      </a:r>
+                      <a:endParaRPr lang="en-SE" sz="2000" dirty="0"/>
+                    </a:p>
+                  </a:txBody>
+                  <a:tcPr/>
+                </a:tc>
+                <a:tc>
+                  <a:txBody>
+                    <a:bodyPr/>
+                    <a:lstStyle/>
+                    <a:p>
+                      <a:pPr algn="ctr"/>
+                      <a:r>
+                        <a:rPr lang="en-GB" sz="2000" dirty="0"/>
+                        <a:t>3</a:t>
+                      </a:r>
+                      <a:endParaRPr lang="en-SE" sz="2000" dirty="0"/>
+                    </a:p>
+                  </a:txBody>
+                  <a:tcPr/>
+                </a:tc>
+                <a:tc>
+                  <a:txBody>
+                    <a:bodyPr/>
+                    <a:lstStyle/>
+                    <a:p>
+                      <a:pPr algn="ctr"/>
+                      <a:r>
+                        <a:rPr lang="en-GB" sz="2000" dirty="0"/>
+                        <a:t>4</a:t>
+                      </a:r>
+                      <a:endParaRPr lang="en-SE" sz="2000" dirty="0"/>
+                    </a:p>
+                  </a:txBody>
+                  <a:tcPr/>
+                </a:tc>
+                <a:extLst>
+                  <a:ext uri="{0D108BD9-81ED-4DB2-BD59-A6C34878D82A}">
+                    <a16:rowId xmlns:a16="http://schemas.microsoft.com/office/drawing/2014/main" val="682864112"/>
+                  </a:ext>
+                </a:extLst>
+              </a:tr>
+              <a:tr h="370840">
+                <a:tc>
+                  <a:txBody>
+                    <a:bodyPr/>
+                    <a:lstStyle/>
+                    <a:p>
+                      <a:pPr algn="ctr"/>
+                      <a:endParaRPr lang="en-SE" sz="2000" dirty="0"/>
+                    </a:p>
+                  </a:txBody>
+                  <a:tcPr/>
+                </a:tc>
+                <a:tc>
+                  <a:txBody>
+                    <a:bodyPr/>
+                    <a:lstStyle/>
+                    <a:p>
+                      <a:pPr algn="ctr"/>
+                      <a:endParaRPr lang="en-SE" sz="2000" dirty="0"/>
+                    </a:p>
+                  </a:txBody>
+                  <a:tcPr/>
+                </a:tc>
+                <a:tc>
+                  <a:txBody>
+                    <a:bodyPr/>
+                    <a:lstStyle/>
+                    <a:p>
+                      <a:pPr algn="ctr"/>
+                      <a:endParaRPr lang="en-SE" sz="2000" dirty="0"/>
+                    </a:p>
+                  </a:txBody>
+                  <a:tcPr/>
+                </a:tc>
+                <a:tc>
+                  <a:txBody>
+                    <a:bodyPr/>
+                    <a:lstStyle/>
+                    <a:p>
+                      <a:pPr algn="ctr"/>
+                      <a:endParaRPr lang="en-SE" sz="2000" dirty="0"/>
+                    </a:p>
+                  </a:txBody>
+                  <a:tcPr/>
+                </a:tc>
+                <a:tc>
+                  <a:txBody>
+                    <a:bodyPr/>
+                    <a:lstStyle/>
+                    <a:p>
+                      <a:pPr algn="ctr"/>
+                      <a:endParaRPr lang="en-SE" sz="2000" dirty="0"/>
+                    </a:p>
+                  </a:txBody>
+                  <a:tcPr/>
+                </a:tc>
+                <a:extLst>
+                  <a:ext uri="{0D108BD9-81ED-4DB2-BD59-A6C34878D82A}">
+                    <a16:rowId xmlns:a16="http://schemas.microsoft.com/office/drawing/2014/main" val="2261139520"/>
+                  </a:ext>
+                </a:extLst>
+              </a:tr>
+            </a:tbl>
+          </a:graphicData>
+        </a:graphic>
+      </p:graphicFrame>
+      <p:graphicFrame>
+        <p:nvGraphicFramePr>
+          <p:cNvPr id="6" name="Content Placeholder 5">
+            <a:extLst>
+              <a:ext uri="{FF2B5EF4-FFF2-40B4-BE49-F238E27FC236}">
+                <a16:creationId xmlns:a16="http://schemas.microsoft.com/office/drawing/2014/main" id="{C32DFF14-41FD-0A74-B816-4F0795E3E8FF}"/>
+              </a:ext>
+            </a:extLst>
+          </p:cNvPr>
+          <p:cNvGraphicFramePr>
+            <a:graphicFrameLocks/>
+          </p:cNvGraphicFramePr>
+          <p:nvPr>
+            <p:extLst>
+              <p:ext uri="{D42A27DB-BD31-4B8C-83A1-F6EECF244321}">
+                <p14:modId xmlns:p14="http://schemas.microsoft.com/office/powerpoint/2010/main" val="1200862311"/>
+              </p:ext>
+            </p:extLst>
+          </p:nvPr>
+        </p:nvGraphicFramePr>
+        <p:xfrm>
+          <a:off x="6349397" y="3736897"/>
+          <a:ext cx="2453150" cy="792480"/>
+        </p:xfrm>
+        <a:graphic>
+          <a:graphicData uri="http://schemas.openxmlformats.org/drawingml/2006/table">
+            <a:tbl>
+              <a:tblPr firstRow="1" bandRow="1">
+                <a:tableStyleId>{5C22544A-7EE6-4342-B048-85BDC9FD1C3A}</a:tableStyleId>
+              </a:tblPr>
+              <a:tblGrid>
+                <a:gridCol w="490630">
+                  <a:extLst>
+                    <a:ext uri="{9D8B030D-6E8A-4147-A177-3AD203B41FA5}">
+                      <a16:colId xmlns:a16="http://schemas.microsoft.com/office/drawing/2014/main" val="700735995"/>
+                    </a:ext>
+                  </a:extLst>
+                </a:gridCol>
+                <a:gridCol w="490630">
+                  <a:extLst>
+                    <a:ext uri="{9D8B030D-6E8A-4147-A177-3AD203B41FA5}">
+                      <a16:colId xmlns:a16="http://schemas.microsoft.com/office/drawing/2014/main" val="1908259962"/>
+                    </a:ext>
+                  </a:extLst>
+                </a:gridCol>
+                <a:gridCol w="490630">
+                  <a:extLst>
+                    <a:ext uri="{9D8B030D-6E8A-4147-A177-3AD203B41FA5}">
+                      <a16:colId xmlns:a16="http://schemas.microsoft.com/office/drawing/2014/main" val="3442639361"/>
+                    </a:ext>
+                  </a:extLst>
+                </a:gridCol>
+                <a:gridCol w="490630">
+                  <a:extLst>
+                    <a:ext uri="{9D8B030D-6E8A-4147-A177-3AD203B41FA5}">
+                      <a16:colId xmlns:a16="http://schemas.microsoft.com/office/drawing/2014/main" val="1775871323"/>
+                    </a:ext>
+                  </a:extLst>
+                </a:gridCol>
+                <a:gridCol w="490630">
+                  <a:extLst>
+                    <a:ext uri="{9D8B030D-6E8A-4147-A177-3AD203B41FA5}">
+                      <a16:colId xmlns:a16="http://schemas.microsoft.com/office/drawing/2014/main" val="750707541"/>
+                    </a:ext>
+                  </a:extLst>
+                </a:gridCol>
+              </a:tblGrid>
+              <a:tr h="370840">
+                <a:tc>
+                  <a:txBody>
+                    <a:bodyPr/>
+                    <a:lstStyle/>
+                    <a:p>
+                      <a:pPr algn="ctr"/>
+                      <a:r>
+                        <a:rPr lang="en-GB" sz="2000" dirty="0"/>
+                        <a:t>0</a:t>
+                      </a:r>
+                      <a:endParaRPr lang="en-SE" sz="2000" dirty="0"/>
+                    </a:p>
+                  </a:txBody>
+                  <a:tcPr/>
+                </a:tc>
+                <a:tc>
+                  <a:txBody>
+                    <a:bodyPr/>
+                    <a:lstStyle/>
+                    <a:p>
+                      <a:pPr algn="ctr"/>
+                      <a:r>
+                        <a:rPr lang="en-GB" sz="2000" dirty="0"/>
+                        <a:t>1</a:t>
+                      </a:r>
+                      <a:endParaRPr lang="en-SE" sz="2000" dirty="0"/>
+                    </a:p>
+                  </a:txBody>
+                  <a:tcPr/>
+                </a:tc>
+                <a:tc>
+                  <a:txBody>
+                    <a:bodyPr/>
+                    <a:lstStyle/>
+                    <a:p>
+                      <a:pPr algn="ctr"/>
+                      <a:r>
+                        <a:rPr lang="en-GB" sz="2000" dirty="0"/>
+                        <a:t>2</a:t>
+                      </a:r>
+                      <a:endParaRPr lang="en-SE" sz="2000" dirty="0"/>
+                    </a:p>
+                  </a:txBody>
+                  <a:tcPr/>
+                </a:tc>
+                <a:tc>
+                  <a:txBody>
+                    <a:bodyPr/>
+                    <a:lstStyle/>
+                    <a:p>
+                      <a:pPr algn="ctr"/>
+                      <a:r>
+                        <a:rPr lang="en-GB" sz="2000" dirty="0"/>
+                        <a:t>3</a:t>
+                      </a:r>
+                      <a:endParaRPr lang="en-SE" sz="2000" dirty="0"/>
+                    </a:p>
+                  </a:txBody>
+                  <a:tcPr/>
+                </a:tc>
+                <a:tc>
+                  <a:txBody>
+                    <a:bodyPr/>
+                    <a:lstStyle/>
+                    <a:p>
+                      <a:pPr algn="ctr"/>
+                      <a:r>
+                        <a:rPr lang="en-GB" sz="2000" dirty="0"/>
+                        <a:t>4</a:t>
+                      </a:r>
+                      <a:endParaRPr lang="en-SE" sz="2000" dirty="0"/>
+                    </a:p>
+                  </a:txBody>
+                  <a:tcPr/>
+                </a:tc>
+                <a:extLst>
+                  <a:ext uri="{0D108BD9-81ED-4DB2-BD59-A6C34878D82A}">
+                    <a16:rowId xmlns:a16="http://schemas.microsoft.com/office/drawing/2014/main" val="682864112"/>
+                  </a:ext>
+                </a:extLst>
+              </a:tr>
+              <a:tr h="370840">
+                <a:tc>
+                  <a:txBody>
+                    <a:bodyPr/>
+                    <a:lstStyle/>
+                    <a:p>
+                      <a:pPr algn="ctr"/>
+                      <a:endParaRPr lang="en-SE" sz="2000" dirty="0"/>
+                    </a:p>
+                  </a:txBody>
+                  <a:tcPr/>
+                </a:tc>
+                <a:tc>
+                  <a:txBody>
+                    <a:bodyPr/>
+                    <a:lstStyle/>
+                    <a:p>
+                      <a:pPr algn="ctr"/>
+                      <a:endParaRPr lang="en-SE" sz="2000" dirty="0"/>
+                    </a:p>
+                  </a:txBody>
+                  <a:tcPr/>
+                </a:tc>
+                <a:tc>
+                  <a:txBody>
+                    <a:bodyPr/>
+                    <a:lstStyle/>
+                    <a:p>
+                      <a:pPr algn="ctr"/>
+                      <a:endParaRPr lang="en-SE" sz="2000" dirty="0"/>
+                    </a:p>
+                  </a:txBody>
+                  <a:tcPr/>
+                </a:tc>
+                <a:tc>
+                  <a:txBody>
+                    <a:bodyPr/>
+                    <a:lstStyle/>
+                    <a:p>
+                      <a:pPr algn="ctr"/>
+                      <a:endParaRPr lang="en-SE" sz="2000" dirty="0"/>
+                    </a:p>
+                  </a:txBody>
+                  <a:tcPr/>
+                </a:tc>
+                <a:tc>
+                  <a:txBody>
+                    <a:bodyPr/>
+                    <a:lstStyle/>
+                    <a:p>
+                      <a:pPr algn="ctr"/>
+                      <a:endParaRPr lang="en-SE" sz="2000" dirty="0"/>
+                    </a:p>
+                  </a:txBody>
+                  <a:tcPr/>
+                </a:tc>
+                <a:extLst>
+                  <a:ext uri="{0D108BD9-81ED-4DB2-BD59-A6C34878D82A}">
+                    <a16:rowId xmlns:a16="http://schemas.microsoft.com/office/drawing/2014/main" val="2261139520"/>
+                  </a:ext>
+                </a:extLst>
+              </a:tr>
+            </a:tbl>
+          </a:graphicData>
+        </a:graphic>
+      </p:graphicFrame>
+      <p:graphicFrame>
+        <p:nvGraphicFramePr>
+          <p:cNvPr id="7" name="Content Placeholder 5">
+            <a:extLst>
+              <a:ext uri="{FF2B5EF4-FFF2-40B4-BE49-F238E27FC236}">
+                <a16:creationId xmlns:a16="http://schemas.microsoft.com/office/drawing/2014/main" id="{693E7A8E-2B9D-61D2-BC6F-83F18E454008}"/>
+              </a:ext>
+            </a:extLst>
+          </p:cNvPr>
+          <p:cNvGraphicFramePr>
+            <a:graphicFrameLocks/>
+          </p:cNvGraphicFramePr>
+          <p:nvPr>
+            <p:extLst>
+              <p:ext uri="{D42A27DB-BD31-4B8C-83A1-F6EECF244321}">
+                <p14:modId xmlns:p14="http://schemas.microsoft.com/office/powerpoint/2010/main" val="3616466231"/>
+              </p:ext>
+            </p:extLst>
+          </p:nvPr>
+        </p:nvGraphicFramePr>
+        <p:xfrm>
+          <a:off x="6349397" y="4718248"/>
+          <a:ext cx="2453150" cy="792480"/>
+        </p:xfrm>
+        <a:graphic>
+          <a:graphicData uri="http://schemas.openxmlformats.org/drawingml/2006/table">
+            <a:tbl>
+              <a:tblPr firstRow="1" bandRow="1">
+                <a:tableStyleId>{5C22544A-7EE6-4342-B048-85BDC9FD1C3A}</a:tableStyleId>
+              </a:tblPr>
+              <a:tblGrid>
+                <a:gridCol w="490630">
+                  <a:extLst>
+                    <a:ext uri="{9D8B030D-6E8A-4147-A177-3AD203B41FA5}">
+                      <a16:colId xmlns:a16="http://schemas.microsoft.com/office/drawing/2014/main" val="700735995"/>
+                    </a:ext>
+                  </a:extLst>
+                </a:gridCol>
+                <a:gridCol w="490630">
+                  <a:extLst>
+                    <a:ext uri="{9D8B030D-6E8A-4147-A177-3AD203B41FA5}">
+                      <a16:colId xmlns:a16="http://schemas.microsoft.com/office/drawing/2014/main" val="1908259962"/>
+                    </a:ext>
+                  </a:extLst>
+                </a:gridCol>
+                <a:gridCol w="490630">
+                  <a:extLst>
+                    <a:ext uri="{9D8B030D-6E8A-4147-A177-3AD203B41FA5}">
+                      <a16:colId xmlns:a16="http://schemas.microsoft.com/office/drawing/2014/main" val="3442639361"/>
+                    </a:ext>
+                  </a:extLst>
+                </a:gridCol>
+                <a:gridCol w="490630">
+                  <a:extLst>
+                    <a:ext uri="{9D8B030D-6E8A-4147-A177-3AD203B41FA5}">
+                      <a16:colId xmlns:a16="http://schemas.microsoft.com/office/drawing/2014/main" val="1775871323"/>
+                    </a:ext>
+                  </a:extLst>
+                </a:gridCol>
+                <a:gridCol w="490630">
+                  <a:extLst>
+                    <a:ext uri="{9D8B030D-6E8A-4147-A177-3AD203B41FA5}">
+                      <a16:colId xmlns:a16="http://schemas.microsoft.com/office/drawing/2014/main" val="750707541"/>
+                    </a:ext>
+                  </a:extLst>
+                </a:gridCol>
+              </a:tblGrid>
+              <a:tr h="370840">
+                <a:tc>
+                  <a:txBody>
+                    <a:bodyPr/>
+                    <a:lstStyle/>
+                    <a:p>
+                      <a:pPr algn="ctr"/>
+                      <a:r>
+                        <a:rPr lang="en-GB" sz="2000" dirty="0"/>
+                        <a:t>0</a:t>
+                      </a:r>
+                      <a:endParaRPr lang="en-SE" sz="2000" dirty="0"/>
+                    </a:p>
+                  </a:txBody>
+                  <a:tcPr/>
+                </a:tc>
+                <a:tc>
+                  <a:txBody>
+                    <a:bodyPr/>
+                    <a:lstStyle/>
+                    <a:p>
+                      <a:pPr algn="ctr"/>
+                      <a:r>
+                        <a:rPr lang="en-GB" sz="2000" dirty="0"/>
+                        <a:t>1</a:t>
+                      </a:r>
+                      <a:endParaRPr lang="en-SE" sz="2000" dirty="0"/>
+                    </a:p>
+                  </a:txBody>
+                  <a:tcPr/>
+                </a:tc>
+                <a:tc>
+                  <a:txBody>
+                    <a:bodyPr/>
+                    <a:lstStyle/>
+                    <a:p>
+                      <a:pPr algn="ctr"/>
+                      <a:r>
+                        <a:rPr lang="en-GB" sz="2000" dirty="0"/>
+                        <a:t>2</a:t>
+                      </a:r>
+                      <a:endParaRPr lang="en-SE" sz="2000" dirty="0"/>
+                    </a:p>
+                  </a:txBody>
+                  <a:tcPr/>
+                </a:tc>
+                <a:tc>
+                  <a:txBody>
+                    <a:bodyPr/>
+                    <a:lstStyle/>
+                    <a:p>
+                      <a:pPr algn="ctr"/>
+                      <a:r>
+                        <a:rPr lang="en-GB" sz="2000" dirty="0"/>
+                        <a:t>3</a:t>
+                      </a:r>
+                      <a:endParaRPr lang="en-SE" sz="2000" dirty="0"/>
+                    </a:p>
+                  </a:txBody>
+                  <a:tcPr/>
+                </a:tc>
+                <a:tc>
+                  <a:txBody>
+                    <a:bodyPr/>
+                    <a:lstStyle/>
+                    <a:p>
+                      <a:pPr algn="ctr"/>
+                      <a:r>
+                        <a:rPr lang="en-GB" sz="2000" dirty="0"/>
+                        <a:t>4</a:t>
+                      </a:r>
+                      <a:endParaRPr lang="en-SE" sz="2000" dirty="0"/>
+                    </a:p>
+                  </a:txBody>
+                  <a:tcPr/>
+                </a:tc>
+                <a:extLst>
+                  <a:ext uri="{0D108BD9-81ED-4DB2-BD59-A6C34878D82A}">
+                    <a16:rowId xmlns:a16="http://schemas.microsoft.com/office/drawing/2014/main" val="682864112"/>
+                  </a:ext>
+                </a:extLst>
+              </a:tr>
+              <a:tr h="370840">
+                <a:tc>
+                  <a:txBody>
+                    <a:bodyPr/>
+                    <a:lstStyle/>
+                    <a:p>
+                      <a:pPr algn="ctr"/>
+                      <a:endParaRPr lang="en-SE" sz="2000" dirty="0"/>
+                    </a:p>
+                  </a:txBody>
+                  <a:tcPr/>
+                </a:tc>
+                <a:tc>
+                  <a:txBody>
+                    <a:bodyPr/>
+                    <a:lstStyle/>
+                    <a:p>
+                      <a:pPr algn="ctr"/>
+                      <a:endParaRPr lang="en-SE" sz="2000" dirty="0"/>
+                    </a:p>
+                  </a:txBody>
+                  <a:tcPr/>
+                </a:tc>
+                <a:tc>
+                  <a:txBody>
+                    <a:bodyPr/>
+                    <a:lstStyle/>
+                    <a:p>
+                      <a:pPr algn="ctr"/>
+                      <a:endParaRPr lang="en-SE" sz="2000" dirty="0"/>
+                    </a:p>
+                  </a:txBody>
+                  <a:tcPr/>
+                </a:tc>
+                <a:tc>
+                  <a:txBody>
+                    <a:bodyPr/>
+                    <a:lstStyle/>
+                    <a:p>
+                      <a:pPr algn="ctr"/>
+                      <a:endParaRPr lang="en-SE" sz="2000" dirty="0"/>
+                    </a:p>
+                  </a:txBody>
+                  <a:tcPr/>
+                </a:tc>
+                <a:tc>
+                  <a:txBody>
+                    <a:bodyPr/>
+                    <a:lstStyle/>
+                    <a:p>
+                      <a:pPr algn="ctr"/>
+                      <a:endParaRPr lang="en-SE" sz="2000" dirty="0"/>
+                    </a:p>
+                  </a:txBody>
+                  <a:tcPr/>
+                </a:tc>
+                <a:extLst>
+                  <a:ext uri="{0D108BD9-81ED-4DB2-BD59-A6C34878D82A}">
+                    <a16:rowId xmlns:a16="http://schemas.microsoft.com/office/drawing/2014/main" val="2261139520"/>
+                  </a:ext>
+                </a:extLst>
+              </a:tr>
+            </a:tbl>
+          </a:graphicData>
+        </a:graphic>
+      </p:graphicFrame>
+      <p:graphicFrame>
+        <p:nvGraphicFramePr>
+          <p:cNvPr id="8" name="Content Placeholder 5">
+            <a:extLst>
+              <a:ext uri="{FF2B5EF4-FFF2-40B4-BE49-F238E27FC236}">
+                <a16:creationId xmlns:a16="http://schemas.microsoft.com/office/drawing/2014/main" id="{49C4F602-3BB7-C93E-2C38-0A584768BA34}"/>
+              </a:ext>
+            </a:extLst>
+          </p:cNvPr>
+          <p:cNvGraphicFramePr>
+            <a:graphicFrameLocks/>
+          </p:cNvGraphicFramePr>
+          <p:nvPr>
+            <p:extLst>
+              <p:ext uri="{D42A27DB-BD31-4B8C-83A1-F6EECF244321}">
+                <p14:modId xmlns:p14="http://schemas.microsoft.com/office/powerpoint/2010/main" val="1664580676"/>
+              </p:ext>
+            </p:extLst>
+          </p:nvPr>
+        </p:nvGraphicFramePr>
+        <p:xfrm>
+          <a:off x="6349397" y="5641401"/>
+          <a:ext cx="2453150" cy="792480"/>
+        </p:xfrm>
+        <a:graphic>
+          <a:graphicData uri="http://schemas.openxmlformats.org/drawingml/2006/table">
+            <a:tbl>
+              <a:tblPr firstRow="1" bandRow="1">
+                <a:tableStyleId>{5C22544A-7EE6-4342-B048-85BDC9FD1C3A}</a:tableStyleId>
+              </a:tblPr>
+              <a:tblGrid>
+                <a:gridCol w="490630">
+                  <a:extLst>
+                    <a:ext uri="{9D8B030D-6E8A-4147-A177-3AD203B41FA5}">
+                      <a16:colId xmlns:a16="http://schemas.microsoft.com/office/drawing/2014/main" val="700735995"/>
+                    </a:ext>
+                  </a:extLst>
+                </a:gridCol>
+                <a:gridCol w="490630">
+                  <a:extLst>
+                    <a:ext uri="{9D8B030D-6E8A-4147-A177-3AD203B41FA5}">
+                      <a16:colId xmlns:a16="http://schemas.microsoft.com/office/drawing/2014/main" val="1908259962"/>
+                    </a:ext>
+                  </a:extLst>
+                </a:gridCol>
+                <a:gridCol w="490630">
+                  <a:extLst>
+                    <a:ext uri="{9D8B030D-6E8A-4147-A177-3AD203B41FA5}">
+                      <a16:colId xmlns:a16="http://schemas.microsoft.com/office/drawing/2014/main" val="3442639361"/>
+                    </a:ext>
+                  </a:extLst>
+                </a:gridCol>
+                <a:gridCol w="490630">
+                  <a:extLst>
+                    <a:ext uri="{9D8B030D-6E8A-4147-A177-3AD203B41FA5}">
+                      <a16:colId xmlns:a16="http://schemas.microsoft.com/office/drawing/2014/main" val="1775871323"/>
+                    </a:ext>
+                  </a:extLst>
+                </a:gridCol>
+                <a:gridCol w="490630">
+                  <a:extLst>
+                    <a:ext uri="{9D8B030D-6E8A-4147-A177-3AD203B41FA5}">
+                      <a16:colId xmlns:a16="http://schemas.microsoft.com/office/drawing/2014/main" val="750707541"/>
+                    </a:ext>
+                  </a:extLst>
+                </a:gridCol>
+              </a:tblGrid>
+              <a:tr h="370840">
+                <a:tc>
+                  <a:txBody>
+                    <a:bodyPr/>
+                    <a:lstStyle/>
+                    <a:p>
+                      <a:pPr algn="ctr"/>
+                      <a:r>
+                        <a:rPr lang="en-GB" sz="2000" dirty="0"/>
+                        <a:t>0</a:t>
+                      </a:r>
+                      <a:endParaRPr lang="en-SE" sz="2000" dirty="0"/>
+                    </a:p>
+                  </a:txBody>
+                  <a:tcPr/>
+                </a:tc>
+                <a:tc>
+                  <a:txBody>
+                    <a:bodyPr/>
+                    <a:lstStyle/>
+                    <a:p>
+                      <a:pPr algn="ctr"/>
+                      <a:r>
+                        <a:rPr lang="en-GB" sz="2000" dirty="0"/>
+                        <a:t>1</a:t>
+                      </a:r>
+                      <a:endParaRPr lang="en-SE" sz="2000" dirty="0"/>
+                    </a:p>
+                  </a:txBody>
+                  <a:tcPr/>
+                </a:tc>
+                <a:tc>
+                  <a:txBody>
+                    <a:bodyPr/>
+                    <a:lstStyle/>
+                    <a:p>
+                      <a:pPr algn="ctr"/>
+                      <a:r>
+                        <a:rPr lang="en-GB" sz="2000" dirty="0"/>
+                        <a:t>2</a:t>
+                      </a:r>
+                      <a:endParaRPr lang="en-SE" sz="2000" dirty="0"/>
+                    </a:p>
+                  </a:txBody>
+                  <a:tcPr/>
+                </a:tc>
+                <a:tc>
+                  <a:txBody>
+                    <a:bodyPr/>
+                    <a:lstStyle/>
+                    <a:p>
+                      <a:pPr algn="ctr"/>
+                      <a:r>
+                        <a:rPr lang="en-GB" sz="2000" dirty="0"/>
+                        <a:t>3</a:t>
+                      </a:r>
+                      <a:endParaRPr lang="en-SE" sz="2000" dirty="0"/>
+                    </a:p>
+                  </a:txBody>
+                  <a:tcPr/>
+                </a:tc>
+                <a:tc>
+                  <a:txBody>
+                    <a:bodyPr/>
+                    <a:lstStyle/>
+                    <a:p>
+                      <a:pPr algn="ctr"/>
+                      <a:r>
+                        <a:rPr lang="en-GB" sz="2000" dirty="0"/>
+                        <a:t>4</a:t>
+                      </a:r>
+                      <a:endParaRPr lang="en-SE" sz="2000" dirty="0"/>
+                    </a:p>
+                  </a:txBody>
+                  <a:tcPr/>
+                </a:tc>
+                <a:extLst>
+                  <a:ext uri="{0D108BD9-81ED-4DB2-BD59-A6C34878D82A}">
+                    <a16:rowId xmlns:a16="http://schemas.microsoft.com/office/drawing/2014/main" val="682864112"/>
+                  </a:ext>
+                </a:extLst>
+              </a:tr>
+              <a:tr h="370840">
+                <a:tc>
+                  <a:txBody>
+                    <a:bodyPr/>
+                    <a:lstStyle/>
+                    <a:p>
+                      <a:pPr algn="ctr"/>
+                      <a:endParaRPr lang="en-SE" sz="2000" dirty="0"/>
+                    </a:p>
+                  </a:txBody>
+                  <a:tcPr/>
+                </a:tc>
+                <a:tc>
+                  <a:txBody>
+                    <a:bodyPr/>
+                    <a:lstStyle/>
+                    <a:p>
+                      <a:pPr algn="ctr"/>
+                      <a:endParaRPr lang="en-SE" sz="2000" dirty="0"/>
+                    </a:p>
+                  </a:txBody>
+                  <a:tcPr/>
+                </a:tc>
+                <a:tc>
+                  <a:txBody>
+                    <a:bodyPr/>
+                    <a:lstStyle/>
+                    <a:p>
+                      <a:pPr algn="ctr"/>
+                      <a:endParaRPr lang="en-SE" sz="2000" dirty="0"/>
+                    </a:p>
+                  </a:txBody>
+                  <a:tcPr/>
+                </a:tc>
+                <a:tc>
+                  <a:txBody>
+                    <a:bodyPr/>
+                    <a:lstStyle/>
+                    <a:p>
+                      <a:pPr algn="ctr"/>
+                      <a:endParaRPr lang="en-SE" sz="2000" dirty="0"/>
+                    </a:p>
+                  </a:txBody>
+                  <a:tcPr/>
+                </a:tc>
+                <a:tc>
+                  <a:txBody>
+                    <a:bodyPr/>
+                    <a:lstStyle/>
+                    <a:p>
+                      <a:pPr algn="ctr"/>
+                      <a:endParaRPr lang="en-SE" sz="2000" dirty="0"/>
+                    </a:p>
+                  </a:txBody>
+                  <a:tcPr/>
+                </a:tc>
+                <a:extLst>
+                  <a:ext uri="{0D108BD9-81ED-4DB2-BD59-A6C34878D82A}">
+                    <a16:rowId xmlns:a16="http://schemas.microsoft.com/office/drawing/2014/main" val="2261139520"/>
+                  </a:ext>
+                </a:extLst>
+              </a:tr>
+            </a:tbl>
+          </a:graphicData>
+        </a:graphic>
+      </p:graphicFrame>
+      <p:sp>
+        <p:nvSpPr>
+          <p:cNvPr id="9" name="TextBox 8">
+            <a:extLst>
+              <a:ext uri="{FF2B5EF4-FFF2-40B4-BE49-F238E27FC236}">
+                <a16:creationId xmlns:a16="http://schemas.microsoft.com/office/drawing/2014/main" id="{05D3FB28-D89D-93C2-D36A-747DB8C45386}"/>
+              </a:ext>
+            </a:extLst>
+          </p:cNvPr>
+          <p:cNvSpPr txBox="1"/>
+          <p:nvPr/>
+        </p:nvSpPr>
+        <p:spPr>
+          <a:xfrm>
+            <a:off x="5946261" y="2958446"/>
+            <a:ext cx="340158" cy="461665"/>
+          </a:xfrm>
+          <a:prstGeom prst="rect">
+            <a:avLst/>
+          </a:prstGeom>
+          <a:noFill/>
+        </p:spPr>
+        <p:txBody>
+          <a:bodyPr wrap="none" rtlCol="0">
+            <a:spAutoFit/>
+          </a:bodyPr>
+          <a:lstStyle/>
+          <a:p>
+            <a:r>
+              <a:rPr lang="en-US" sz="2400" dirty="0"/>
+              <a:t>1</a:t>
+            </a:r>
+            <a:endParaRPr lang="en-SE" sz="2400" dirty="0"/>
+          </a:p>
+        </p:txBody>
+      </p:sp>
+      <p:sp>
+        <p:nvSpPr>
+          <p:cNvPr id="10" name="TextBox 9">
+            <a:extLst>
+              <a:ext uri="{FF2B5EF4-FFF2-40B4-BE49-F238E27FC236}">
+                <a16:creationId xmlns:a16="http://schemas.microsoft.com/office/drawing/2014/main" id="{636F8F6F-C6D2-8350-21E0-682B6E110E8E}"/>
+              </a:ext>
+            </a:extLst>
+          </p:cNvPr>
+          <p:cNvSpPr txBox="1"/>
+          <p:nvPr/>
+        </p:nvSpPr>
+        <p:spPr>
+          <a:xfrm>
+            <a:off x="5946261" y="3854500"/>
+            <a:ext cx="340158" cy="461665"/>
+          </a:xfrm>
+          <a:prstGeom prst="rect">
+            <a:avLst/>
+          </a:prstGeom>
+          <a:noFill/>
+        </p:spPr>
+        <p:txBody>
+          <a:bodyPr wrap="none" rtlCol="0">
+            <a:spAutoFit/>
+          </a:bodyPr>
+          <a:lstStyle/>
+          <a:p>
+            <a:r>
+              <a:rPr lang="en-US" sz="2400" dirty="0"/>
+              <a:t>2</a:t>
+            </a:r>
+            <a:endParaRPr lang="en-SE" sz="2400" dirty="0"/>
+          </a:p>
+        </p:txBody>
+      </p:sp>
+      <p:sp>
+        <p:nvSpPr>
+          <p:cNvPr id="11" name="TextBox 10">
+            <a:extLst>
+              <a:ext uri="{FF2B5EF4-FFF2-40B4-BE49-F238E27FC236}">
+                <a16:creationId xmlns:a16="http://schemas.microsoft.com/office/drawing/2014/main" id="{FA6863C4-72F2-3FBC-5BA8-4D6A1A4353C9}"/>
+              </a:ext>
+            </a:extLst>
+          </p:cNvPr>
+          <p:cNvSpPr txBox="1"/>
+          <p:nvPr/>
+        </p:nvSpPr>
+        <p:spPr>
+          <a:xfrm>
+            <a:off x="5946261" y="4828096"/>
+            <a:ext cx="340158" cy="461665"/>
+          </a:xfrm>
+          <a:prstGeom prst="rect">
+            <a:avLst/>
+          </a:prstGeom>
+          <a:noFill/>
+        </p:spPr>
+        <p:txBody>
+          <a:bodyPr wrap="none" rtlCol="0">
+            <a:spAutoFit/>
+          </a:bodyPr>
+          <a:lstStyle/>
+          <a:p>
+            <a:r>
+              <a:rPr lang="en-US" sz="2400" dirty="0"/>
+              <a:t>3</a:t>
+            </a:r>
+            <a:endParaRPr lang="en-SE" sz="2400" dirty="0"/>
+          </a:p>
+        </p:txBody>
+      </p:sp>
+      <p:sp>
+        <p:nvSpPr>
+          <p:cNvPr id="12" name="TextBox 11">
+            <a:extLst>
+              <a:ext uri="{FF2B5EF4-FFF2-40B4-BE49-F238E27FC236}">
+                <a16:creationId xmlns:a16="http://schemas.microsoft.com/office/drawing/2014/main" id="{27B8DF59-74EE-F308-393E-B99AE01C113A}"/>
+              </a:ext>
+            </a:extLst>
+          </p:cNvPr>
+          <p:cNvSpPr txBox="1"/>
+          <p:nvPr/>
+        </p:nvSpPr>
+        <p:spPr>
+          <a:xfrm>
+            <a:off x="5946261" y="5814016"/>
+            <a:ext cx="340158" cy="461665"/>
+          </a:xfrm>
+          <a:prstGeom prst="rect">
+            <a:avLst/>
+          </a:prstGeom>
+          <a:noFill/>
+        </p:spPr>
+        <p:txBody>
+          <a:bodyPr wrap="none" rtlCol="0">
+            <a:spAutoFit/>
+          </a:bodyPr>
+          <a:lstStyle/>
+          <a:p>
+            <a:r>
+              <a:rPr lang="en-US" sz="2400" dirty="0"/>
+              <a:t>4</a:t>
+            </a:r>
+            <a:endParaRPr lang="en-SE" sz="2400" dirty="0"/>
+          </a:p>
+        </p:txBody>
+      </p:sp>
+      <p:sp>
+        <p:nvSpPr>
+          <p:cNvPr id="13" name="Slide Number Placeholder 5">
+            <a:extLst>
+              <a:ext uri="{FF2B5EF4-FFF2-40B4-BE49-F238E27FC236}">
+                <a16:creationId xmlns:a16="http://schemas.microsoft.com/office/drawing/2014/main" id="{79569855-24CD-1018-8ADC-8E6194F7FC97}"/>
+              </a:ext>
+            </a:extLst>
+          </p:cNvPr>
+          <p:cNvSpPr>
+            <a:spLocks noGrp="1"/>
+          </p:cNvSpPr>
+          <p:nvPr>
+            <p:ph type="sldNum" sz="quarter" idx="4"/>
+          </p:nvPr>
+        </p:nvSpPr>
+        <p:spPr>
+          <a:xfrm>
+            <a:off x="8571344" y="6492875"/>
+            <a:ext cx="572655" cy="365125"/>
+          </a:xfrm>
+          <a:prstGeom prst="rect">
+            <a:avLst/>
+          </a:prstGeom>
+        </p:spPr>
+        <p:txBody>
+          <a:bodyPr vert="horz" lIns="91440" tIns="45720" rIns="91440" bIns="45720" rtlCol="0" anchor="ctr"/>
+          <a:lstStyle>
+            <a:lvl1pPr algn="r">
+              <a:defRPr sz="1600">
+                <a:solidFill>
+                  <a:schemeClr val="tx1">
+                    <a:tint val="75000"/>
+                  </a:schemeClr>
+                </a:solidFill>
+              </a:defRPr>
+            </a:lvl1pPr>
+          </a:lstStyle>
+          <a:p>
+            <a:fld id="{325BE2B7-23DB-644D-89A2-CA3C2E8FEF83}" type="slidenum">
+              <a:rPr lang="en-US" smtClean="0"/>
+              <a:pPr/>
+              <a:t>8</a:t>
+            </a:fld>
+            <a:endParaRPr lang="en-US"/>
           </a:p>
         </p:txBody>
       </p:sp>
@@ -6837,7 +9645,7 @@
 </p:sld>
 </file>
 
-<file path=ppt/slides/slide8.xml><?xml version="1.0" encoding="utf-8"?>
+<file path=ppt/slides/slide9.xml><?xml version="1.0" encoding="utf-8"?>
 <p:sld xmlns:a="http://schemas.openxmlformats.org/drawingml/2006/main" xmlns:r="http://schemas.openxmlformats.org/officeDocument/2006/relationships" xmlns:p="http://schemas.openxmlformats.org/presentationml/2006/main">
   <p:cSld>
     <p:spTree>
@@ -7177,42 +9985,12 @@
           </a:graphicData>
         </a:graphic>
       </p:graphicFrame>
-    </p:spTree>
-    <p:extLst>
-      <p:ext uri="{BB962C8B-B14F-4D97-AF65-F5344CB8AC3E}">
-        <p14:creationId xmlns:p14="http://schemas.microsoft.com/office/powerpoint/2010/main" val="3529499583"/>
-      </p:ext>
-    </p:extLst>
-  </p:cSld>
-  <p:clrMapOvr>
-    <a:masterClrMapping/>
-  </p:clrMapOvr>
-</p:sld>
-</file>
-
-<file path=ppt/slides/slide9.xml><?xml version="1.0" encoding="utf-8"?>
-<p:sld xmlns:a="http://schemas.openxmlformats.org/drawingml/2006/main" xmlns:r="http://schemas.openxmlformats.org/officeDocument/2006/relationships" xmlns:p="http://schemas.openxmlformats.org/presentationml/2006/main">
-  <p:cSld>
-    <p:spTree>
-      <p:nvGrpSpPr>
-        <p:cNvPr id="1" name=""/>
-        <p:cNvGrpSpPr/>
-        <p:nvPr/>
-      </p:nvGrpSpPr>
-      <p:grpSpPr>
-        <a:xfrm>
-          <a:off x="0" y="0"/>
-          <a:ext cx="0" cy="0"/>
-          <a:chOff x="0" y="0"/>
-          <a:chExt cx="0" cy="0"/>
-        </a:xfrm>
-      </p:grpSpPr>
-      <p:sp>
-        <p:nvSpPr>
-          <p:cNvPr id="2" name="Title 1">
+      <p:sp>
+        <p:nvSpPr>
+          <p:cNvPr id="4" name="Slide Number Placeholder 5">
             <a:extLst>
               <a:ext uri="{FF2B5EF4-FFF2-40B4-BE49-F238E27FC236}">
-                <a16:creationId xmlns:a16="http://schemas.microsoft.com/office/drawing/2014/main" id="{9479A673-B0C0-8C31-FF23-2BBE2091325B}"/>
+                <a16:creationId xmlns:a16="http://schemas.microsoft.com/office/drawing/2014/main" id="{FAD9DD82-D5B7-41E7-7295-C4A6DA04D8A3}"/>
               </a:ext>
             </a:extLst>
           </p:cNvPr>
@@ -7220,342 +9998,45 @@
             <a:spLocks noGrp="1"/>
           </p:cNvSpPr>
           <p:nvPr>
-            <p:ph type="title"/>
-          </p:nvPr>
-        </p:nvSpPr>
-        <p:spPr/>
-        <p:txBody>
-          <a:bodyPr/>
-          <a:lstStyle/>
-          <a:p>
-            <a:r>
-              <a:rPr lang="en-GB" dirty="0"/>
-              <a:t>Linear Probing</a:t>
-            </a:r>
-            <a:endParaRPr lang="en-SE" dirty="0"/>
-          </a:p>
-        </p:txBody>
-      </p:sp>
-      <p:sp>
-        <p:nvSpPr>
-          <p:cNvPr id="3" name="Content Placeholder 2">
-            <a:extLst>
-              <a:ext uri="{FF2B5EF4-FFF2-40B4-BE49-F238E27FC236}">
-                <a16:creationId xmlns:a16="http://schemas.microsoft.com/office/drawing/2014/main" id="{B8595923-EF63-9F7C-C559-B2E07350FEDB}"/>
-              </a:ext>
-            </a:extLst>
-          </p:cNvPr>
-          <p:cNvSpPr>
-            <a:spLocks noGrp="1"/>
-          </p:cNvSpPr>
-          <p:nvPr>
-            <p:ph idx="1"/>
-          </p:nvPr>
-        </p:nvSpPr>
-        <p:spPr/>
-        <p:txBody>
-          <a:bodyPr>
-            <a:normAutofit/>
-          </a:bodyPr>
-          <a:lstStyle/>
-          <a:p>
-            <a:r>
-              <a:rPr lang="en-GB" dirty="0"/>
-              <a:t>Collisions are resolved by probing the next slot linearly:</a:t>
-            </a:r>
-          </a:p>
-          <a:p>
-            <a:r>
-              <a:rPr lang="en-GB" dirty="0"/>
-              <a:t>Probe(</a:t>
-            </a:r>
-            <a:r>
-              <a:rPr lang="en-GB" dirty="0" err="1"/>
-              <a:t>k,i</a:t>
-            </a:r>
-            <a:r>
-              <a:rPr lang="en-GB" dirty="0"/>
-              <a:t>)=(h(k)+i)%5</a:t>
-            </a:r>
-          </a:p>
-          <a:p>
-            <a:r>
-              <a:rPr lang="en-GB" dirty="0"/>
-              <a:t>Step-by-Step Insertion</a:t>
-            </a:r>
-          </a:p>
-          <a:p>
-            <a:r>
-              <a:rPr lang="en-GB" dirty="0"/>
-              <a:t>10: Slot 0 → ``</a:t>
-            </a:r>
-          </a:p>
-          <a:p>
-            <a:r>
-              <a:rPr lang="en-GB" dirty="0"/>
-              <a:t>22: Slot 2 → ``</a:t>
-            </a:r>
-          </a:p>
-          <a:p>
-            <a:r>
-              <a:rPr lang="en-GB" dirty="0"/>
-              <a:t>15: Slot 0 (occupied). Probe 1 → Slot 1 → ``</a:t>
-            </a:r>
-          </a:p>
-          <a:p>
-            <a:r>
-              <a:rPr lang="en-GB" dirty="0"/>
-              <a:t>33: Slot 3 → ``</a:t>
-            </a:r>
-          </a:p>
-          <a:p>
-            <a:r>
-              <a:rPr lang="en-GB" dirty="0"/>
-              <a:t>25: Slot 0 (occupied). Probe 1 (Slot 1: occupied), Probe 2 → Slot 2 (occupied), Probe 3 → Slot 3 (occupied), Probe 4 → Slot 4 → ``</a:t>
-            </a:r>
-            <a:endParaRPr lang="en-SE" dirty="0"/>
-          </a:p>
-        </p:txBody>
-      </p:sp>
-      <p:graphicFrame>
-        <p:nvGraphicFramePr>
-          <p:cNvPr id="6" name="Content Placeholder 5">
-            <a:extLst>
-              <a:ext uri="{FF2B5EF4-FFF2-40B4-BE49-F238E27FC236}">
-                <a16:creationId xmlns:a16="http://schemas.microsoft.com/office/drawing/2014/main" id="{23398C1A-3D36-033A-6355-66640C271ABC}"/>
-              </a:ext>
-            </a:extLst>
-          </p:cNvPr>
-          <p:cNvGraphicFramePr>
-            <a:graphicFrameLocks/>
-          </p:cNvGraphicFramePr>
-          <p:nvPr>
-            <p:extLst>
-              <p:ext uri="{D42A27DB-BD31-4B8C-83A1-F6EECF244321}">
-                <p14:modId xmlns:p14="http://schemas.microsoft.com/office/powerpoint/2010/main" val="997143446"/>
-              </p:ext>
-            </p:extLst>
-          </p:nvPr>
-        </p:nvGraphicFramePr>
-        <p:xfrm>
-          <a:off x="3345425" y="5790882"/>
-          <a:ext cx="2453150" cy="792480"/>
-        </p:xfrm>
-        <a:graphic>
-          <a:graphicData uri="http://schemas.openxmlformats.org/drawingml/2006/table">
-            <a:tbl>
-              <a:tblPr firstRow="1" bandRow="1">
-                <a:tableStyleId>{5C22544A-7EE6-4342-B048-85BDC9FD1C3A}</a:tableStyleId>
-              </a:tblPr>
-              <a:tblGrid>
-                <a:gridCol w="490630">
-                  <a:extLst>
-                    <a:ext uri="{9D8B030D-6E8A-4147-A177-3AD203B41FA5}">
-                      <a16:colId xmlns:a16="http://schemas.microsoft.com/office/drawing/2014/main" val="700735995"/>
-                    </a:ext>
-                  </a:extLst>
-                </a:gridCol>
-                <a:gridCol w="490630">
-                  <a:extLst>
-                    <a:ext uri="{9D8B030D-6E8A-4147-A177-3AD203B41FA5}">
-                      <a16:colId xmlns:a16="http://schemas.microsoft.com/office/drawing/2014/main" val="1908259962"/>
-                    </a:ext>
-                  </a:extLst>
-                </a:gridCol>
-                <a:gridCol w="490630">
-                  <a:extLst>
-                    <a:ext uri="{9D8B030D-6E8A-4147-A177-3AD203B41FA5}">
-                      <a16:colId xmlns:a16="http://schemas.microsoft.com/office/drawing/2014/main" val="3442639361"/>
-                    </a:ext>
-                  </a:extLst>
-                </a:gridCol>
-                <a:gridCol w="490630">
-                  <a:extLst>
-                    <a:ext uri="{9D8B030D-6E8A-4147-A177-3AD203B41FA5}">
-                      <a16:colId xmlns:a16="http://schemas.microsoft.com/office/drawing/2014/main" val="1775871323"/>
-                    </a:ext>
-                  </a:extLst>
-                </a:gridCol>
-                <a:gridCol w="490630">
-                  <a:extLst>
-                    <a:ext uri="{9D8B030D-6E8A-4147-A177-3AD203B41FA5}">
-                      <a16:colId xmlns:a16="http://schemas.microsoft.com/office/drawing/2014/main" val="750707541"/>
-                    </a:ext>
-                  </a:extLst>
-                </a:gridCol>
-              </a:tblGrid>
-              <a:tr h="370840">
-                <a:tc>
-                  <a:txBody>
-                    <a:bodyPr/>
-                    <a:lstStyle/>
-                    <a:p>
-                      <a:pPr algn="ctr"/>
-                      <a:r>
-                        <a:rPr lang="en-GB" sz="2000" dirty="0"/>
-                        <a:t>0</a:t>
-                      </a:r>
-                      <a:endParaRPr lang="en-SE" sz="2000" dirty="0"/>
-                    </a:p>
-                  </a:txBody>
-                  <a:tcPr/>
-                </a:tc>
-                <a:tc>
-                  <a:txBody>
-                    <a:bodyPr/>
-                    <a:lstStyle/>
-                    <a:p>
-                      <a:pPr algn="ctr"/>
-                      <a:r>
-                        <a:rPr lang="en-GB" sz="2000" dirty="0"/>
-                        <a:t>1</a:t>
-                      </a:r>
-                      <a:endParaRPr lang="en-SE" sz="2000" dirty="0"/>
-                    </a:p>
-                  </a:txBody>
-                  <a:tcPr/>
-                </a:tc>
-                <a:tc>
-                  <a:txBody>
-                    <a:bodyPr/>
-                    <a:lstStyle/>
-                    <a:p>
-                      <a:pPr algn="ctr"/>
-                      <a:r>
-                        <a:rPr lang="en-GB" sz="2000" dirty="0"/>
-                        <a:t>2</a:t>
-                      </a:r>
-                      <a:endParaRPr lang="en-SE" sz="2000" dirty="0"/>
-                    </a:p>
-                  </a:txBody>
-                  <a:tcPr/>
-                </a:tc>
-                <a:tc>
-                  <a:txBody>
-                    <a:bodyPr/>
-                    <a:lstStyle/>
-                    <a:p>
-                      <a:pPr algn="ctr"/>
-                      <a:r>
-                        <a:rPr lang="en-GB" sz="2000" dirty="0"/>
-                        <a:t>3</a:t>
-                      </a:r>
-                      <a:endParaRPr lang="en-SE" sz="2000" dirty="0"/>
-                    </a:p>
-                  </a:txBody>
-                  <a:tcPr/>
-                </a:tc>
-                <a:tc>
-                  <a:txBody>
-                    <a:bodyPr/>
-                    <a:lstStyle/>
-                    <a:p>
-                      <a:pPr algn="ctr"/>
-                      <a:r>
-                        <a:rPr lang="en-GB" sz="2000" dirty="0"/>
-                        <a:t>4</a:t>
-                      </a:r>
-                      <a:endParaRPr lang="en-SE" sz="2000" dirty="0"/>
-                    </a:p>
-                  </a:txBody>
-                  <a:tcPr/>
-                </a:tc>
-                <a:extLst>
-                  <a:ext uri="{0D108BD9-81ED-4DB2-BD59-A6C34878D82A}">
-                    <a16:rowId xmlns:a16="http://schemas.microsoft.com/office/drawing/2014/main" val="682864112"/>
-                  </a:ext>
-                </a:extLst>
-              </a:tr>
-              <a:tr h="370840">
-                <a:tc>
-                  <a:txBody>
-                    <a:bodyPr/>
-                    <a:lstStyle/>
-                    <a:p>
-                      <a:pPr algn="ctr"/>
-                      <a:r>
-                        <a:rPr lang="en-GB" sz="2000" dirty="0"/>
-                        <a:t>10</a:t>
-                      </a:r>
-                      <a:endParaRPr lang="en-SE" sz="2000" dirty="0"/>
-                    </a:p>
-                  </a:txBody>
-                  <a:tcPr/>
-                </a:tc>
-                <a:tc>
-                  <a:txBody>
-                    <a:bodyPr/>
-                    <a:lstStyle/>
-                    <a:p>
-                      <a:pPr algn="ctr"/>
-                      <a:r>
-                        <a:rPr lang="en-GB" sz="2000" dirty="0"/>
-                        <a:t>15</a:t>
-                      </a:r>
-                      <a:endParaRPr lang="en-SE" sz="2000" dirty="0"/>
-                    </a:p>
-                  </a:txBody>
-                  <a:tcPr/>
-                </a:tc>
-                <a:tc>
-                  <a:txBody>
-                    <a:bodyPr/>
-                    <a:lstStyle/>
-                    <a:p>
-                      <a:pPr algn="ctr"/>
-                      <a:r>
-                        <a:rPr lang="en-GB" sz="2000" dirty="0"/>
-                        <a:t>22</a:t>
-                      </a:r>
-                      <a:endParaRPr lang="en-SE" sz="2000" dirty="0"/>
-                    </a:p>
-                  </a:txBody>
-                  <a:tcPr/>
-                </a:tc>
-                <a:tc>
-                  <a:txBody>
-                    <a:bodyPr/>
-                    <a:lstStyle/>
-                    <a:p>
-                      <a:pPr algn="ctr"/>
-                      <a:r>
-                        <a:rPr lang="en-GB" sz="2000" dirty="0"/>
-                        <a:t>33</a:t>
-                      </a:r>
-                      <a:endParaRPr lang="en-SE" sz="2000" dirty="0"/>
-                    </a:p>
-                  </a:txBody>
-                  <a:tcPr/>
-                </a:tc>
-                <a:tc>
-                  <a:txBody>
-                    <a:bodyPr/>
-                    <a:lstStyle/>
-                    <a:p>
-                      <a:pPr algn="ctr"/>
-                      <a:r>
-                        <a:rPr lang="en-GB" sz="2000" dirty="0"/>
-                        <a:t>25</a:t>
-                      </a:r>
-                      <a:endParaRPr lang="en-SE" sz="2000" dirty="0"/>
-                    </a:p>
-                  </a:txBody>
-                  <a:tcPr/>
-                </a:tc>
-                <a:extLst>
-                  <a:ext uri="{0D108BD9-81ED-4DB2-BD59-A6C34878D82A}">
-                    <a16:rowId xmlns:a16="http://schemas.microsoft.com/office/drawing/2014/main" val="2261139520"/>
-                  </a:ext>
-                </a:extLst>
-              </a:tr>
-            </a:tbl>
-          </a:graphicData>
-        </a:graphic>
-      </p:graphicFrame>
+            <p:ph type="sldNum" sz="quarter" idx="4"/>
+          </p:nvPr>
+        </p:nvSpPr>
+        <p:spPr>
+          <a:xfrm>
+            <a:off x="8571344" y="6492875"/>
+            <a:ext cx="572655" cy="365125"/>
+          </a:xfrm>
+          <a:prstGeom prst="rect">
+            <a:avLst/>
+          </a:prstGeom>
+        </p:spPr>
+        <p:txBody>
+          <a:bodyPr vert="horz" lIns="91440" tIns="45720" rIns="91440" bIns="45720" rtlCol="0" anchor="ctr"/>
+          <a:lstStyle>
+            <a:lvl1pPr algn="r">
+              <a:defRPr sz="1600">
+                <a:solidFill>
+                  <a:schemeClr val="tx1">
+                    <a:tint val="75000"/>
+                  </a:schemeClr>
+                </a:solidFill>
+              </a:defRPr>
+            </a:lvl1pPr>
+          </a:lstStyle>
+          <a:p>
+            <a:fld id="{325BE2B7-23DB-644D-89A2-CA3C2E8FEF83}" type="slidenum">
+              <a:rPr lang="en-US" smtClean="0"/>
+              <a:pPr/>
+              <a:t>9</a:t>
+            </a:fld>
+            <a:endParaRPr lang="en-US"/>
+          </a:p>
+        </p:txBody>
+      </p:sp>
     </p:spTree>
     <p:extLst>
       <p:ext uri="{BB962C8B-B14F-4D97-AF65-F5344CB8AC3E}">
-        <p14:creationId xmlns:p14="http://schemas.microsoft.com/office/powerpoint/2010/main" val="2948823639"/>
+        <p14:creationId xmlns:p14="http://schemas.microsoft.com/office/powerpoint/2010/main" val="3529499583"/>
       </p:ext>
     </p:extLst>
   </p:cSld>
